--- a/ShookaDesktop Guide - English.pptx
+++ b/ShookaDesktop Guide - English.pptx
@@ -25191,24 +25191,15 @@
           <a:lstStyle/>
           <a:p>
             <a:r>
-              <a:rPr lang="fa-IR" sz="2800" dirty="0">
+              <a:rPr lang="en-US" sz="2800" b="1" dirty="0" smtClean="0">
                 <a:solidFill>
                   <a:srgbClr val="0070C0"/>
                 </a:solidFill>
                 <a:cs typeface="B Titr" pitchFamily="2" charset="-78"/>
               </a:rPr>
-              <a:t>راهنمای </a:t>
-            </a:r>
-            <a:r>
-              <a:rPr lang="fa-IR" sz="2800" dirty="0" smtClean="0">
-                <a:solidFill>
-                  <a:srgbClr val="0070C0"/>
-                </a:solidFill>
-                <a:cs typeface="B Titr" pitchFamily="2" charset="-78"/>
-              </a:rPr>
-              <a:t>پنجره تست دستگاه‌های صوتی</a:t>
-            </a:r>
-            <a:endParaRPr lang="en-US" sz="2800" dirty="0"/>
+              <a:t>Audio Devices Test Window</a:t>
+            </a:r>
+            <a:endParaRPr lang="en-US" sz="2800" b="1" dirty="0"/>
           </a:p>
         </p:txBody>
       </p:sp>
@@ -25930,22 +25921,22 @@
           <a:lstStyle/>
           <a:p>
             <a:r>
-              <a:rPr lang="fa-IR" sz="2800" dirty="0">
+              <a:rPr lang="en-US" sz="2800" b="1" dirty="0" smtClean="0">
                 <a:solidFill>
                   <a:srgbClr val="0070C0"/>
                 </a:solidFill>
                 <a:cs typeface="B Titr" pitchFamily="2" charset="-78"/>
               </a:rPr>
-              <a:t>راهنمای </a:t>
-            </a:r>
-            <a:r>
-              <a:rPr lang="fa-IR" sz="2800" dirty="0" smtClean="0">
+              <a:t>Video </a:t>
+            </a:r>
+            <a:r>
+              <a:rPr lang="en-US" sz="2800" b="1" dirty="0">
                 <a:solidFill>
                   <a:srgbClr val="0070C0"/>
                 </a:solidFill>
                 <a:cs typeface="B Titr" pitchFamily="2" charset="-78"/>
               </a:rPr>
-              <a:t>پنجره تست دستگاه‌های تصویری</a:t>
+              <a:t>Devices Test Window</a:t>
             </a:r>
             <a:endParaRPr lang="en-US" sz="2800" dirty="0"/>
           </a:p>
@@ -26784,24 +26775,15 @@
           <a:lstStyle/>
           <a:p>
             <a:r>
-              <a:rPr lang="fa-IR" sz="2800" dirty="0">
+              <a:rPr lang="en-US" sz="2800" b="1" dirty="0" smtClean="0">
                 <a:solidFill>
                   <a:srgbClr val="0070C0"/>
                 </a:solidFill>
                 <a:cs typeface="B Titr" pitchFamily="2" charset="-78"/>
               </a:rPr>
-              <a:t>راهنمای پنجره </a:t>
-            </a:r>
-            <a:r>
-              <a:rPr lang="fa-IR" sz="2800" dirty="0" smtClean="0">
-                <a:solidFill>
-                  <a:srgbClr val="0070C0"/>
-                </a:solidFill>
-                <a:cs typeface="B Titr" pitchFamily="2" charset="-78"/>
-              </a:rPr>
-              <a:t>ارسال گزارش خطا</a:t>
-            </a:r>
-            <a:endParaRPr lang="en-US" sz="2800" dirty="0"/>
+              <a:t>Bug Report Window</a:t>
+            </a:r>
+            <a:endParaRPr lang="en-US" sz="2800" b="1" dirty="0"/>
           </a:p>
         </p:txBody>
       </p:sp>
@@ -26813,8 +26795,8 @@
         </p:nvSpPr>
         <p:spPr>
           <a:xfrm>
-            <a:off x="457200" y="1690255"/>
-            <a:ext cx="4824391" cy="6340197"/>
+            <a:off x="457200" y="1479352"/>
+            <a:ext cx="4824391" cy="4616648"/>
           </a:xfrm>
           <a:prstGeom prst="rect">
             <a:avLst/>
@@ -26860,7 +26842,23 @@
             </a:r>
             <a:r>
               <a:rPr lang="en-US" sz="1400" dirty="0" smtClean="0"/>
-              <a:t>Email Address. (If your email address has been saved in your profile already, it will be written here automatically)</a:t>
+              <a:t>Email Address. (If your email address has been </a:t>
+            </a:r>
+            <a:r>
+              <a:rPr lang="en-US" sz="1400" dirty="0"/>
+              <a:t>stored already </a:t>
+            </a:r>
+            <a:r>
+              <a:rPr lang="en-US" sz="1400" dirty="0" smtClean="0"/>
+              <a:t>in your </a:t>
+            </a:r>
+            <a:r>
+              <a:rPr lang="en-US" sz="1400" dirty="0" smtClean="0"/>
+              <a:t>profile, </a:t>
+            </a:r>
+            <a:r>
+              <a:rPr lang="en-US" sz="1400" dirty="0" smtClean="0"/>
+              <a:t>it will be written here automatically)</a:t>
             </a:r>
           </a:p>
           <a:p>
@@ -26934,21 +26932,8 @@
                   <a:srgbClr val="7030A0"/>
                 </a:solidFill>
               </a:rPr>
-              <a:t>upport center be able to</a:t>
-            </a:r>
-            <a:r>
-              <a:rPr lang="en-US" sz="1400" b="1" dirty="0" smtClean="0">
-                <a:solidFill>
-                  <a:srgbClr val="7030A0"/>
-                </a:solidFill>
-              </a:rPr>
-              <a:t> contact you for solving the problem.</a:t>
-            </a:r>
-            <a:endParaRPr lang="en-US" sz="1400" b="1" dirty="0" smtClean="0">
-              <a:solidFill>
-                <a:srgbClr val="7030A0"/>
-              </a:solidFill>
-            </a:endParaRPr>
+              <a:t>upport center be able to contact you for solving the problem.</a:t>
+            </a:r>
           </a:p>
           <a:p>
             <a:pPr algn="just"/>
@@ -26966,7 +26951,23 @@
             </a:r>
             <a:r>
               <a:rPr lang="en-US" sz="1400" dirty="0" smtClean="0"/>
-              <a:t>By clicking this button, software detailed report will send to support center automatically but if you have any description about </a:t>
+              <a:t>By clicking this button, </a:t>
+            </a:r>
+            <a:r>
+              <a:rPr lang="en-US" sz="1400" dirty="0" smtClean="0"/>
+              <a:t>all software activity details will be sent to </a:t>
+            </a:r>
+            <a:r>
+              <a:rPr lang="en-US" sz="1400" dirty="0" smtClean="0"/>
+              <a:t>support center automatically but if you have any description about </a:t>
+            </a:r>
+            <a:r>
+              <a:rPr lang="en-US" sz="1400" dirty="0" smtClean="0"/>
+              <a:t>how, </a:t>
+            </a:r>
+            <a:r>
+              <a:rPr lang="en-US" sz="1400" dirty="0" smtClean="0"/>
+              <a:t>when or form of happening error, you may write it here.</a:t>
             </a:r>
             <a:endParaRPr lang="en-US" sz="1400" dirty="0"/>
           </a:p>
@@ -26985,197 +26986,48 @@
               <a:t>5- </a:t>
             </a:r>
             <a:r>
-              <a:rPr lang="en-US" sz="1400" dirty="0"/>
-              <a:t>Your Name</a:t>
-            </a:r>
-          </a:p>
-          <a:p>
+              <a:rPr lang="en-US" sz="1400" dirty="0" smtClean="0"/>
+              <a:t>Click this button to send your report whenever you complete above information.</a:t>
+            </a:r>
+          </a:p>
+          <a:p>
+            <a:pPr algn="just"/>
             <a:endParaRPr lang="en-US" sz="1400" dirty="0"/>
           </a:p>
           <a:p>
+            <a:pPr algn="just"/>
+            <a:r>
+              <a:rPr lang="en-US" sz="1400" dirty="0" smtClean="0">
+                <a:solidFill>
+                  <a:srgbClr val="FF0000"/>
+                </a:solidFill>
+              </a:rPr>
+              <a:t>6- </a:t>
+            </a:r>
+            <a:r>
+              <a:rPr lang="en-US" sz="1400" dirty="0" smtClean="0"/>
+              <a:t>Cancellation of sending report.</a:t>
+            </a:r>
+          </a:p>
+          <a:p>
+            <a:pPr algn="just"/>
             <a:endParaRPr lang="en-US" sz="1400" dirty="0"/>
           </a:p>
           <a:p>
-            <a:endParaRPr lang="fa-IR" sz="1400" dirty="0" smtClean="0"/>
-          </a:p>
-          <a:p>
-            <a:pPr algn="just" rtl="1"/>
+            <a:pPr algn="just"/>
             <a:r>
               <a:rPr lang="en-US" sz="1400" dirty="0" smtClean="0">
                 <a:solidFill>
                   <a:srgbClr val="FF0000"/>
                 </a:solidFill>
               </a:rPr>
-              <a:t>1</a:t>
-            </a:r>
-            <a:r>
-              <a:rPr lang="fa-IR" sz="1400" dirty="0" smtClean="0">
-                <a:solidFill>
-                  <a:srgbClr val="FF0000"/>
-                </a:solidFill>
-              </a:rPr>
-              <a:t>-</a:t>
-            </a:r>
-            <a:r>
-              <a:rPr lang="fa-IR" sz="1400" dirty="0" smtClean="0">
-                <a:cs typeface="B Nazanin" pitchFamily="2" charset="-78"/>
-              </a:rPr>
-              <a:t> نام شما جهت پاسخگویی واحد پشتیبانی</a:t>
-            </a:r>
-          </a:p>
-          <a:p>
-            <a:pPr algn="just" rtl="1"/>
-            <a:r>
-              <a:rPr lang="fa-IR" sz="1400" dirty="0" smtClean="0">
-                <a:solidFill>
-                  <a:srgbClr val="FF0000"/>
-                </a:solidFill>
-              </a:rPr>
-              <a:t>2- </a:t>
-            </a:r>
-            <a:r>
-              <a:rPr lang="fa-IR" sz="1400" dirty="0" smtClean="0">
-                <a:cs typeface="B Nazanin" pitchFamily="2" charset="-78"/>
-              </a:rPr>
-              <a:t>آدرس ایمیل شما جهت پاسخگویی ایمیلی واحد پشتیبانی. (اگر آدرس ایمیلتان را در پروفایلتان ثبت کنید، بطورخودکار در اینجا نوشته می‌شود)</a:t>
-            </a:r>
-          </a:p>
-          <a:p>
-            <a:pPr algn="just" rtl="1"/>
-            <a:r>
-              <a:rPr lang="fa-IR" sz="1400" dirty="0" smtClean="0">
-                <a:solidFill>
-                  <a:srgbClr val="FF0000"/>
-                </a:solidFill>
-              </a:rPr>
-              <a:t>3-</a:t>
-            </a:r>
-            <a:r>
-              <a:rPr lang="fa-IR" sz="1400" dirty="0" smtClean="0">
-                <a:cs typeface="B Nazanin" pitchFamily="2" charset="-78"/>
-              </a:rPr>
-              <a:t> شماره تماس شما جهت پاسخگویی تلفنی واحد پشتیبانی</a:t>
-            </a:r>
-          </a:p>
-          <a:p>
-            <a:pPr algn="ctr" rtl="1"/>
-            <a:r>
-              <a:rPr lang="fa-IR" sz="1400" b="1" dirty="0" smtClean="0">
-                <a:solidFill>
-                  <a:srgbClr val="7030A0"/>
-                </a:solidFill>
-                <a:cs typeface="B Nazanin" pitchFamily="2" charset="-78"/>
-              </a:rPr>
-              <a:t>ورود آدرس ایمیل </a:t>
-            </a:r>
-            <a:r>
-              <a:rPr lang="fa-IR" sz="1400" b="1" dirty="0">
-                <a:solidFill>
-                  <a:srgbClr val="7030A0"/>
-                </a:solidFill>
-                <a:cs typeface="B Nazanin" pitchFamily="2" charset="-78"/>
-              </a:rPr>
-              <a:t>و</a:t>
-            </a:r>
-            <a:r>
-              <a:rPr lang="fa-IR" sz="1400" b="1" dirty="0" smtClean="0">
-                <a:solidFill>
-                  <a:srgbClr val="7030A0"/>
-                </a:solidFill>
-                <a:cs typeface="B Nazanin" pitchFamily="2" charset="-78"/>
-              </a:rPr>
-              <a:t> شماره تماس ضروری است.</a:t>
-            </a:r>
-            <a:endParaRPr lang="en-US" sz="1400" b="1" dirty="0">
-              <a:solidFill>
-                <a:srgbClr val="7030A0"/>
-              </a:solidFill>
-            </a:endParaRPr>
-          </a:p>
-          <a:p>
-            <a:pPr algn="just" rtl="1"/>
-            <a:r>
-              <a:rPr lang="fa-IR" sz="1400" dirty="0" smtClean="0">
-                <a:solidFill>
-                  <a:srgbClr val="FF0000"/>
-                </a:solidFill>
-              </a:rPr>
-              <a:t>4- </a:t>
-            </a:r>
-            <a:r>
-              <a:rPr lang="fa-IR" sz="1400" dirty="0" smtClean="0">
-                <a:cs typeface="B Nazanin" pitchFamily="2" charset="-78"/>
-              </a:rPr>
-              <a:t>با کلیک دکمه ارسال خطا، گزارش جزئیات کارکرد نرم‌افزار برای واحد پشتیبانی ارسال می‌شود اما اگرراجع به زمان، علت یا شکل بروز خطا نکته‌ای دارید، می‌توانید آنرا اینجا بنویسید.</a:t>
-            </a:r>
-            <a:endParaRPr lang="en-US" sz="1400" dirty="0" smtClean="0">
-              <a:solidFill>
-                <a:srgbClr val="FF0000"/>
-              </a:solidFill>
-            </a:endParaRPr>
-          </a:p>
-          <a:p>
-            <a:pPr algn="just" rtl="1"/>
-            <a:r>
-              <a:rPr lang="fa-IR" sz="1400" dirty="0" smtClean="0">
-                <a:solidFill>
-                  <a:srgbClr val="FF0000"/>
-                </a:solidFill>
-              </a:rPr>
-              <a:t>5-</a:t>
-            </a:r>
-            <a:r>
-              <a:rPr lang="fa-IR" sz="1400" dirty="0" smtClean="0">
-                <a:solidFill>
-                  <a:srgbClr val="FF0000"/>
-                </a:solidFill>
-                <a:cs typeface="B Nazanin" pitchFamily="2" charset="-78"/>
-              </a:rPr>
-              <a:t> </a:t>
-            </a:r>
-            <a:r>
-              <a:rPr lang="fa-IR" sz="1400" dirty="0" smtClean="0">
-                <a:cs typeface="B Nazanin" pitchFamily="2" charset="-78"/>
-              </a:rPr>
-              <a:t>دکمه ارسال خطا</a:t>
-            </a:r>
-          </a:p>
-          <a:p>
-            <a:pPr algn="just" rtl="1"/>
-            <a:r>
-              <a:rPr lang="fa-IR" sz="1400" dirty="0" smtClean="0">
-                <a:solidFill>
-                  <a:srgbClr val="FF0000"/>
-                </a:solidFill>
-              </a:rPr>
-              <a:t>6- </a:t>
-            </a:r>
-            <a:r>
-              <a:rPr lang="fa-IR" sz="1400" dirty="0" smtClean="0">
-                <a:cs typeface="B Nazanin" pitchFamily="2" charset="-78"/>
-              </a:rPr>
-              <a:t>انصراف از ارسال خطا</a:t>
-            </a:r>
-          </a:p>
-          <a:p>
-            <a:pPr algn="just" rtl="1"/>
-            <a:r>
-              <a:rPr lang="fa-IR" sz="1400" dirty="0" smtClean="0">
-                <a:solidFill>
-                  <a:srgbClr val="FF0000"/>
-                </a:solidFill>
-              </a:rPr>
               <a:t>7- </a:t>
             </a:r>
             <a:r>
-              <a:rPr lang="fa-IR" sz="1400" dirty="0" smtClean="0">
-                <a:cs typeface="B Nazanin" pitchFamily="2" charset="-78"/>
-              </a:rPr>
-              <a:t>بستن</a:t>
-            </a:r>
-            <a:endParaRPr lang="fa-IR" sz="1400" dirty="0">
-              <a:cs typeface="B Nazanin" pitchFamily="2" charset="-78"/>
-            </a:endParaRPr>
+              <a:rPr lang="en-US" sz="1400" dirty="0" smtClean="0"/>
+              <a:t>Close this window.</a:t>
+            </a:r>
+            <a:endParaRPr lang="en-US" sz="1400" dirty="0"/>
           </a:p>
         </p:txBody>
       </p:sp>
@@ -27729,7 +27581,7 @@
       </p:grpSpPr>
       <p:pic>
         <p:nvPicPr>
-          <p:cNvPr id="4" name="Picture 3"/>
+          <p:cNvPr id="29" name="Picture 28"/>
           <p:cNvPicPr>
             <a:picLocks noChangeAspect="1"/>
           </p:cNvPicPr>
@@ -27749,49 +27601,14 @@
         </p:blipFill>
         <p:spPr>
           <a:xfrm>
-            <a:off x="3540825" y="900475"/>
-            <a:ext cx="5208595" cy="5786325"/>
+            <a:off x="3450422" y="856260"/>
+            <a:ext cx="5337303" cy="5937409"/>
           </a:xfrm>
           <a:prstGeom prst="rect">
             <a:avLst/>
           </a:prstGeom>
         </p:spPr>
       </p:pic>
-      <p:sp>
-        <p:nvSpPr>
-          <p:cNvPr id="2" name="Title 1"/>
-          <p:cNvSpPr>
-            <a:spLocks noGrp="1"/>
-          </p:cNvSpPr>
-          <p:nvPr>
-            <p:ph type="title"/>
-          </p:nvPr>
-        </p:nvSpPr>
-        <p:spPr>
-          <a:xfrm>
-            <a:off x="457200" y="0"/>
-            <a:ext cx="8229600" cy="1143000"/>
-          </a:xfrm>
-        </p:spPr>
-        <p:txBody>
-          <a:bodyPr>
-            <a:normAutofit/>
-          </a:bodyPr>
-          <a:lstStyle/>
-          <a:p>
-            <a:r>
-              <a:rPr lang="fa-IR" sz="2800" dirty="0" smtClean="0">
-                <a:solidFill>
-                  <a:srgbClr val="0070C0"/>
-                </a:solidFill>
-                <a:cs typeface="B Titr" pitchFamily="2" charset="-78"/>
-              </a:rPr>
-              <a:t>راهنمای پنجره تماس مستقیم</a:t>
-            </a:r>
-            <a:endParaRPr lang="en-US" sz="2800" dirty="0"/>
-          </a:p>
-        </p:txBody>
-      </p:sp>
       <p:sp>
         <p:nvSpPr>
           <p:cNvPr id="38" name="Rectangle 37"/>
@@ -27800,8 +27617,8 @@
         </p:nvSpPr>
         <p:spPr>
           <a:xfrm>
-            <a:off x="417143" y="1056564"/>
-            <a:ext cx="5336867" cy="2893100"/>
+            <a:off x="417143" y="838200"/>
+            <a:ext cx="5336867" cy="3539430"/>
           </a:xfrm>
           <a:prstGeom prst="rect">
             <a:avLst/>
@@ -27813,34 +27630,24 @@
           </a:bodyPr>
           <a:lstStyle/>
           <a:p>
-            <a:pPr algn="just" rtl="1"/>
+            <a:pPr algn="just"/>
             <a:r>
               <a:rPr lang="en-US" sz="1400" dirty="0" smtClean="0">
                 <a:solidFill>
                   <a:srgbClr val="FF0000"/>
                 </a:solidFill>
               </a:rPr>
-              <a:t>1</a:t>
-            </a:r>
-            <a:r>
-              <a:rPr lang="fa-IR" sz="1400" dirty="0" smtClean="0">
-                <a:solidFill>
-                  <a:srgbClr val="FF0000"/>
-                </a:solidFill>
-              </a:rPr>
-              <a:t>-</a:t>
-            </a:r>
-            <a:r>
-              <a:rPr lang="fa-IR" sz="1400" dirty="0" smtClean="0">
-                <a:cs typeface="B Nazanin" pitchFamily="2" charset="-78"/>
-              </a:rPr>
-              <a:t> آیکون نشاندهنده وضعیت فعلی فرد (آفلاین، آنلاین، مشغول کنفرانس و ...)</a:t>
-            </a:r>
-          </a:p>
-          <a:p>
-            <a:pPr algn="just" rtl="1"/>
-            <a:r>
-              <a:rPr lang="fa-IR" sz="1400" dirty="0">
+              <a:t>1- </a:t>
+            </a:r>
+            <a:r>
+              <a:rPr lang="en-US" sz="1400" dirty="0" smtClean="0"/>
+              <a:t>Person’s Current Status Icon (OFFLINE, ONLINE, BUSY, …)</a:t>
+            </a:r>
+          </a:p>
+          <a:p>
+            <a:pPr algn="just"/>
+            <a:r>
+              <a:rPr lang="en-US" sz="1400" dirty="0" smtClean="0">
                 <a:solidFill>
                   <a:srgbClr val="FF0000"/>
                 </a:solidFill>
@@ -27848,16 +27655,14 @@
               <a:t>2- </a:t>
             </a:r>
             <a:r>
-              <a:rPr lang="fa-IR" sz="1400" dirty="0" smtClean="0">
-                <a:cs typeface="B Nazanin" pitchFamily="2" charset="-78"/>
-              </a:rPr>
-              <a:t>نام و نام خانوادگی فرد</a:t>
-            </a:r>
-          </a:p>
-          <a:p>
-            <a:pPr algn="just" rtl="1"/>
-            <a:r>
-              <a:rPr lang="fa-IR" sz="1400" dirty="0" smtClean="0">
+              <a:rPr lang="en-US" sz="1400" dirty="0" smtClean="0"/>
+              <a:t>Name and Family of this person</a:t>
+            </a:r>
+          </a:p>
+          <a:p>
+            <a:pPr algn="just"/>
+            <a:r>
+              <a:rPr lang="en-US" sz="1400" dirty="0" smtClean="0">
                 <a:solidFill>
                   <a:srgbClr val="FF0000"/>
                 </a:solidFill>
@@ -27865,178 +27670,249 @@
               <a:t>3- </a:t>
             </a:r>
             <a:r>
-              <a:rPr lang="fa-IR" sz="1400" dirty="0" smtClean="0">
-                <a:cs typeface="B Nazanin" pitchFamily="2" charset="-78"/>
-              </a:rPr>
-              <a:t>اگر فرد در لیست مخاطبین تان نباشد، می توانید با کلیک روی این علامت، وی را به لیست مخاطبین تان اضافه کنید تا از این پس برای تماس با وی یا دعوتش به جلسات تان، نیازی به جستجویش نداشته باشید. اما اگر فرد در لیست مخاطبین تان باشد، بجای این علامت، علامت </a:t>
-            </a:r>
+              <a:rPr lang="en-US" sz="1400" dirty="0" smtClean="0"/>
+              <a:t>If this person is not in your contact list, you can add them to your contact list by clicking on this Icon, so you will not need to search them again to call them or invite them to your conferences. If this person is already in your contact list, you will see a X Icon here, which could delete him from your contact list.</a:t>
+            </a:r>
+            <a:endParaRPr lang="en-US" sz="1400" dirty="0"/>
+          </a:p>
+          <a:p>
+            <a:pPr algn="just"/>
             <a:r>
               <a:rPr lang="en-US" sz="1400" dirty="0" smtClean="0">
-                <a:cs typeface="B Nazanin" pitchFamily="2" charset="-78"/>
-              </a:rPr>
-              <a:t>X</a:t>
-            </a:r>
-            <a:r>
-              <a:rPr lang="fa-IR" sz="1400" dirty="0" smtClean="0">
-                <a:cs typeface="B Nazanin" pitchFamily="2" charset="-78"/>
-              </a:rPr>
-              <a:t> می بینید که با کلیک روی آن، نام فرد از لیست مخاطبین تان حذف می شود.</a:t>
-            </a:r>
-            <a:endParaRPr lang="en-US" sz="1400" dirty="0">
+                <a:solidFill>
+                  <a:srgbClr val="FF0000"/>
+                </a:solidFill>
+              </a:rPr>
+              <a:t>4- </a:t>
+            </a:r>
+            <a:r>
+              <a:rPr lang="en-US" sz="1400" dirty="0" smtClean="0"/>
+              <a:t>Organization of this person</a:t>
+            </a:r>
+            <a:endParaRPr lang="en-US" sz="1400" dirty="0"/>
+          </a:p>
+          <a:p>
+            <a:pPr algn="just"/>
+            <a:r>
+              <a:rPr lang="en-US" sz="1400" dirty="0" smtClean="0">
+                <a:solidFill>
+                  <a:srgbClr val="FF0000"/>
+                </a:solidFill>
+              </a:rPr>
+              <a:t>5- </a:t>
+            </a:r>
+            <a:r>
+              <a:rPr lang="en-US" sz="1400" dirty="0"/>
+              <a:t>C</a:t>
+            </a:r>
+            <a:r>
+              <a:rPr lang="en-US" sz="1400" dirty="0" smtClean="0"/>
+              <a:t>alling number of this person, with below format:</a:t>
+            </a:r>
+          </a:p>
+          <a:p>
+            <a:pPr algn="just"/>
+            <a:r>
+              <a:rPr lang="en-US" sz="1400" dirty="0" smtClean="0"/>
+              <a:t>“(Organization Number) Person Number”</a:t>
+            </a:r>
+          </a:p>
+          <a:p>
+            <a:pPr algn="just"/>
+            <a:r>
+              <a:rPr lang="en-US" sz="1400" dirty="0" smtClean="0"/>
+              <a:t>You can search people by their number here or you can call them by this number using </a:t>
+            </a:r>
+            <a:r>
+              <a:rPr lang="en-US" sz="1400" dirty="0" err="1" smtClean="0"/>
+              <a:t>DialPad</a:t>
+            </a:r>
+            <a:r>
+              <a:rPr lang="en-US" sz="1400" dirty="0" smtClean="0"/>
+              <a:t> tab.</a:t>
+            </a:r>
+          </a:p>
+          <a:p>
+            <a:pPr algn="just"/>
+            <a:r>
+              <a:rPr lang="en-US" sz="1400" dirty="0" smtClean="0">
+                <a:solidFill>
+                  <a:srgbClr val="FF0000"/>
+                </a:solidFill>
+              </a:rPr>
+              <a:t>6- </a:t>
+            </a:r>
+            <a:r>
+              <a:rPr lang="en-US" sz="1400" dirty="0" smtClean="0"/>
+              <a:t>By clicking on this button, you can make a video call to this person.</a:t>
+            </a:r>
+          </a:p>
+          <a:p>
+            <a:pPr algn="just"/>
+            <a:r>
+              <a:rPr lang="en-US" sz="1400" dirty="0" smtClean="0">
+                <a:solidFill>
+                  <a:srgbClr val="FF0000"/>
+                </a:solidFill>
+              </a:rPr>
+              <a:t>7- </a:t>
+            </a:r>
+            <a:r>
+              <a:rPr lang="en-US" sz="1400" dirty="0"/>
+              <a:t>By clicking on this button, you can make a </a:t>
+            </a:r>
+            <a:r>
+              <a:rPr lang="en-US" sz="1400" dirty="0" smtClean="0"/>
+              <a:t>voice </a:t>
+            </a:r>
+            <a:r>
+              <a:rPr lang="en-US" sz="1400" dirty="0"/>
+              <a:t>call to this person.</a:t>
+            </a:r>
+          </a:p>
+          <a:p>
+            <a:pPr algn="just"/>
+            <a:r>
+              <a:rPr lang="en-US" sz="1400" dirty="0" smtClean="0">
+                <a:solidFill>
+                  <a:srgbClr val="FF0000"/>
+                </a:solidFill>
+              </a:rPr>
+              <a:t>8- </a:t>
+            </a:r>
+            <a:r>
+              <a:rPr lang="en-US" sz="1400" dirty="0"/>
+              <a:t>By clicking on this button, you can </a:t>
+            </a:r>
+            <a:r>
+              <a:rPr lang="en-US" sz="1400" dirty="0" smtClean="0"/>
+              <a:t>send/receive text messages </a:t>
+            </a:r>
+            <a:r>
+              <a:rPr lang="en-US" sz="1400" dirty="0"/>
+              <a:t>to this person</a:t>
+            </a:r>
+            <a:r>
+              <a:rPr lang="en-US" sz="1400" dirty="0" smtClean="0"/>
+              <a:t>.</a:t>
+            </a:r>
+            <a:endParaRPr lang="en-US" sz="1400" dirty="0"/>
+          </a:p>
+        </p:txBody>
+      </p:sp>
+      <p:sp>
+        <p:nvSpPr>
+          <p:cNvPr id="70" name="Rectangle 69"/>
+          <p:cNvSpPr/>
+          <p:nvPr/>
+        </p:nvSpPr>
+        <p:spPr>
+          <a:xfrm>
+            <a:off x="304800" y="6230607"/>
+            <a:ext cx="3145622" cy="523220"/>
+          </a:xfrm>
+          <a:prstGeom prst="rect">
+            <a:avLst/>
+          </a:prstGeom>
+        </p:spPr>
+        <p:txBody>
+          <a:bodyPr wrap="square">
+            <a:spAutoFit/>
+          </a:bodyPr>
+          <a:lstStyle/>
+          <a:p>
+            <a:pPr algn="just"/>
+            <a:r>
+              <a:rPr lang="en-US" sz="1400" dirty="0" smtClean="0">
+                <a:solidFill>
+                  <a:schemeClr val="accent3">
+                    <a:lumMod val="50000"/>
+                  </a:schemeClr>
+                </a:solidFill>
+                <a:latin typeface="Tahoma" pitchFamily="34" charset="0"/>
+                <a:ea typeface="Tahoma" pitchFamily="34" charset="0"/>
+                <a:cs typeface="Tahoma" pitchFamily="34" charset="0"/>
+              </a:rPr>
+              <a:t>Click on    </a:t>
+            </a:r>
+            <a:r>
+              <a:rPr lang="en-US" sz="1400" dirty="0" smtClean="0">
+                <a:solidFill>
+                  <a:schemeClr val="accent3">
+                    <a:lumMod val="50000"/>
+                  </a:schemeClr>
+                </a:solidFill>
+                <a:latin typeface="Tahoma" pitchFamily="34" charset="0"/>
+                <a:ea typeface="Tahoma" pitchFamily="34" charset="0"/>
+                <a:cs typeface="Tahoma" pitchFamily="34" charset="0"/>
+              </a:rPr>
+              <a:t>to </a:t>
+            </a:r>
+            <a:r>
+              <a:rPr lang="en-US" sz="1400" dirty="0" smtClean="0">
+                <a:solidFill>
+                  <a:schemeClr val="accent3">
+                    <a:lumMod val="50000"/>
+                  </a:schemeClr>
+                </a:solidFill>
+                <a:latin typeface="Tahoma" pitchFamily="34" charset="0"/>
+                <a:ea typeface="Tahoma" pitchFamily="34" charset="0"/>
+                <a:cs typeface="Tahoma" pitchFamily="34" charset="0"/>
+              </a:rPr>
+              <a:t>see guide for parts, which are in front of this sign.</a:t>
+            </a:r>
+            <a:endParaRPr lang="fa-IR" sz="1400" dirty="0" smtClean="0">
               <a:solidFill>
-                <a:srgbClr val="FF0000"/>
+                <a:schemeClr val="accent3">
+                  <a:lumMod val="50000"/>
+                </a:schemeClr>
               </a:solidFill>
+              <a:latin typeface="Tahoma" pitchFamily="34" charset="0"/>
+              <a:ea typeface="Tahoma" pitchFamily="34" charset="0"/>
+              <a:cs typeface="Tahoma" pitchFamily="34" charset="0"/>
             </a:endParaRPr>
           </a:p>
-          <a:p>
-            <a:pPr algn="just" rtl="1"/>
-            <a:r>
-              <a:rPr lang="fa-IR" sz="1400" dirty="0" smtClean="0">
-                <a:solidFill>
-                  <a:srgbClr val="FF0000"/>
-                </a:solidFill>
-              </a:rPr>
-              <a:t>4- </a:t>
-            </a:r>
-            <a:r>
-              <a:rPr lang="fa-IR" sz="1400" dirty="0" smtClean="0">
-                <a:cs typeface="B Nazanin" pitchFamily="2" charset="-78"/>
-              </a:rPr>
-              <a:t>نام سازمان فرد مورد نظر</a:t>
-            </a:r>
-            <a:endParaRPr lang="en-US" sz="1400" dirty="0" smtClean="0">
-              <a:solidFill>
-                <a:srgbClr val="FF0000"/>
-              </a:solidFill>
-            </a:endParaRPr>
-          </a:p>
-          <a:p>
-            <a:pPr algn="just" rtl="1"/>
-            <a:r>
-              <a:rPr lang="fa-IR" sz="1400" dirty="0" smtClean="0">
-                <a:solidFill>
-                  <a:srgbClr val="FF0000"/>
-                </a:solidFill>
-              </a:rPr>
-              <a:t>5-</a:t>
-            </a:r>
-            <a:r>
-              <a:rPr lang="fa-IR" sz="1400" dirty="0" smtClean="0">
-                <a:solidFill>
-                  <a:srgbClr val="FF0000"/>
-                </a:solidFill>
-                <a:cs typeface="B Nazanin" pitchFamily="2" charset="-78"/>
-              </a:rPr>
-              <a:t> </a:t>
-            </a:r>
-            <a:r>
-              <a:rPr lang="fa-IR" sz="1400" dirty="0" smtClean="0">
-                <a:cs typeface="B Nazanin" pitchFamily="2" charset="-78"/>
-              </a:rPr>
-              <a:t>شماره تماس با فرد مورد نظر در قالب «شماره فرد (پیش شماره سازمان)» است. یکی دیگر از راههای تماس با افراد، تماس با این شماره از طریق سربرگ شماره گیر است.</a:t>
-            </a:r>
-          </a:p>
-          <a:p>
-            <a:pPr algn="just" rtl="1"/>
-            <a:r>
-              <a:rPr lang="fa-IR" sz="1400" dirty="0" smtClean="0">
-                <a:solidFill>
-                  <a:srgbClr val="FF0000"/>
-                </a:solidFill>
-              </a:rPr>
-              <a:t>6- </a:t>
-            </a:r>
-            <a:r>
-              <a:rPr lang="fa-IR" sz="1400" dirty="0" smtClean="0">
-                <a:cs typeface="B Nazanin" pitchFamily="2" charset="-78"/>
-              </a:rPr>
-              <a:t>با زدن این دکمه تماس تصویری با فرد مورد نظر برقرار می گردد.</a:t>
-            </a:r>
-          </a:p>
-          <a:p>
-            <a:pPr algn="just" rtl="1"/>
-            <a:r>
-              <a:rPr lang="fa-IR" sz="1400" dirty="0" smtClean="0">
-                <a:solidFill>
-                  <a:srgbClr val="FF0000"/>
-                </a:solidFill>
-              </a:rPr>
-              <a:t>7- </a:t>
-            </a:r>
-            <a:r>
-              <a:rPr lang="fa-IR" sz="1400" dirty="0">
-                <a:cs typeface="B Nazanin" pitchFamily="2" charset="-78"/>
-              </a:rPr>
-              <a:t>با زدن این دکمه تماس </a:t>
-            </a:r>
-            <a:r>
-              <a:rPr lang="fa-IR" sz="1400" dirty="0" smtClean="0">
-                <a:cs typeface="B Nazanin" pitchFamily="2" charset="-78"/>
-              </a:rPr>
-              <a:t>صوتی </a:t>
-            </a:r>
-            <a:r>
-              <a:rPr lang="fa-IR" sz="1400" dirty="0">
-                <a:cs typeface="B Nazanin" pitchFamily="2" charset="-78"/>
-              </a:rPr>
-              <a:t>با فرد مورد نظر برقرار می گردد.</a:t>
-            </a:r>
-            <a:endParaRPr lang="fa-IR" sz="1400" dirty="0">
-              <a:solidFill>
-                <a:srgbClr val="FF0000"/>
-              </a:solidFill>
-              <a:cs typeface="B Nazanin" pitchFamily="2" charset="-78"/>
-            </a:endParaRPr>
-          </a:p>
-          <a:p>
-            <a:pPr algn="just" rtl="1"/>
-            <a:r>
-              <a:rPr lang="fa-IR" sz="1400" dirty="0" smtClean="0">
-                <a:solidFill>
-                  <a:srgbClr val="FF0000"/>
-                </a:solidFill>
-              </a:rPr>
-              <a:t>8- </a:t>
-            </a:r>
-            <a:r>
-              <a:rPr lang="fa-IR" sz="1400" dirty="0">
-                <a:cs typeface="B Nazanin" pitchFamily="2" charset="-78"/>
-              </a:rPr>
-              <a:t>با زدن این دکمه </a:t>
-            </a:r>
-            <a:r>
-              <a:rPr lang="fa-IR" sz="1400" dirty="0" smtClean="0">
-                <a:cs typeface="B Nazanin" pitchFamily="2" charset="-78"/>
-              </a:rPr>
-              <a:t>می‌توانید برای این فرد پیام متنی ارسال/دریافت کنید.</a:t>
-            </a:r>
-            <a:endParaRPr lang="fa-IR" sz="1400" dirty="0">
-              <a:solidFill>
-                <a:srgbClr val="FF0000"/>
-              </a:solidFill>
-              <a:cs typeface="B Nazanin" pitchFamily="2" charset="-78"/>
-            </a:endParaRPr>
-          </a:p>
-          <a:p>
-            <a:pPr algn="just" rtl="1"/>
-            <a:endParaRPr lang="fa-IR" sz="1400" dirty="0">
-              <a:solidFill>
-                <a:srgbClr val="FF0000"/>
-              </a:solidFill>
-              <a:cs typeface="B Nazanin" pitchFamily="2" charset="-78"/>
-            </a:endParaRPr>
-          </a:p>
-        </p:txBody>
-      </p:sp>
-      <p:sp>
-        <p:nvSpPr>
-          <p:cNvPr id="27" name="TextBox 26"/>
+        </p:txBody>
+      </p:sp>
+      <p:pic>
+        <p:nvPicPr>
+          <p:cNvPr id="71" name="Picture 70"/>
+          <p:cNvPicPr>
+            <a:picLocks noChangeAspect="1"/>
+          </p:cNvPicPr>
+          <p:nvPr/>
+        </p:nvPicPr>
+        <p:blipFill>
+          <a:blip r:embed="rId3">
+            <a:extLst>
+              <a:ext uri="{28A0092B-C50C-407E-A947-70E740481C1C}">
+                <a14:useLocalDpi xmlns:a14="http://schemas.microsoft.com/office/drawing/2010/main"/>
+              </a:ext>
+            </a:extLst>
+          </a:blip>
+          <a:stretch>
+            <a:fillRect/>
+          </a:stretch>
+        </p:blipFill>
+        <p:spPr>
+          <a:xfrm>
+            <a:off x="1091757" y="6264731"/>
+            <a:ext cx="266195" cy="266195"/>
+          </a:xfrm>
+          <a:prstGeom prst="rect">
+            <a:avLst/>
+          </a:prstGeom>
+        </p:spPr>
+      </p:pic>
+      <p:sp>
+        <p:nvSpPr>
+          <p:cNvPr id="30" name="TextBox 29"/>
           <p:cNvSpPr txBox="1"/>
           <p:nvPr/>
         </p:nvSpPr>
         <p:spPr>
           <a:xfrm>
-            <a:off x="5688275" y="4050268"/>
+            <a:off x="5638800" y="4050268"/>
             <a:ext cx="338860" cy="369332"/>
           </a:xfrm>
           <a:prstGeom prst="rect">
@@ -28068,15 +27944,15 @@
       </p:sp>
       <p:cxnSp>
         <p:nvCxnSpPr>
-          <p:cNvPr id="28" name="Straight Arrow Connector 27"/>
+          <p:cNvPr id="40" name="Straight Arrow Connector 39"/>
           <p:cNvCxnSpPr>
-            <a:stCxn id="27" idx="2"/>
+            <a:stCxn id="30" idx="2"/>
           </p:cNvCxnSpPr>
           <p:nvPr/>
         </p:nvCxnSpPr>
         <p:spPr>
           <a:xfrm>
-            <a:off x="5857705" y="4419600"/>
+            <a:off x="5808230" y="4419600"/>
             <a:ext cx="0" cy="269617"/>
           </a:xfrm>
           <a:prstGeom prst="straightConnector1">
@@ -28103,13 +27979,13 @@
       </p:cxnSp>
       <p:sp>
         <p:nvSpPr>
-          <p:cNvPr id="34" name="TextBox 33"/>
+          <p:cNvPr id="50" name="TextBox 49"/>
           <p:cNvSpPr txBox="1"/>
           <p:nvPr/>
         </p:nvSpPr>
         <p:spPr>
           <a:xfrm>
-            <a:off x="4747150" y="4022659"/>
+            <a:off x="4495800" y="4022659"/>
             <a:ext cx="338860" cy="369332"/>
           </a:xfrm>
           <a:prstGeom prst="rect">
@@ -28141,15 +28017,15 @@
       </p:sp>
       <p:cxnSp>
         <p:nvCxnSpPr>
-          <p:cNvPr id="35" name="Straight Arrow Connector 34"/>
+          <p:cNvPr id="51" name="Straight Arrow Connector 50"/>
           <p:cNvCxnSpPr>
-            <a:stCxn id="34" idx="2"/>
+            <a:stCxn id="50" idx="2"/>
           </p:cNvCxnSpPr>
           <p:nvPr/>
         </p:nvCxnSpPr>
         <p:spPr>
           <a:xfrm>
-            <a:off x="4916580" y="4391991"/>
+            <a:off x="4665230" y="4391991"/>
             <a:ext cx="0" cy="404101"/>
           </a:xfrm>
           <a:prstGeom prst="straightConnector1">
@@ -28176,13 +28052,13 @@
       </p:cxnSp>
       <p:sp>
         <p:nvSpPr>
-          <p:cNvPr id="36" name="TextBox 35"/>
+          <p:cNvPr id="52" name="TextBox 51"/>
           <p:cNvSpPr txBox="1"/>
           <p:nvPr/>
         </p:nvSpPr>
         <p:spPr>
           <a:xfrm>
-            <a:off x="3742700" y="4050268"/>
+            <a:off x="3716975" y="4050268"/>
             <a:ext cx="338860" cy="369332"/>
           </a:xfrm>
           <a:prstGeom prst="rect">
@@ -28214,15 +28090,15 @@
       </p:sp>
       <p:cxnSp>
         <p:nvCxnSpPr>
-          <p:cNvPr id="37" name="Straight Arrow Connector 36"/>
+          <p:cNvPr id="53" name="Straight Arrow Connector 52"/>
           <p:cNvCxnSpPr>
-            <a:stCxn id="36" idx="2"/>
+            <a:stCxn id="52" idx="2"/>
           </p:cNvCxnSpPr>
           <p:nvPr/>
         </p:nvCxnSpPr>
         <p:spPr>
           <a:xfrm>
-            <a:off x="3912130" y="4419600"/>
+            <a:off x="3886405" y="4419600"/>
             <a:ext cx="0" cy="190293"/>
           </a:xfrm>
           <a:prstGeom prst="straightConnector1">
@@ -28249,7 +28125,7 @@
       </p:cxnSp>
       <p:sp>
         <p:nvSpPr>
-          <p:cNvPr id="41" name="TextBox 40"/>
+          <p:cNvPr id="54" name="TextBox 53"/>
           <p:cNvSpPr txBox="1"/>
           <p:nvPr/>
         </p:nvSpPr>
@@ -28287,16 +28163,16 @@
       </p:sp>
       <p:cxnSp>
         <p:nvCxnSpPr>
-          <p:cNvPr id="42" name="Straight Arrow Connector 41"/>
+          <p:cNvPr id="55" name="Straight Arrow Connector 54"/>
           <p:cNvCxnSpPr>
-            <a:stCxn id="41" idx="3"/>
+            <a:stCxn id="54" idx="3"/>
           </p:cNvCxnSpPr>
           <p:nvPr/>
         </p:nvCxnSpPr>
         <p:spPr>
           <a:xfrm>
             <a:off x="3170256" y="4987381"/>
-            <a:ext cx="1325544" cy="0"/>
+            <a:ext cx="628468" cy="6713"/>
           </a:xfrm>
           <a:prstGeom prst="straightConnector1">
             <a:avLst/>
@@ -28322,7 +28198,7 @@
       </p:cxnSp>
       <p:sp>
         <p:nvSpPr>
-          <p:cNvPr id="43" name="TextBox 42"/>
+          <p:cNvPr id="56" name="TextBox 55"/>
           <p:cNvSpPr txBox="1"/>
           <p:nvPr/>
         </p:nvSpPr>
@@ -28360,16 +28236,16 @@
       </p:sp>
       <p:cxnSp>
         <p:nvCxnSpPr>
-          <p:cNvPr id="44" name="Straight Arrow Connector 43"/>
+          <p:cNvPr id="57" name="Straight Arrow Connector 56"/>
           <p:cNvCxnSpPr>
-            <a:stCxn id="43" idx="3"/>
+            <a:stCxn id="56" idx="3"/>
           </p:cNvCxnSpPr>
           <p:nvPr/>
         </p:nvCxnSpPr>
         <p:spPr>
-          <a:xfrm flipV="1">
-            <a:off x="3177849" y="5172047"/>
-            <a:ext cx="1241751" cy="6713"/>
+          <a:xfrm>
+            <a:off x="3177849" y="5178760"/>
+            <a:ext cx="590692" cy="0"/>
           </a:xfrm>
           <a:prstGeom prst="straightConnector1">
             <a:avLst/>
@@ -28395,13 +28271,13 @@
       </p:cxnSp>
       <p:sp>
         <p:nvSpPr>
-          <p:cNvPr id="45" name="TextBox 44"/>
+          <p:cNvPr id="58" name="TextBox 57"/>
           <p:cNvSpPr txBox="1"/>
           <p:nvPr/>
         </p:nvSpPr>
         <p:spPr>
           <a:xfrm>
-            <a:off x="2854823" y="5284727"/>
+            <a:off x="2854823" y="5321918"/>
             <a:ext cx="338860" cy="369332"/>
           </a:xfrm>
           <a:prstGeom prst="rect">
@@ -28433,15 +28309,15 @@
       </p:sp>
       <p:cxnSp>
         <p:nvCxnSpPr>
-          <p:cNvPr id="46" name="Straight Arrow Connector 45"/>
+          <p:cNvPr id="59" name="Straight Arrow Connector 58"/>
           <p:cNvCxnSpPr>
-            <a:stCxn id="45" idx="3"/>
+            <a:stCxn id="58" idx="3"/>
           </p:cNvCxnSpPr>
           <p:nvPr/>
         </p:nvCxnSpPr>
         <p:spPr>
           <a:xfrm>
-            <a:off x="3193683" y="5469393"/>
+            <a:off x="3193683" y="5506584"/>
             <a:ext cx="1149717" cy="0"/>
           </a:xfrm>
           <a:prstGeom prst="straightConnector1">
@@ -28468,13 +28344,13 @@
       </p:cxnSp>
       <p:sp>
         <p:nvSpPr>
-          <p:cNvPr id="21" name="TextBox 20"/>
+          <p:cNvPr id="60" name="TextBox 59"/>
           <p:cNvSpPr txBox="1"/>
           <p:nvPr/>
         </p:nvSpPr>
         <p:spPr>
           <a:xfrm>
-            <a:off x="2854823" y="5626925"/>
+            <a:off x="2854823" y="5638800"/>
             <a:ext cx="338860" cy="369332"/>
           </a:xfrm>
           <a:prstGeom prst="rect">
@@ -28506,15 +28382,15 @@
       </p:sp>
       <p:cxnSp>
         <p:nvCxnSpPr>
-          <p:cNvPr id="22" name="Straight Arrow Connector 21"/>
+          <p:cNvPr id="61" name="Straight Arrow Connector 60"/>
           <p:cNvCxnSpPr>
-            <a:stCxn id="21" idx="3"/>
+            <a:stCxn id="60" idx="3"/>
           </p:cNvCxnSpPr>
           <p:nvPr/>
         </p:nvCxnSpPr>
         <p:spPr>
           <a:xfrm>
-            <a:off x="3193683" y="5811591"/>
+            <a:off x="3193683" y="5823466"/>
             <a:ext cx="1149717" cy="0"/>
           </a:xfrm>
           <a:prstGeom prst="straightConnector1">
@@ -28541,13 +28417,13 @@
       </p:cxnSp>
       <p:sp>
         <p:nvSpPr>
-          <p:cNvPr id="23" name="TextBox 22"/>
+          <p:cNvPr id="62" name="TextBox 61"/>
           <p:cNvSpPr txBox="1"/>
           <p:nvPr/>
         </p:nvSpPr>
         <p:spPr>
           <a:xfrm>
-            <a:off x="2868471" y="5926037"/>
+            <a:off x="2868471" y="5949787"/>
             <a:ext cx="338860" cy="369332"/>
           </a:xfrm>
           <a:prstGeom prst="rect">
@@ -28579,15 +28455,15 @@
       </p:sp>
       <p:cxnSp>
         <p:nvCxnSpPr>
-          <p:cNvPr id="24" name="Straight Arrow Connector 23"/>
+          <p:cNvPr id="63" name="Straight Arrow Connector 62"/>
           <p:cNvCxnSpPr>
-            <a:stCxn id="23" idx="3"/>
+            <a:stCxn id="62" idx="3"/>
           </p:cNvCxnSpPr>
           <p:nvPr/>
         </p:nvCxnSpPr>
         <p:spPr>
           <a:xfrm>
-            <a:off x="3207331" y="6110703"/>
+            <a:off x="3207331" y="6134453"/>
             <a:ext cx="1212269" cy="0"/>
           </a:xfrm>
           <a:prstGeom prst="straightConnector1">
@@ -28614,7 +28490,7 @@
       </p:cxnSp>
       <p:sp>
         <p:nvSpPr>
-          <p:cNvPr id="32" name="Right Brace 31"/>
+          <p:cNvPr id="64" name="Right Brace 63"/>
           <p:cNvSpPr/>
           <p:nvPr/>
         </p:nvSpPr>
@@ -28652,7 +28528,7 @@
       </p:sp>
       <p:sp>
         <p:nvSpPr>
-          <p:cNvPr id="33" name="Right Brace 32"/>
+          <p:cNvPr id="65" name="Right Brace 64"/>
           <p:cNvSpPr/>
           <p:nvPr/>
         </p:nvSpPr>
@@ -28690,7 +28566,7 @@
       </p:sp>
       <p:sp>
         <p:nvSpPr>
-          <p:cNvPr id="47" name="Right Brace 46"/>
+          <p:cNvPr id="66" name="Right Brace 65"/>
           <p:cNvSpPr/>
           <p:nvPr/>
         </p:nvSpPr>
@@ -28728,7 +28604,7 @@
       </p:sp>
       <p:pic>
         <p:nvPicPr>
-          <p:cNvPr id="2050" name="Picture 2" descr="\\172.16.4.177\temp\Shooka\Hashemian\Guide Numbering-01-01-01-01.png"/>
+          <p:cNvPr id="67" name="Picture 2" descr="\\172.16.4.177\temp\Shooka\Hashemian\Guide Numbering-01-01-01-01.png"/>
           <p:cNvPicPr>
             <a:picLocks noChangeAspect="1" noChangeArrowheads="1"/>
           </p:cNvPicPr>
@@ -28769,7 +28645,7 @@
       </p:pic>
       <p:pic>
         <p:nvPicPr>
-          <p:cNvPr id="48" name="Picture 2" descr="\\172.16.4.177\temp\Shooka\Hashemian\Guide Numbering-01-01-01-01.png"/>
+          <p:cNvPr id="68" name="Picture 2" descr="\\172.16.4.177\temp\Shooka\Hashemian\Guide Numbering-01-01-01-01.png"/>
           <p:cNvPicPr>
             <a:picLocks noChangeAspect="1" noChangeArrowheads="1"/>
           </p:cNvPicPr>
@@ -28810,7 +28686,7 @@
       </p:pic>
       <p:pic>
         <p:nvPicPr>
-          <p:cNvPr id="49" name="Picture 2" descr="\\172.16.4.177\temp\Shooka\Hashemian\Guide Numbering-01-01-01-01.png"/>
+          <p:cNvPr id="69" name="Picture 2" descr="\\172.16.4.177\temp\Shooka\Hashemian\Guide Numbering-01-01-01-01.png"/>
           <p:cNvPicPr>
             <a:picLocks noChangeAspect="1" noChangeArrowheads="1"/>
           </p:cNvPicPr>
@@ -28851,70 +28727,39 @@
       </p:pic>
       <p:sp>
         <p:nvSpPr>
-          <p:cNvPr id="31" name="Rectangle 30"/>
-          <p:cNvSpPr/>
-          <p:nvPr/>
-        </p:nvSpPr>
-        <p:spPr>
-          <a:xfrm>
-            <a:off x="232276" y="3707073"/>
-            <a:ext cx="5225424" cy="307777"/>
-          </a:xfrm>
-          <a:prstGeom prst="rect">
-            <a:avLst/>
-          </a:prstGeom>
-        </p:spPr>
-        <p:txBody>
-          <a:bodyPr wrap="square">
-            <a:spAutoFit/>
+          <p:cNvPr id="2" name="Title 1"/>
+          <p:cNvSpPr>
+            <a:spLocks noGrp="1"/>
+          </p:cNvSpPr>
+          <p:nvPr>
+            <p:ph type="title"/>
+          </p:nvPr>
+        </p:nvSpPr>
+        <p:spPr>
+          <a:xfrm>
+            <a:off x="457200" y="0"/>
+            <a:ext cx="8229600" cy="1143000"/>
+          </a:xfrm>
+        </p:spPr>
+        <p:txBody>
+          <a:bodyPr>
+            <a:normAutofit/>
           </a:bodyPr>
           <a:lstStyle/>
           <a:p>
-            <a:pPr algn="just" rtl="1"/>
-            <a:r>
-              <a:rPr lang="fa-IR" sz="1400" dirty="0" smtClean="0">
-                <a:solidFill>
-                  <a:schemeClr val="accent3">
-                    <a:lumMod val="50000"/>
-                  </a:schemeClr>
-                </a:solidFill>
-                <a:cs typeface="B Nazanin" pitchFamily="2" charset="-78"/>
-              </a:rPr>
-              <a:t>جهت مشاهده راهنمای بخشهایی که جلوی علامت        هستند، روی علامت کلیک کنید.</a:t>
-            </a:r>
-          </a:p>
-        </p:txBody>
-      </p:sp>
-      <p:pic>
-        <p:nvPicPr>
-          <p:cNvPr id="39" name="Picture 38"/>
-          <p:cNvPicPr>
-            <a:picLocks noChangeAspect="1"/>
-          </p:cNvPicPr>
-          <p:nvPr/>
-        </p:nvPicPr>
-        <p:blipFill>
-          <a:blip r:embed="rId3">
-            <a:extLst>
-              <a:ext uri="{28A0092B-C50C-407E-A947-70E740481C1C}">
-                <a14:useLocalDpi xmlns:a14="http://schemas.microsoft.com/office/drawing/2010/main"/>
-              </a:ext>
-            </a:extLst>
-          </a:blip>
-          <a:stretch>
-            <a:fillRect/>
-          </a:stretch>
-        </p:blipFill>
-        <p:spPr>
-          <a:xfrm>
-            <a:off x="2379020" y="3745852"/>
-            <a:ext cx="253968" cy="253968"/>
-          </a:xfrm>
-          <a:prstGeom prst="rect">
-            <a:avLst/>
-          </a:prstGeom>
-        </p:spPr>
-      </p:pic>
+            <a:r>
+              <a:rPr lang="en-US" sz="2800" b="1" dirty="0" smtClean="0">
+                <a:solidFill>
+                  <a:srgbClr val="0070C0"/>
+                </a:solidFill>
+                <a:cs typeface="B Titr" pitchFamily="2" charset="-78"/>
+              </a:rPr>
+              <a:t>Direct Call Window</a:t>
+            </a:r>
+            <a:endParaRPr lang="en-US" sz="2800" b="1" dirty="0"/>
+          </a:p>
+        </p:txBody>
+      </p:sp>
     </p:spTree>
     <p:extLst>
       <p:ext uri="{BB962C8B-B14F-4D97-AF65-F5344CB8AC3E}">

--- a/ShookaDesktop Guide - English.pptx
+++ b/ShookaDesktop Guide - English.pptx
@@ -313,7 +313,7 @@
           <a:p>
             <a:fld id="{F32E560B-4F83-45FF-AAA0-7CF2EC396768}" type="datetimeFigureOut">
               <a:rPr lang="en-US" smtClean="0"/>
-              <a:t>7/23/2014</a:t>
+              <a:t>7/27/2014</a:t>
             </a:fld>
             <a:endParaRPr lang="en-US"/>
           </a:p>
@@ -483,7 +483,7 @@
           <a:p>
             <a:fld id="{F32E560B-4F83-45FF-AAA0-7CF2EC396768}" type="datetimeFigureOut">
               <a:rPr lang="en-US" smtClean="0"/>
-              <a:t>7/23/2014</a:t>
+              <a:t>7/27/2014</a:t>
             </a:fld>
             <a:endParaRPr lang="en-US"/>
           </a:p>
@@ -663,7 +663,7 @@
           <a:p>
             <a:fld id="{F32E560B-4F83-45FF-AAA0-7CF2EC396768}" type="datetimeFigureOut">
               <a:rPr lang="en-US" smtClean="0"/>
-              <a:t>7/23/2014</a:t>
+              <a:t>7/27/2014</a:t>
             </a:fld>
             <a:endParaRPr lang="en-US"/>
           </a:p>
@@ -833,7 +833,7 @@
           <a:p>
             <a:fld id="{F32E560B-4F83-45FF-AAA0-7CF2EC396768}" type="datetimeFigureOut">
               <a:rPr lang="en-US" smtClean="0"/>
-              <a:t>7/23/2014</a:t>
+              <a:t>7/27/2014</a:t>
             </a:fld>
             <a:endParaRPr lang="en-US"/>
           </a:p>
@@ -1079,7 +1079,7 @@
           <a:p>
             <a:fld id="{F32E560B-4F83-45FF-AAA0-7CF2EC396768}" type="datetimeFigureOut">
               <a:rPr lang="en-US" smtClean="0"/>
-              <a:t>7/23/2014</a:t>
+              <a:t>7/27/2014</a:t>
             </a:fld>
             <a:endParaRPr lang="en-US"/>
           </a:p>
@@ -1367,7 +1367,7 @@
           <a:p>
             <a:fld id="{F32E560B-4F83-45FF-AAA0-7CF2EC396768}" type="datetimeFigureOut">
               <a:rPr lang="en-US" smtClean="0"/>
-              <a:t>7/23/2014</a:t>
+              <a:t>7/27/2014</a:t>
             </a:fld>
             <a:endParaRPr lang="en-US"/>
           </a:p>
@@ -1789,7 +1789,7 @@
           <a:p>
             <a:fld id="{F32E560B-4F83-45FF-AAA0-7CF2EC396768}" type="datetimeFigureOut">
               <a:rPr lang="en-US" smtClean="0"/>
-              <a:t>7/23/2014</a:t>
+              <a:t>7/27/2014</a:t>
             </a:fld>
             <a:endParaRPr lang="en-US"/>
           </a:p>
@@ -1907,7 +1907,7 @@
           <a:p>
             <a:fld id="{F32E560B-4F83-45FF-AAA0-7CF2EC396768}" type="datetimeFigureOut">
               <a:rPr lang="en-US" smtClean="0"/>
-              <a:t>7/23/2014</a:t>
+              <a:t>7/27/2014</a:t>
             </a:fld>
             <a:endParaRPr lang="en-US"/>
           </a:p>
@@ -2002,7 +2002,7 @@
           <a:p>
             <a:fld id="{F32E560B-4F83-45FF-AAA0-7CF2EC396768}" type="datetimeFigureOut">
               <a:rPr lang="en-US" smtClean="0"/>
-              <a:t>7/23/2014</a:t>
+              <a:t>7/27/2014</a:t>
             </a:fld>
             <a:endParaRPr lang="en-US"/>
           </a:p>
@@ -2279,7 +2279,7 @@
           <a:p>
             <a:fld id="{F32E560B-4F83-45FF-AAA0-7CF2EC396768}" type="datetimeFigureOut">
               <a:rPr lang="en-US" smtClean="0"/>
-              <a:t>7/23/2014</a:t>
+              <a:t>7/27/2014</a:t>
             </a:fld>
             <a:endParaRPr lang="en-US"/>
           </a:p>
@@ -2532,7 +2532,7 @@
           <a:p>
             <a:fld id="{F32E560B-4F83-45FF-AAA0-7CF2EC396768}" type="datetimeFigureOut">
               <a:rPr lang="en-US" smtClean="0"/>
-              <a:t>7/23/2014</a:t>
+              <a:t>7/27/2014</a:t>
             </a:fld>
             <a:endParaRPr lang="en-US"/>
           </a:p>
@@ -2745,7 +2745,7 @@
           <a:p>
             <a:fld id="{F32E560B-4F83-45FF-AAA0-7CF2EC396768}" type="datetimeFigureOut">
               <a:rPr lang="en-US" smtClean="0"/>
-              <a:t>7/23/2014</a:t>
+              <a:t>7/27/2014</a:t>
             </a:fld>
             <a:endParaRPr lang="en-US"/>
           </a:p>
@@ -3825,7 +3825,7 @@
       </p:grpSpPr>
       <p:pic>
         <p:nvPicPr>
-          <p:cNvPr id="3" name="Picture 2"/>
+          <p:cNvPr id="4" name="Picture 3"/>
           <p:cNvPicPr>
             <a:picLocks noChangeAspect="1"/>
           </p:cNvPicPr>
@@ -3835,7 +3835,7 @@
           <a:blip r:embed="rId2">
             <a:extLst>
               <a:ext uri="{28A0092B-C50C-407E-A947-70E740481C1C}">
-                <a14:useLocalDpi xmlns:a14="http://schemas.microsoft.com/office/drawing/2010/main"/>
+                <a14:useLocalDpi xmlns:a14="http://schemas.microsoft.com/office/drawing/2010/main" val="0"/>
               </a:ext>
             </a:extLst>
           </a:blip>
@@ -3845,8 +3845,8 @@
         </p:blipFill>
         <p:spPr>
           <a:xfrm>
-            <a:off x="448676" y="954319"/>
-            <a:ext cx="2928271" cy="5663771"/>
+            <a:off x="5583423" y="892584"/>
+            <a:ext cx="2953763" cy="5660616"/>
           </a:xfrm>
           <a:prstGeom prst="rect">
             <a:avLst/>
@@ -3876,24 +3876,19 @@
           <a:lstStyle/>
           <a:p>
             <a:r>
-              <a:rPr lang="fa-IR" sz="2800" dirty="0">
+              <a:rPr lang="en-US" sz="2800" b="1" dirty="0" smtClean="0">
                 <a:solidFill>
                   <a:srgbClr val="0070C0"/>
                 </a:solidFill>
-                <a:cs typeface="B Titr" pitchFamily="2" charset="-78"/>
-              </a:rPr>
-              <a:t>راهنمای </a:t>
-            </a:r>
-            <a:r>
-              <a:rPr lang="fa-IR" sz="2800" dirty="0" smtClean="0">
-                <a:solidFill>
-                  <a:srgbClr val="0070C0"/>
-                </a:solidFill>
-                <a:cs typeface="B Titr" pitchFamily="2" charset="-78"/>
-              </a:rPr>
-              <a:t>سربرگ برگزاری جلسه</a:t>
-            </a:r>
-            <a:endParaRPr lang="en-US" sz="2800" dirty="0"/>
+                <a:latin typeface="Times New Roman" pitchFamily="18" charset="0"/>
+                <a:cs typeface="Times New Roman" pitchFamily="18" charset="0"/>
+              </a:rPr>
+              <a:t>Holding Conference Tab</a:t>
+            </a:r>
+            <a:endParaRPr lang="en-US" sz="2800" b="1" dirty="0">
+              <a:latin typeface="Times New Roman" pitchFamily="18" charset="0"/>
+              <a:cs typeface="Times New Roman" pitchFamily="18" charset="0"/>
+            </a:endParaRPr>
           </a:p>
         </p:txBody>
       </p:sp>
@@ -3905,7 +3900,7 @@
         </p:nvSpPr>
         <p:spPr>
           <a:xfrm>
-            <a:off x="3474547" y="3014033"/>
+            <a:off x="8642499" y="3012093"/>
             <a:ext cx="312906" cy="369332"/>
           </a:xfrm>
           <a:prstGeom prst="rect">
@@ -3943,7 +3938,7 @@
         </p:nvSpPr>
         <p:spPr>
           <a:xfrm>
-            <a:off x="80051" y="2697560"/>
+            <a:off x="5248003" y="2636245"/>
             <a:ext cx="312906" cy="369332"/>
           </a:xfrm>
           <a:prstGeom prst="rect">
@@ -3982,7 +3977,7 @@
         </p:nvCxnSpPr>
         <p:spPr>
           <a:xfrm flipH="1">
-            <a:off x="3100025" y="3198699"/>
+            <a:off x="8267977" y="3196759"/>
             <a:ext cx="374522" cy="10108"/>
           </a:xfrm>
           <a:prstGeom prst="straightConnector1">
@@ -4017,7 +4012,7 @@
         </p:nvCxnSpPr>
         <p:spPr>
           <a:xfrm>
-            <a:off x="392957" y="2882226"/>
+            <a:off x="5560909" y="2820911"/>
             <a:ext cx="1103131" cy="219488"/>
           </a:xfrm>
           <a:prstGeom prst="straightConnector1">
@@ -4050,8 +4045,8 @@
         </p:nvSpPr>
         <p:spPr>
           <a:xfrm>
-            <a:off x="4025238" y="1248747"/>
-            <a:ext cx="4763777" cy="3539430"/>
+            <a:off x="341623" y="1032570"/>
+            <a:ext cx="4763777" cy="5262979"/>
           </a:xfrm>
           <a:prstGeom prst="rect">
             <a:avLst/>
@@ -4063,21 +4058,26 @@
           </a:bodyPr>
           <a:lstStyle/>
           <a:p>
-            <a:pPr algn="just" rtl="1"/>
-            <a:r>
-              <a:rPr lang="fa-IR" sz="1400" dirty="0" smtClean="0">
-                <a:solidFill>
-                  <a:srgbClr val="FF0000"/>
-                </a:solidFill>
-              </a:rPr>
-              <a:t>1- </a:t>
-            </a:r>
-            <a:r>
-              <a:rPr lang="fa-IR" sz="1400" dirty="0" smtClean="0">
-                <a:cs typeface="B Nazanin" pitchFamily="2" charset="-78"/>
-              </a:rPr>
-              <a:t>می‌خواهید در اتاق جلسه خودتان، جلسه ای برگزار کنید.</a:t>
-            </a:r>
+            <a:pPr algn="just"/>
+            <a:r>
+              <a:rPr lang="en-US" sz="1400" dirty="0" smtClean="0">
+                <a:solidFill>
+                  <a:srgbClr val="FF0000"/>
+                </a:solidFill>
+              </a:rPr>
+              <a:t>1-</a:t>
+            </a:r>
+            <a:r>
+              <a:rPr lang="en-US" sz="1400" dirty="0"/>
+              <a:t> </a:t>
+            </a:r>
+            <a:r>
+              <a:rPr lang="en-US" sz="1400" dirty="0" smtClean="0"/>
+              <a:t>You want to Hold a conference in your own room.</a:t>
+            </a:r>
+          </a:p>
+          <a:p>
+            <a:pPr algn="just"/>
             <a:endParaRPr lang="en-US" sz="1400" dirty="0" smtClean="0">
               <a:solidFill>
                 <a:srgbClr val="FF0000"/>
@@ -4085,9 +4085,9 @@
             </a:endParaRPr>
           </a:p>
           <a:p>
-            <a:pPr algn="just" rtl="1"/>
-            <a:r>
-              <a:rPr lang="fa-IR" sz="1400" dirty="0" smtClean="0">
+            <a:pPr algn="just"/>
+            <a:r>
+              <a:rPr lang="en-US" sz="1400" dirty="0" smtClean="0">
                 <a:solidFill>
                   <a:srgbClr val="FF0000"/>
                 </a:solidFill>
@@ -4095,190 +4095,173 @@
               <a:t>2-</a:t>
             </a:r>
             <a:r>
-              <a:rPr lang="fa-IR" sz="1400" dirty="0" smtClean="0">
-                <a:solidFill>
-                  <a:srgbClr val="FF0000"/>
-                </a:solidFill>
-                <a:cs typeface="B Nazanin" pitchFamily="2" charset="-78"/>
-              </a:rPr>
+              <a:rPr lang="en-US" sz="1400" dirty="0" smtClean="0"/>
               <a:t> </a:t>
             </a:r>
             <a:r>
-              <a:rPr lang="fa-IR" sz="1400" dirty="0" smtClean="0">
-                <a:cs typeface="B Nazanin" pitchFamily="2" charset="-78"/>
-              </a:rPr>
-              <a:t>می‌خواهید وارد اتاق جلسه دیگران شوید تا در جلسه ای که آنجا برگزار می شود، شرکت کنید.</a:t>
-            </a:r>
-          </a:p>
-          <a:p>
-            <a:pPr algn="just" rtl="1"/>
-            <a:r>
-              <a:rPr lang="fa-IR" sz="1400" dirty="0" smtClean="0">
-                <a:solidFill>
-                  <a:srgbClr val="FF0000"/>
-                </a:solidFill>
-              </a:rPr>
-              <a:t>3- </a:t>
-            </a:r>
-            <a:r>
-              <a:rPr lang="fa-IR" sz="1400" dirty="0" smtClean="0">
-                <a:cs typeface="B Nazanin" pitchFamily="2" charset="-78"/>
-              </a:rPr>
-              <a:t>نام اتاق جلسه‌تان همراه با آیکونی که وضعیت فعلی اتاق جلسه تان (خالی، اشغال، پر، قفل و ...) را نشان می دهد.</a:t>
-            </a:r>
-            <a:endParaRPr lang="fa-IR" sz="1400" dirty="0">
+              <a:rPr lang="en-US" sz="1400" dirty="0"/>
+              <a:t>You want to </a:t>
+            </a:r>
+            <a:r>
+              <a:rPr lang="en-US" sz="1400" dirty="0" smtClean="0"/>
+              <a:t>go to others room to join their conference.</a:t>
+            </a:r>
+            <a:endParaRPr lang="en-US" sz="1400" dirty="0"/>
+          </a:p>
+          <a:p>
+            <a:pPr algn="just"/>
+            <a:r>
+              <a:rPr lang="en-US" sz="1400" dirty="0"/>
+              <a:t> </a:t>
+            </a:r>
+          </a:p>
+          <a:p>
+            <a:pPr algn="just"/>
+            <a:r>
+              <a:rPr lang="en-US" sz="1400" dirty="0" smtClean="0">
+                <a:solidFill>
+                  <a:srgbClr val="FF0000"/>
+                </a:solidFill>
+              </a:rPr>
+              <a:t>3-</a:t>
+            </a:r>
+            <a:r>
+              <a:rPr lang="en-US" sz="1400" dirty="0" smtClean="0"/>
+              <a:t> Your conference room with an icon, which shows your room’s current status(Empty, Busy, Full, Lock and </a:t>
+            </a:r>
+            <a:r>
+              <a:rPr lang="en-US" sz="1400" dirty="0" err="1" smtClean="0"/>
+              <a:t>etc</a:t>
+            </a:r>
+            <a:r>
+              <a:rPr lang="en-US" sz="1400" dirty="0" smtClean="0"/>
+              <a:t>).</a:t>
+            </a:r>
+            <a:endParaRPr lang="en-US" sz="1400" dirty="0"/>
+          </a:p>
+          <a:p>
+            <a:pPr algn="just"/>
+            <a:r>
+              <a:rPr lang="en-US" sz="1400" dirty="0"/>
+              <a:t> </a:t>
+            </a:r>
+          </a:p>
+          <a:p>
+            <a:pPr algn="just"/>
+            <a:r>
+              <a:rPr lang="en-US" sz="1400" dirty="0" smtClean="0">
+                <a:solidFill>
+                  <a:srgbClr val="FF0000"/>
+                </a:solidFill>
+              </a:rPr>
+              <a:t>4-</a:t>
+            </a:r>
+            <a:r>
+              <a:rPr lang="en-US" sz="1400" dirty="0" smtClean="0"/>
+              <a:t> Click on this button to join your room.</a:t>
+            </a:r>
+          </a:p>
+          <a:p>
+            <a:pPr algn="just"/>
+            <a:endParaRPr lang="en-US" sz="1400" dirty="0"/>
+          </a:p>
+          <a:p>
+            <a:pPr algn="just"/>
+            <a:r>
+              <a:rPr lang="en-US" sz="1400" dirty="0" smtClean="0">
+                <a:solidFill>
+                  <a:srgbClr val="FF0000"/>
+                </a:solidFill>
+              </a:rPr>
+              <a:t>5-</a:t>
+            </a:r>
+            <a:r>
+              <a:rPr lang="en-US" sz="1400" dirty="0" smtClean="0"/>
+              <a:t> If you click on this button, your room will be locked and other people no longer can join your room without your invitation. To unlock your room, click here again.</a:t>
+            </a:r>
+          </a:p>
+          <a:p>
+            <a:pPr algn="just"/>
+            <a:endParaRPr lang="en-US" sz="1400" dirty="0">
               <a:solidFill>
                 <a:srgbClr val="FF0000"/>
               </a:solidFill>
-              <a:cs typeface="B Nazanin" pitchFamily="2" charset="-78"/>
             </a:endParaRPr>
           </a:p>
           <a:p>
-            <a:pPr algn="just" rtl="1"/>
-            <a:r>
-              <a:rPr lang="fa-IR" sz="1400" dirty="0" smtClean="0">
-                <a:solidFill>
-                  <a:srgbClr val="FF0000"/>
-                </a:solidFill>
-              </a:rPr>
-              <a:t>4- </a:t>
-            </a:r>
-            <a:r>
-              <a:rPr lang="fa-IR" sz="1400" dirty="0" smtClean="0">
-                <a:cs typeface="B Nazanin" pitchFamily="2" charset="-78"/>
-              </a:rPr>
-              <a:t>برای ورود به اتاق جلسه‌تان روی این دکمه کلیک کنید.</a:t>
-            </a:r>
-          </a:p>
-          <a:p>
-            <a:pPr algn="just" rtl="1"/>
-            <a:r>
-              <a:rPr lang="fa-IR" sz="1400" dirty="0" smtClean="0">
-                <a:solidFill>
-                  <a:srgbClr val="FF0000"/>
-                </a:solidFill>
-              </a:rPr>
-              <a:t>5- </a:t>
-            </a:r>
-            <a:r>
-              <a:rPr lang="fa-IR" sz="1400" dirty="0" smtClean="0">
-                <a:cs typeface="B Nazanin" pitchFamily="2" charset="-78"/>
-              </a:rPr>
-              <a:t>با کلیک </a:t>
-            </a:r>
-            <a:r>
-              <a:rPr lang="fa-IR" sz="1400" dirty="0">
-                <a:cs typeface="B Nazanin" pitchFamily="2" charset="-78"/>
-              </a:rPr>
-              <a:t>روی این </a:t>
-            </a:r>
-            <a:r>
-              <a:rPr lang="fa-IR" sz="1400" dirty="0" smtClean="0">
-                <a:cs typeface="B Nazanin" pitchFamily="2" charset="-78"/>
-              </a:rPr>
-              <a:t>دکمه، اتاق جلسه‌تان قفل می‌شود تا افراد متفرقه‌ای که شما دعوتشان نکرده‌اید، نخواهند توانست وارد اتاق جلسه تان شوند. برای باز کردن قفل، دوباره روی همین دکمه کلیک کنید.</a:t>
-            </a:r>
-            <a:endParaRPr lang="fa-IR" sz="1400" dirty="0">
-              <a:cs typeface="B Nazanin" pitchFamily="2" charset="-78"/>
-            </a:endParaRPr>
-          </a:p>
-          <a:p>
-            <a:pPr algn="just" rtl="1"/>
-            <a:r>
-              <a:rPr lang="fa-IR" sz="1400" dirty="0" smtClean="0">
-                <a:solidFill>
-                  <a:srgbClr val="FF0000"/>
-                </a:solidFill>
-              </a:rPr>
-              <a:t>6- </a:t>
-            </a:r>
-            <a:r>
-              <a:rPr lang="fa-IR" sz="1400" dirty="0">
-                <a:cs typeface="B Nazanin" pitchFamily="2" charset="-78"/>
-              </a:rPr>
-              <a:t>برای </a:t>
-            </a:r>
-            <a:r>
-              <a:rPr lang="fa-IR" sz="1400" dirty="0" smtClean="0">
-                <a:cs typeface="B Nazanin" pitchFamily="2" charset="-78"/>
-              </a:rPr>
-              <a:t>انجام تنظیمات پیشرفته اتاق </a:t>
-            </a:r>
-            <a:r>
-              <a:rPr lang="fa-IR" sz="1400" dirty="0">
-                <a:cs typeface="B Nazanin" pitchFamily="2" charset="-78"/>
-              </a:rPr>
-              <a:t>جلسه </a:t>
-            </a:r>
-            <a:r>
-              <a:rPr lang="fa-IR" sz="1400" dirty="0" smtClean="0">
-                <a:cs typeface="B Nazanin" pitchFamily="2" charset="-78"/>
-              </a:rPr>
-              <a:t>تان (رمزگذاری و دعوت از مهمان) </a:t>
-            </a:r>
-            <a:r>
-              <a:rPr lang="fa-IR" sz="1400" dirty="0">
-                <a:cs typeface="B Nazanin" pitchFamily="2" charset="-78"/>
-              </a:rPr>
-              <a:t>روی این دکمه کلیک کنید.</a:t>
-            </a:r>
-          </a:p>
-          <a:p>
-            <a:pPr algn="just" rtl="1"/>
-            <a:r>
-              <a:rPr lang="fa-IR" sz="1400" dirty="0" smtClean="0">
-                <a:solidFill>
-                  <a:srgbClr val="FF0000"/>
-                </a:solidFill>
-              </a:rPr>
-              <a:t>7- </a:t>
-            </a:r>
-            <a:r>
-              <a:rPr lang="fa-IR" sz="1400" dirty="0" smtClean="0">
-                <a:cs typeface="B Nazanin" pitchFamily="2" charset="-78"/>
-              </a:rPr>
-              <a:t>لیست افراد حاضر در اتاق جلسه‌تان.</a:t>
-            </a:r>
-            <a:endParaRPr lang="fa-IR" sz="1400" dirty="0">
-              <a:cs typeface="B Nazanin" pitchFamily="2" charset="-78"/>
-            </a:endParaRPr>
-          </a:p>
-          <a:p>
-            <a:pPr algn="just" rtl="1"/>
-            <a:r>
-              <a:rPr lang="fa-IR" sz="1400" dirty="0" smtClean="0">
-                <a:solidFill>
-                  <a:srgbClr val="FF0000"/>
-                </a:solidFill>
-              </a:rPr>
-              <a:t>8- </a:t>
-            </a:r>
-            <a:r>
-              <a:rPr lang="fa-IR" sz="1400" dirty="0" smtClean="0">
-                <a:cs typeface="B Nazanin" pitchFamily="2" charset="-78"/>
-              </a:rPr>
-              <a:t>هر سطر لیست شامل نام فرد و آیکون بیانگر وضعیت وی می باشد. برای کنترل حضورش (قطع صدا و تصویر یا بیرون انداختنش از اتاق جلسه) روی فرد کلیک کنید.</a:t>
-            </a:r>
-            <a:endParaRPr lang="fa-IR" sz="1400" dirty="0">
-              <a:cs typeface="B Nazanin" pitchFamily="2" charset="-78"/>
-            </a:endParaRPr>
-          </a:p>
-          <a:p>
-            <a:pPr algn="just" rtl="1"/>
-            <a:r>
-              <a:rPr lang="fa-IR" sz="1400" dirty="0" smtClean="0">
-                <a:solidFill>
-                  <a:srgbClr val="FF0000"/>
-                </a:solidFill>
-              </a:rPr>
-              <a:t>9- </a:t>
-            </a:r>
-            <a:r>
-              <a:rPr lang="fa-IR" sz="1400" dirty="0" smtClean="0">
-                <a:cs typeface="B Nazanin" pitchFamily="2" charset="-78"/>
-              </a:rPr>
-              <a:t>برای انتخاب اعضای جلسه‌تان از بین افراد آنلاین و دعوت از آنها روی این دکمه کلیک کنید.</a:t>
-            </a:r>
+            <a:pPr algn="just"/>
+            <a:r>
+              <a:rPr lang="en-US" sz="1400" dirty="0" smtClean="0">
+                <a:solidFill>
+                  <a:srgbClr val="FF0000"/>
+                </a:solidFill>
+              </a:rPr>
+              <a:t>6-</a:t>
+            </a:r>
+            <a:r>
+              <a:rPr lang="en-US" sz="1400" dirty="0" smtClean="0"/>
+              <a:t> To perform advanced settings on your room (protect it by a pin or inviting guests) click on this button.</a:t>
+            </a:r>
+          </a:p>
+          <a:p>
+            <a:pPr algn="just"/>
+            <a:endParaRPr lang="en-US" sz="1400" dirty="0"/>
+          </a:p>
+          <a:p>
+            <a:pPr algn="just"/>
+            <a:r>
+              <a:rPr lang="en-US" sz="1400" dirty="0" smtClean="0">
+                <a:solidFill>
+                  <a:srgbClr val="FF0000"/>
+                </a:solidFill>
+              </a:rPr>
+              <a:t>7-</a:t>
+            </a:r>
+            <a:r>
+              <a:rPr lang="en-US" sz="1400" dirty="0" smtClean="0"/>
+              <a:t> List of people who are in your room currently.</a:t>
+            </a:r>
+            <a:endParaRPr lang="en-US" sz="1400" dirty="0"/>
+          </a:p>
+          <a:p>
+            <a:pPr algn="just"/>
+            <a:endParaRPr lang="en-US" sz="1400" dirty="0"/>
+          </a:p>
+          <a:p>
+            <a:pPr algn="just"/>
+            <a:r>
+              <a:rPr lang="en-US" sz="1400" dirty="0" smtClean="0">
+                <a:solidFill>
+                  <a:srgbClr val="FF0000"/>
+                </a:solidFill>
+              </a:rPr>
+              <a:t>8-</a:t>
+            </a:r>
+            <a:r>
+              <a:rPr lang="en-US" sz="1400" dirty="0" smtClean="0"/>
+              <a:t> Each row contains a person’s name and their current status icon. To control them (Mute audio or stop video or remove them from conference) Click on their row.</a:t>
+            </a:r>
+            <a:endParaRPr lang="en-US" sz="1400" dirty="0"/>
+          </a:p>
+          <a:p>
+            <a:pPr algn="just"/>
+            <a:endParaRPr lang="en-US" sz="1400" dirty="0"/>
+          </a:p>
+          <a:p>
+            <a:pPr algn="just"/>
+            <a:r>
+              <a:rPr lang="en-US" sz="1400" dirty="0" smtClean="0">
+                <a:solidFill>
+                  <a:srgbClr val="FF0000"/>
+                </a:solidFill>
+              </a:rPr>
+              <a:t>9-</a:t>
+            </a:r>
+            <a:r>
+              <a:rPr lang="en-US" sz="1400" dirty="0" smtClean="0"/>
+              <a:t> To select your conference members and inviting them, click on this button.</a:t>
+            </a:r>
+            <a:endParaRPr lang="en-US" sz="1400" dirty="0"/>
           </a:p>
         </p:txBody>
       </p:sp>
@@ -4290,7 +4273,7 @@
         </p:nvSpPr>
         <p:spPr>
           <a:xfrm>
-            <a:off x="89848" y="3587666"/>
+            <a:off x="5257800" y="3526351"/>
             <a:ext cx="312906" cy="369332"/>
           </a:xfrm>
           <a:prstGeom prst="rect">
@@ -4325,7 +4308,7 @@
         </p:nvCxnSpPr>
         <p:spPr>
           <a:xfrm>
-            <a:off x="402754" y="3772332"/>
+            <a:off x="5570706" y="3711017"/>
             <a:ext cx="1190319" cy="0"/>
           </a:xfrm>
           <a:prstGeom prst="straightConnector1">
@@ -4358,7 +4341,7 @@
         </p:nvSpPr>
         <p:spPr>
           <a:xfrm>
-            <a:off x="69022" y="3070597"/>
+            <a:off x="5236974" y="3146797"/>
             <a:ext cx="325626" cy="369332"/>
           </a:xfrm>
           <a:prstGeom prst="rect">
@@ -4391,14 +4374,12 @@
       <p:cxnSp>
         <p:nvCxnSpPr>
           <p:cNvPr id="57" name="Straight Arrow Connector 56"/>
-          <p:cNvCxnSpPr>
-            <a:stCxn id="56" idx="3"/>
-          </p:cNvCxnSpPr>
+          <p:cNvCxnSpPr/>
           <p:nvPr/>
         </p:nvCxnSpPr>
         <p:spPr>
           <a:xfrm>
-            <a:off x="394648" y="3255263"/>
+            <a:off x="5562600" y="3193948"/>
             <a:ext cx="329378" cy="0"/>
           </a:xfrm>
           <a:prstGeom prst="straightConnector1">
@@ -4431,7 +4412,7 @@
         </p:nvSpPr>
         <p:spPr>
           <a:xfrm>
-            <a:off x="3464825" y="2732382"/>
+            <a:off x="8632777" y="2730442"/>
             <a:ext cx="358823" cy="369332"/>
           </a:xfrm>
           <a:prstGeom prst="rect">
@@ -4471,7 +4452,7 @@
         </p:nvCxnSpPr>
         <p:spPr>
           <a:xfrm flipH="1">
-            <a:off x="3094391" y="2917048"/>
+            <a:off x="8262343" y="2915108"/>
             <a:ext cx="370434" cy="0"/>
           </a:xfrm>
           <a:prstGeom prst="straightConnector1">
@@ -4504,7 +4485,7 @@
         </p:nvSpPr>
         <p:spPr>
           <a:xfrm>
-            <a:off x="3464825" y="2435603"/>
+            <a:off x="8632777" y="2374288"/>
             <a:ext cx="358823" cy="369332"/>
           </a:xfrm>
           <a:prstGeom prst="rect">
@@ -4544,7 +4525,7 @@
         </p:nvCxnSpPr>
         <p:spPr>
           <a:xfrm flipH="1">
-            <a:off x="3088744" y="2620269"/>
+            <a:off x="8256696" y="2558954"/>
             <a:ext cx="376081" cy="0"/>
           </a:xfrm>
           <a:prstGeom prst="straightConnector1">
@@ -4577,7 +4558,7 @@
         </p:nvSpPr>
         <p:spPr>
           <a:xfrm>
-            <a:off x="89853" y="2430408"/>
+            <a:off x="5257805" y="2369093"/>
             <a:ext cx="358823" cy="369332"/>
           </a:xfrm>
           <a:prstGeom prst="rect">
@@ -4617,7 +4598,7 @@
         </p:nvCxnSpPr>
         <p:spPr>
           <a:xfrm>
-            <a:off x="448676" y="2615074"/>
+            <a:off x="5616628" y="2553759"/>
             <a:ext cx="275350" cy="5195"/>
           </a:xfrm>
           <a:prstGeom prst="straightConnector1">
@@ -4650,7 +4631,7 @@
         </p:nvSpPr>
         <p:spPr>
           <a:xfrm>
-            <a:off x="1886792" y="4893091"/>
+            <a:off x="8642600" y="5638426"/>
             <a:ext cx="312906" cy="369332"/>
           </a:xfrm>
           <a:prstGeom prst="rect">
@@ -4679,14 +4660,14 @@
         <p:nvCxnSpPr>
           <p:cNvPr id="46" name="Straight Arrow Connector 45"/>
           <p:cNvCxnSpPr>
-            <a:stCxn id="45" idx="2"/>
+            <a:stCxn id="45" idx="1"/>
           </p:cNvCxnSpPr>
           <p:nvPr/>
         </p:nvCxnSpPr>
         <p:spPr>
-          <a:xfrm>
-            <a:off x="2043245" y="5262423"/>
-            <a:ext cx="0" cy="422565"/>
+          <a:xfrm flipH="1">
+            <a:off x="8139752" y="5823092"/>
+            <a:ext cx="502848" cy="0"/>
           </a:xfrm>
           <a:prstGeom prst="straightConnector1">
             <a:avLst/>
@@ -4718,7 +4699,7 @@
         </p:nvSpPr>
         <p:spPr>
           <a:xfrm>
-            <a:off x="3474547" y="4262202"/>
+            <a:off x="8642499" y="4200887"/>
             <a:ext cx="312906" cy="369332"/>
           </a:xfrm>
           <a:prstGeom prst="rect">
@@ -4753,7 +4734,7 @@
         </p:nvCxnSpPr>
         <p:spPr>
           <a:xfrm flipH="1">
-            <a:off x="3100025" y="4446868"/>
+            <a:off x="8267977" y="4385553"/>
             <a:ext cx="374522" cy="0"/>
           </a:xfrm>
           <a:prstGeom prst="straightConnector1">
@@ -4778,230 +4759,6 @@
           </a:fontRef>
         </p:style>
       </p:cxnSp>
-      <p:sp>
-        <p:nvSpPr>
-          <p:cNvPr id="52" name="Right Brace 51"/>
-          <p:cNvSpPr/>
-          <p:nvPr/>
-        </p:nvSpPr>
-        <p:spPr>
-          <a:xfrm>
-            <a:off x="3302123" y="1032823"/>
-            <a:ext cx="152400" cy="1178809"/>
-          </a:xfrm>
-          <a:prstGeom prst="rightBrace">
-            <a:avLst/>
-          </a:prstGeom>
-        </p:spPr>
-        <p:style>
-          <a:lnRef idx="1">
-            <a:schemeClr val="accent1"/>
-          </a:lnRef>
-          <a:fillRef idx="0">
-            <a:schemeClr val="accent1"/>
-          </a:fillRef>
-          <a:effectRef idx="0">
-            <a:schemeClr val="accent1"/>
-          </a:effectRef>
-          <a:fontRef idx="minor">
-            <a:schemeClr val="tx1"/>
-          </a:fontRef>
-        </p:style>
-        <p:txBody>
-          <a:bodyPr rtlCol="0" anchor="ctr"/>
-          <a:lstStyle/>
-          <a:p>
-            <a:pPr algn="ctr"/>
-            <a:endParaRPr lang="en-US"/>
-          </a:p>
-        </p:txBody>
-      </p:sp>
-      <p:sp>
-        <p:nvSpPr>
-          <p:cNvPr id="53" name="Right Brace 52"/>
-          <p:cNvSpPr/>
-          <p:nvPr/>
-        </p:nvSpPr>
-        <p:spPr>
-          <a:xfrm>
-            <a:off x="3313998" y="6092823"/>
-            <a:ext cx="134222" cy="445363"/>
-          </a:xfrm>
-          <a:prstGeom prst="rightBrace">
-            <a:avLst/>
-          </a:prstGeom>
-        </p:spPr>
-        <p:style>
-          <a:lnRef idx="1">
-            <a:schemeClr val="accent1"/>
-          </a:lnRef>
-          <a:fillRef idx="0">
-            <a:schemeClr val="accent1"/>
-          </a:fillRef>
-          <a:effectRef idx="0">
-            <a:schemeClr val="accent1"/>
-          </a:effectRef>
-          <a:fontRef idx="minor">
-            <a:schemeClr val="tx1"/>
-          </a:fontRef>
-        </p:style>
-        <p:txBody>
-          <a:bodyPr rtlCol="0" anchor="ctr"/>
-          <a:lstStyle/>
-          <a:p>
-            <a:pPr algn="ctr"/>
-            <a:endParaRPr lang="en-US"/>
-          </a:p>
-        </p:txBody>
-      </p:sp>
-      <p:pic>
-        <p:nvPicPr>
-          <p:cNvPr id="61" name="Picture 2" descr="\\172.16.4.177\temp\Shooka\Hashemian\Guide Numbering-01-01-01-01.png"/>
-          <p:cNvPicPr>
-            <a:picLocks noChangeAspect="1" noChangeArrowheads="1"/>
-          </p:cNvPicPr>
-          <p:nvPr/>
-        </p:nvPicPr>
-        <p:blipFill>
-          <a:blip r:embed="rId3">
-            <a:extLst>
-              <a:ext uri="{28A0092B-C50C-407E-A947-70E740481C1C}">
-                <a14:useLocalDpi xmlns:a14="http://schemas.microsoft.com/office/drawing/2010/main"/>
-              </a:ext>
-            </a:extLst>
-          </a:blip>
-          <a:srcRect/>
-          <a:stretch>
-            <a:fillRect/>
-          </a:stretch>
-        </p:blipFill>
-        <p:spPr bwMode="auto">
-          <a:xfrm>
-            <a:off x="3474648" y="1499923"/>
-            <a:ext cx="254000" cy="254000"/>
-          </a:xfrm>
-          <a:prstGeom prst="rect">
-            <a:avLst/>
-          </a:prstGeom>
-          <a:noFill/>
-          <a:extLst>
-            <a:ext uri="{909E8E84-426E-40DD-AFC4-6F175D3DCCD1}">
-              <a14:hiddenFill xmlns:a14="http://schemas.microsoft.com/office/drawing/2010/main">
-                <a:solidFill>
-                  <a:srgbClr val="FFFFFF"/>
-                </a:solidFill>
-              </a14:hiddenFill>
-            </a:ext>
-          </a:extLst>
-        </p:spPr>
-      </p:pic>
-      <p:pic>
-        <p:nvPicPr>
-          <p:cNvPr id="62" name="Picture 2" descr="\\172.16.4.177\temp\Shooka\Hashemian\Guide Numbering-01-01-01-01.png"/>
-          <p:cNvPicPr>
-            <a:picLocks noChangeAspect="1" noChangeArrowheads="1"/>
-          </p:cNvPicPr>
-          <p:nvPr/>
-        </p:nvPicPr>
-        <p:blipFill>
-          <a:blip r:embed="rId3">
-            <a:extLst>
-              <a:ext uri="{28A0092B-C50C-407E-A947-70E740481C1C}">
-                <a14:useLocalDpi xmlns:a14="http://schemas.microsoft.com/office/drawing/2010/main"/>
-              </a:ext>
-            </a:extLst>
-          </a:blip>
-          <a:srcRect/>
-          <a:stretch>
-            <a:fillRect/>
-          </a:stretch>
-        </p:blipFill>
-        <p:spPr bwMode="auto">
-          <a:xfrm>
-            <a:off x="3445948" y="6197723"/>
-            <a:ext cx="254000" cy="254000"/>
-          </a:xfrm>
-          <a:prstGeom prst="rect">
-            <a:avLst/>
-          </a:prstGeom>
-          <a:noFill/>
-          <a:extLst>
-            <a:ext uri="{909E8E84-426E-40DD-AFC4-6F175D3DCCD1}">
-              <a14:hiddenFill xmlns:a14="http://schemas.microsoft.com/office/drawing/2010/main">
-                <a:solidFill>
-                  <a:srgbClr val="FFFFFF"/>
-                </a:solidFill>
-              </a14:hiddenFill>
-            </a:ext>
-          </a:extLst>
-        </p:spPr>
-      </p:pic>
-      <p:sp>
-        <p:nvSpPr>
-          <p:cNvPr id="32" name="Rectangle 31"/>
-          <p:cNvSpPr/>
-          <p:nvPr/>
-        </p:nvSpPr>
-        <p:spPr>
-          <a:xfrm>
-            <a:off x="3596951" y="6338448"/>
-            <a:ext cx="5225424" cy="307777"/>
-          </a:xfrm>
-          <a:prstGeom prst="rect">
-            <a:avLst/>
-          </a:prstGeom>
-        </p:spPr>
-        <p:txBody>
-          <a:bodyPr wrap="square">
-            <a:spAutoFit/>
-          </a:bodyPr>
-          <a:lstStyle/>
-          <a:p>
-            <a:pPr algn="just" rtl="1"/>
-            <a:r>
-              <a:rPr lang="fa-IR" sz="1400" dirty="0" smtClean="0">
-                <a:solidFill>
-                  <a:schemeClr val="accent3">
-                    <a:lumMod val="50000"/>
-                  </a:schemeClr>
-                </a:solidFill>
-                <a:cs typeface="B Nazanin" pitchFamily="2" charset="-78"/>
-              </a:rPr>
-              <a:t>جهت مشاهده راهنمای بخشهایی که جلوی علامت        هستند، روی علامت کلیک کنید.</a:t>
-            </a:r>
-          </a:p>
-        </p:txBody>
-      </p:sp>
-      <p:pic>
-        <p:nvPicPr>
-          <p:cNvPr id="33" name="Picture 32"/>
-          <p:cNvPicPr>
-            <a:picLocks noChangeAspect="1"/>
-          </p:cNvPicPr>
-          <p:nvPr/>
-        </p:nvPicPr>
-        <p:blipFill>
-          <a:blip r:embed="rId3">
-            <a:extLst>
-              <a:ext uri="{28A0092B-C50C-407E-A947-70E740481C1C}">
-                <a14:useLocalDpi xmlns:a14="http://schemas.microsoft.com/office/drawing/2010/main"/>
-              </a:ext>
-            </a:extLst>
-          </a:blip>
-          <a:stretch>
-            <a:fillRect/>
-          </a:stretch>
-        </p:blipFill>
-        <p:spPr>
-          <a:xfrm>
-            <a:off x="5743695" y="6377227"/>
-            <a:ext cx="253968" cy="253968"/>
-          </a:xfrm>
-          <a:prstGeom prst="rect">
-            <a:avLst/>
-          </a:prstGeom>
-        </p:spPr>
-      </p:pic>
     </p:spTree>
     <p:extLst>
       <p:ext uri="{BB962C8B-B14F-4D97-AF65-F5344CB8AC3E}">
@@ -5062,15 +4819,21 @@
           <a:lstStyle/>
           <a:p>
             <a:r>
-              <a:rPr lang="fa-IR" sz="2800" dirty="0" smtClean="0">
+              <a:rPr lang="en-US" sz="2800" b="1" dirty="0" smtClean="0">
                 <a:solidFill>
                   <a:srgbClr val="0070C0"/>
                 </a:solidFill>
-                <a:cs typeface="B Titr" pitchFamily="2" charset="-78"/>
-              </a:rPr>
-              <a:t>راهنمای آیکون نمایش وضعیت اتاق جلسه</a:t>
-            </a:r>
-            <a:endParaRPr lang="en-US" sz="2800" dirty="0"/>
+                <a:latin typeface="Times New Roman" pitchFamily="18" charset="0"/>
+                <a:ea typeface="Tahoma" pitchFamily="34" charset="0"/>
+                <a:cs typeface="Times New Roman" pitchFamily="18" charset="0"/>
+              </a:rPr>
+              <a:t>Room Status Icon</a:t>
+            </a:r>
+            <a:endParaRPr lang="en-US" sz="2800" b="1" dirty="0">
+              <a:latin typeface="Times New Roman" pitchFamily="18" charset="0"/>
+              <a:ea typeface="Tahoma" pitchFamily="34" charset="0"/>
+              <a:cs typeface="Times New Roman" pitchFamily="18" charset="0"/>
+            </a:endParaRPr>
           </a:p>
         </p:txBody>
       </p:sp>
@@ -5083,14 +4846,14 @@
           <p:nvPr>
             <p:extLst>
               <p:ext uri="{D42A27DB-BD31-4B8C-83A1-F6EECF244321}">
-                <p14:modId xmlns:p14="http://schemas.microsoft.com/office/powerpoint/2010/main" val="1101084218"/>
+                <p14:modId xmlns:p14="http://schemas.microsoft.com/office/powerpoint/2010/main" val="1697012436"/>
               </p:ext>
             </p:extLst>
           </p:nvPr>
         </p:nvGraphicFramePr>
         <p:xfrm>
           <a:off x="1752600" y="1719579"/>
-          <a:ext cx="6096000" cy="2910333"/>
+          <a:ext cx="6324600" cy="2835849"/>
         </p:xfrm>
         <a:graphic>
           <a:graphicData uri="http://schemas.openxmlformats.org/drawingml/2006/table">
@@ -5099,8 +4862,8 @@
                 <a:tableStyleId>{C4B1156A-380E-4F78-BDF5-A606A8083BF9}</a:tableStyleId>
               </a:tblPr>
               <a:tblGrid>
-                <a:gridCol w="5410200"/>
-                <a:gridCol w="685800"/>
+                <a:gridCol w="948690"/>
+                <a:gridCol w="5375910"/>
               </a:tblGrid>
               <a:tr h="457200">
                 <a:tc>
@@ -5108,7 +4871,36 @@
                     <a:bodyPr/>
                     <a:lstStyle/>
                     <a:p>
-                      <a:pPr marL="0" marR="0" algn="just" rtl="1">
+                      <a:pPr marL="0" marR="0" algn="just" rtl="0">
+                        <a:lnSpc>
+                          <a:spcPct val="115000"/>
+                        </a:lnSpc>
+                        <a:spcBef>
+                          <a:spcPts val="0"/>
+                        </a:spcBef>
+                        <a:spcAft>
+                          <a:spcPts val="0"/>
+                        </a:spcAft>
+                      </a:pPr>
+                      <a:endParaRPr lang="en-US" sz="1400" b="0" dirty="0">
+                        <a:solidFill>
+                          <a:schemeClr val="tx1"/>
+                        </a:solidFill>
+                        <a:effectLst/>
+                        <a:latin typeface="Tahoma" pitchFamily="34" charset="0"/>
+                        <a:ea typeface="Tahoma" pitchFamily="34" charset="0"/>
+                        <a:cs typeface="Tahoma" pitchFamily="34" charset="0"/>
+                      </a:endParaRPr>
+                    </a:p>
+                  </a:txBody>
+                  <a:tcPr marL="68580" marR="68580" marT="0" marB="0" anchor="ctr"/>
+                </a:tc>
+                <a:tc>
+                  <a:txBody>
+                    <a:bodyPr/>
+                    <a:lstStyle/>
+                    <a:p>
+                      <a:pPr marL="0" marR="0" algn="just" rtl="0">
                         <a:lnSpc>
                           <a:spcPct val="115000"/>
                         </a:lnSpc>
@@ -5120,7 +4912,7 @@
                         </a:spcAft>
                       </a:pPr>
                       <a:r>
-                        <a:rPr lang="fa-IR" sz="1400" b="1" dirty="0" smtClean="0">
+                        <a:rPr lang="en-US" sz="1400" b="1" dirty="0" smtClean="0">
                           <a:solidFill>
                             <a:srgbClr val="0070C0"/>
                           </a:solidFill>
@@ -5129,157 +4921,77 @@
                           <a:ea typeface="Times New Roman"/>
                           <a:cs typeface="B Nazanin"/>
                         </a:rPr>
-                        <a:t>اتاق خالی</a:t>
+                        <a:t>Empty</a:t>
                       </a:r>
                       <a:r>
-                        <a:rPr lang="fa-IR" sz="1400" b="1" dirty="0" smtClean="0">
+                        <a:rPr lang="en-US" sz="1400" b="1" baseline="0" dirty="0" smtClean="0">
                           <a:solidFill>
-                            <a:srgbClr val="000000"/>
+                            <a:srgbClr val="0070C0"/>
                           </a:solidFill>
                           <a:effectLst/>
                           <a:latin typeface="Times New Roman"/>
                           <a:ea typeface="Times New Roman"/>
                           <a:cs typeface="B Nazanin"/>
                         </a:rPr>
-                        <a:t>: </a:t>
+                        <a:t> Room:</a:t>
                       </a:r>
                       <a:r>
-                        <a:rPr lang="ar-SA" sz="1400" b="0" dirty="0" smtClean="0">
+                        <a:rPr lang="en-US" sz="1400" b="0" baseline="0" dirty="0" smtClean="0">
                           <a:solidFill>
-                            <a:srgbClr val="000000"/>
+                            <a:schemeClr val="tx1"/>
                           </a:solidFill>
                           <a:effectLst/>
-                          <a:latin typeface="Times New Roman"/>
-                          <a:ea typeface="Times New Roman"/>
-                          <a:cs typeface="B Nazanin"/>
+                          <a:latin typeface="Tahoma" pitchFamily="34" charset="0"/>
+                          <a:ea typeface="Tahoma" pitchFamily="34" charset="0"/>
+                          <a:cs typeface="Tahoma" pitchFamily="34" charset="0"/>
                         </a:rPr>
-                        <a:t>کسي </a:t>
-                      </a:r>
-                      <a:r>
-                        <a:rPr lang="ar-SA" sz="1400" b="0" dirty="0">
-                          <a:solidFill>
-                            <a:srgbClr val="000000"/>
-                          </a:solidFill>
-                          <a:effectLst/>
-                          <a:latin typeface="Times New Roman"/>
-                          <a:ea typeface="Times New Roman"/>
-                          <a:cs typeface="B Nazanin"/>
-                        </a:rPr>
-                        <a:t>داخل </a:t>
-                      </a:r>
-                      <a:r>
-                        <a:rPr lang="ar-SA" sz="1400" b="0" dirty="0" smtClean="0">
-                          <a:solidFill>
-                            <a:srgbClr val="000000"/>
-                          </a:solidFill>
-                          <a:effectLst/>
-                          <a:latin typeface="Times New Roman"/>
-                          <a:ea typeface="Times New Roman"/>
-                          <a:cs typeface="B Nazanin"/>
-                        </a:rPr>
-                        <a:t>اتاق</a:t>
-                      </a:r>
-                      <a:r>
-                        <a:rPr lang="fa-IR" sz="1400" b="0" dirty="0" smtClean="0">
-                          <a:solidFill>
-                            <a:srgbClr val="000000"/>
-                          </a:solidFill>
-                          <a:effectLst/>
-                          <a:latin typeface="Times New Roman"/>
-                          <a:ea typeface="Times New Roman"/>
-                          <a:cs typeface="B Nazanin"/>
-                        </a:rPr>
-                        <a:t> جلسه</a:t>
-                      </a:r>
-                      <a:r>
-                        <a:rPr lang="ar-SA" sz="1400" b="0" dirty="0" smtClean="0">
-                          <a:solidFill>
-                            <a:srgbClr val="000000"/>
-                          </a:solidFill>
-                          <a:effectLst/>
-                          <a:latin typeface="Times New Roman"/>
-                          <a:ea typeface="Times New Roman"/>
-                          <a:cs typeface="B Nazanin"/>
-                        </a:rPr>
-                        <a:t> </a:t>
-                      </a:r>
-                      <a:r>
-                        <a:rPr lang="ar-SA" sz="1400" b="0" dirty="0">
-                          <a:solidFill>
-                            <a:srgbClr val="000000"/>
-                          </a:solidFill>
-                          <a:effectLst/>
-                          <a:latin typeface="Times New Roman"/>
-                          <a:ea typeface="Times New Roman"/>
-                          <a:cs typeface="B Nazanin"/>
-                        </a:rPr>
-                        <a:t>نيست و شما مي‌توانيد </a:t>
-                      </a:r>
-                      <a:r>
-                        <a:rPr lang="fa-IR" sz="1400" b="0" dirty="0" smtClean="0">
-                          <a:solidFill>
-                            <a:srgbClr val="000000"/>
-                          </a:solidFill>
-                          <a:effectLst/>
-                          <a:latin typeface="Times New Roman"/>
-                          <a:ea typeface="Times New Roman"/>
-                          <a:cs typeface="B Nazanin"/>
-                        </a:rPr>
-                        <a:t>وارد</a:t>
-                      </a:r>
-                      <a:r>
-                        <a:rPr lang="ar-SA" sz="1400" b="0" dirty="0" smtClean="0">
-                          <a:solidFill>
-                            <a:srgbClr val="000000"/>
-                          </a:solidFill>
-                          <a:effectLst/>
-                          <a:latin typeface="Times New Roman"/>
-                          <a:ea typeface="Times New Roman"/>
-                          <a:cs typeface="B Nazanin"/>
-                        </a:rPr>
-                        <a:t> </a:t>
-                      </a:r>
-                      <a:r>
-                        <a:rPr lang="ar-SA" sz="1400" b="0" dirty="0">
-                          <a:solidFill>
-                            <a:srgbClr val="000000"/>
-                          </a:solidFill>
-                          <a:effectLst/>
-                          <a:latin typeface="Times New Roman"/>
-                          <a:ea typeface="Times New Roman"/>
-                          <a:cs typeface="B Nazanin"/>
-                        </a:rPr>
-                        <a:t>‌آن </a:t>
-                      </a:r>
-                      <a:r>
-                        <a:rPr lang="ar-SA" sz="1400" b="0" dirty="0" smtClean="0">
-                          <a:solidFill>
-                            <a:srgbClr val="000000"/>
-                          </a:solidFill>
-                          <a:effectLst/>
-                          <a:latin typeface="Times New Roman"/>
-                          <a:ea typeface="Times New Roman"/>
-                          <a:cs typeface="B Nazanin"/>
-                        </a:rPr>
-                        <a:t>شويد</a:t>
-                      </a:r>
-                      <a:r>
-                        <a:rPr lang="ar-SA" sz="1400" b="0" dirty="0">
-                          <a:solidFill>
-                            <a:srgbClr val="000000"/>
-                          </a:solidFill>
-                          <a:effectLst/>
-                          <a:latin typeface="Times New Roman"/>
-                          <a:ea typeface="Times New Roman"/>
-                          <a:cs typeface="B Nazanin"/>
-                        </a:rPr>
-                        <a:t>. </a:t>
+                        <a:t> No one is the room and you can enter.</a:t>
                       </a:r>
                       <a:endParaRPr lang="en-US" sz="1400" b="0" dirty="0">
+                        <a:solidFill>
+                          <a:schemeClr val="tx1"/>
+                        </a:solidFill>
                         <a:effectLst/>
-                        <a:latin typeface="Arial"/>
-                        <a:ea typeface="Times New Roman"/>
-                        <a:cs typeface="B Nazanin"/>
+                        <a:latin typeface="Tahoma" pitchFamily="34" charset="0"/>
+                        <a:ea typeface="Tahoma" pitchFamily="34" charset="0"/>
+                        <a:cs typeface="Tahoma" pitchFamily="34" charset="0"/>
+                      </a:endParaRPr>
+                    </a:p>
+                  </a:txBody>
+                  <a:tcPr marL="68580" marR="68580" marT="0" marB="0" anchor="ctr"/>
+                </a:tc>
+              </a:tr>
+              <a:tr h="457200">
+                <a:tc>
+                  <a:txBody>
+                    <a:bodyPr/>
+                    <a:lstStyle/>
+                    <a:p>
+                      <a:pPr marL="0" marR="0" indent="0" algn="just" defTabSz="914400" rtl="0" eaLnBrk="1" fontAlgn="auto" latinLnBrk="0" hangingPunct="1">
+                        <a:lnSpc>
+                          <a:spcPct val="115000"/>
+                        </a:lnSpc>
+                        <a:spcBef>
+                          <a:spcPts val="0"/>
+                        </a:spcBef>
+                        <a:spcAft>
+                          <a:spcPts val="0"/>
+                        </a:spcAft>
+                        <a:buClrTx/>
+                        <a:buSzTx/>
+                        <a:buFontTx/>
+                        <a:buNone/>
+                        <a:tabLst/>
+                        <a:defRPr/>
+                      </a:pPr>
+                      <a:endParaRPr lang="en-US" sz="1400" b="0" dirty="0" smtClean="0">
+                        <a:solidFill>
+                          <a:schemeClr val="tx1"/>
+                        </a:solidFill>
+                        <a:effectLst/>
+                        <a:latin typeface="Tahoma" pitchFamily="34" charset="0"/>
+                        <a:ea typeface="Tahoma" pitchFamily="34" charset="0"/>
+                        <a:cs typeface="Tahoma" pitchFamily="34" charset="0"/>
                       </a:endParaRPr>
                     </a:p>
                   </a:txBody>
@@ -5290,19 +5002,7 @@
                     <a:bodyPr/>
                     <a:lstStyle/>
                     <a:p>
-                      <a:endParaRPr lang="en-US" dirty="0"/>
-                    </a:p>
-                  </a:txBody>
-                  <a:tcPr/>
-                </a:tc>
-              </a:tr>
-              <a:tr h="457200">
-                <a:tc>
-                  <a:txBody>
-                    <a:bodyPr/>
-                    <a:lstStyle/>
-                    <a:p>
-                      <a:pPr marL="0" marR="0" indent="0" algn="just" defTabSz="914400" rtl="1" eaLnBrk="1" fontAlgn="auto" latinLnBrk="0" hangingPunct="1">
+                      <a:pPr marL="0" marR="0" indent="0" algn="just" defTabSz="914400" rtl="0" eaLnBrk="1" fontAlgn="auto" latinLnBrk="0" hangingPunct="1">
                         <a:lnSpc>
                           <a:spcPct val="115000"/>
                         </a:lnSpc>
@@ -5320,142 +5020,80 @@
                         <a:defRPr/>
                       </a:pPr>
                       <a:r>
-                        <a:rPr lang="fa-IR" sz="1400" b="1" dirty="0" smtClean="0">
+                        <a:rPr lang="en-US" sz="1400" b="1" dirty="0" smtClean="0">
                           <a:solidFill>
                             <a:srgbClr val="0070C0"/>
                           </a:solidFill>
                           <a:effectLst/>
-                          <a:latin typeface="Times New Roman"/>
-                          <a:ea typeface="Times New Roman"/>
-                          <a:cs typeface="B Nazanin"/>
+                          <a:latin typeface="Tahoma" pitchFamily="34" charset="0"/>
+                          <a:ea typeface="Tahoma" pitchFamily="34" charset="0"/>
+                          <a:cs typeface="Tahoma" pitchFamily="34" charset="0"/>
                         </a:rPr>
-                        <a:t>اتاق ا</a:t>
+                        <a:t>Occupied Room: </a:t>
                       </a:r>
                       <a:r>
-                        <a:rPr lang="ar-SA" sz="1400" b="1" dirty="0" smtClean="0">
+                        <a:rPr lang="en-US" sz="1400" b="0" dirty="0" smtClean="0">
                           <a:solidFill>
-                            <a:srgbClr val="0070C0"/>
+                            <a:schemeClr val="tx1"/>
                           </a:solidFill>
                           <a:effectLst/>
-                          <a:latin typeface="Times New Roman"/>
-                          <a:ea typeface="Times New Roman"/>
-                          <a:cs typeface="B Nazanin"/>
+                          <a:latin typeface="Tahoma" pitchFamily="34" charset="0"/>
+                          <a:ea typeface="Tahoma" pitchFamily="34" charset="0"/>
+                          <a:cs typeface="Tahoma" pitchFamily="34" charset="0"/>
                         </a:rPr>
-                        <a:t>شغ</a:t>
+                        <a:t>There</a:t>
                       </a:r>
                       <a:r>
-                        <a:rPr lang="fa-IR" sz="1400" b="1" dirty="0" smtClean="0">
+                        <a:rPr lang="en-US" sz="1400" b="0" baseline="0" dirty="0" smtClean="0">
                           <a:solidFill>
-                            <a:srgbClr val="0070C0"/>
+                            <a:schemeClr val="tx1"/>
                           </a:solidFill>
                           <a:effectLst/>
-                          <a:latin typeface="Times New Roman"/>
-                          <a:ea typeface="Times New Roman"/>
-                          <a:cs typeface="B Nazanin"/>
+                          <a:latin typeface="Tahoma" pitchFamily="34" charset="0"/>
+                          <a:ea typeface="Tahoma" pitchFamily="34" charset="0"/>
+                          <a:cs typeface="Tahoma" pitchFamily="34" charset="0"/>
                         </a:rPr>
-                        <a:t>ا</a:t>
+                        <a:t> are some people at room right now but you can enter it also.</a:t>
                       </a:r>
-                      <a:r>
-                        <a:rPr lang="ar-SA" sz="1400" b="1" dirty="0" smtClean="0">
-                          <a:solidFill>
-                            <a:srgbClr val="0070C0"/>
-                          </a:solidFill>
-                          <a:effectLst/>
-                          <a:latin typeface="Times New Roman"/>
-                          <a:ea typeface="Times New Roman"/>
-                          <a:cs typeface="B Nazanin"/>
-                        </a:rPr>
-                        <a:t>ل</a:t>
-                      </a:r>
-                      <a:r>
-                        <a:rPr lang="ar-SA" sz="1400" b="1" dirty="0" smtClean="0">
-                          <a:solidFill>
-                            <a:srgbClr val="000000"/>
-                          </a:solidFill>
-                          <a:effectLst/>
-                          <a:latin typeface="Times New Roman"/>
-                          <a:ea typeface="Times New Roman"/>
-                          <a:cs typeface="B Nazanin"/>
-                        </a:rPr>
-                        <a:t>:</a:t>
-                      </a:r>
-                      <a:r>
-                        <a:rPr lang="ar-SA" sz="1400" dirty="0" smtClean="0">
-                          <a:solidFill>
-                            <a:srgbClr val="000000"/>
-                          </a:solidFill>
-                          <a:effectLst/>
-                          <a:latin typeface="Times New Roman"/>
-                          <a:ea typeface="Times New Roman"/>
-                          <a:cs typeface="B Nazanin"/>
-                        </a:rPr>
-                        <a:t> </a:t>
-                      </a:r>
-                      <a:r>
-                        <a:rPr lang="fa-IR" sz="1400" dirty="0" smtClean="0">
-                          <a:solidFill>
-                            <a:srgbClr val="000000"/>
-                          </a:solidFill>
-                          <a:effectLst/>
-                          <a:latin typeface="Times New Roman"/>
-                          <a:ea typeface="Times New Roman"/>
-                          <a:cs typeface="B Nazanin"/>
-                        </a:rPr>
-                        <a:t>در حال حاضر فرد</a:t>
-                      </a:r>
-                      <a:r>
-                        <a:rPr lang="fa-IR" sz="1400" baseline="0" dirty="0" smtClean="0">
-                          <a:solidFill>
-                            <a:srgbClr val="000000"/>
-                          </a:solidFill>
-                          <a:effectLst/>
-                          <a:latin typeface="Times New Roman"/>
-                          <a:ea typeface="Times New Roman"/>
-                          <a:cs typeface="B Nazanin"/>
-                        </a:rPr>
-                        <a:t> یا افراد دیگری در اتاق جلسه حضور دارند</a:t>
-                      </a:r>
-                      <a:r>
-                        <a:rPr lang="ar-SA" sz="1400" dirty="0" smtClean="0">
-                          <a:solidFill>
-                            <a:srgbClr val="000000"/>
-                          </a:solidFill>
-                          <a:effectLst/>
-                          <a:latin typeface="Times New Roman"/>
-                          <a:ea typeface="Times New Roman"/>
-                          <a:cs typeface="B Nazanin"/>
-                        </a:rPr>
-                        <a:t> </a:t>
-                      </a:r>
-                      <a:r>
-                        <a:rPr lang="fa-IR" sz="1400" dirty="0" smtClean="0">
-                          <a:solidFill>
-                            <a:srgbClr val="000000"/>
-                          </a:solidFill>
-                          <a:effectLst/>
-                          <a:latin typeface="Times New Roman"/>
-                          <a:ea typeface="Times New Roman"/>
-                          <a:cs typeface="B Nazanin"/>
-                        </a:rPr>
-                        <a:t>اما شما هم می‌توانید وارد اتاق جلسه بشوید</a:t>
-                      </a:r>
-                      <a:r>
-                        <a:rPr lang="ar-SA" sz="1400" dirty="0" smtClean="0">
-                          <a:solidFill>
-                            <a:srgbClr val="000000"/>
-                          </a:solidFill>
-                          <a:effectLst/>
-                          <a:latin typeface="Times New Roman"/>
-                          <a:ea typeface="Times New Roman"/>
-                          <a:cs typeface="B Nazanin"/>
-                        </a:rPr>
-                        <a:t>.</a:t>
-                      </a:r>
-                      <a:endParaRPr lang="en-US" sz="1400" dirty="0" smtClean="0">
+                      <a:endParaRPr lang="en-US" sz="1400" b="0" dirty="0" smtClean="0">
+                        <a:solidFill>
+                          <a:schemeClr val="tx1"/>
+                        </a:solidFill>
                         <a:effectLst/>
-                        <a:latin typeface="Arial"/>
-                        <a:ea typeface="Times New Roman"/>
-                        <a:cs typeface="B Nazanin"/>
+                        <a:latin typeface="Tahoma" pitchFamily="34" charset="0"/>
+                        <a:ea typeface="Tahoma" pitchFamily="34" charset="0"/>
+                        <a:cs typeface="Tahoma" pitchFamily="34" charset="0"/>
+                      </a:endParaRPr>
+                    </a:p>
+                  </a:txBody>
+                  <a:tcPr marL="68580" marR="68580" marT="0" marB="0" anchor="ctr"/>
+                </a:tc>
+              </a:tr>
+              <a:tr h="457200">
+                <a:tc>
+                  <a:txBody>
+                    <a:bodyPr/>
+                    <a:lstStyle/>
+                    <a:p>
+                      <a:pPr marL="0" marR="0" algn="just" rtl="0">
+                        <a:lnSpc>
+                          <a:spcPct val="115000"/>
+                        </a:lnSpc>
+                        <a:spcBef>
+                          <a:spcPts val="0"/>
+                        </a:spcBef>
+                        <a:spcAft>
+                          <a:spcPts val="0"/>
+                        </a:spcAft>
+                      </a:pPr>
+                      <a:endParaRPr lang="en-US" sz="1400" b="0" dirty="0" smtClean="0">
+                        <a:solidFill>
+                          <a:schemeClr val="tx1"/>
+                        </a:solidFill>
+                        <a:effectLst/>
+                        <a:latin typeface="Tahoma" pitchFamily="34" charset="0"/>
+                        <a:ea typeface="Tahoma" pitchFamily="34" charset="0"/>
+                        <a:cs typeface="Tahoma" pitchFamily="34" charset="0"/>
                       </a:endParaRPr>
                     </a:p>
                   </a:txBody>
@@ -5466,19 +5104,7 @@
                     <a:bodyPr/>
                     <a:lstStyle/>
                     <a:p>
-                      <a:endParaRPr lang="en-US" dirty="0"/>
-                    </a:p>
-                  </a:txBody>
-                  <a:tcPr/>
-                </a:tc>
-              </a:tr>
-              <a:tr h="457200">
-                <a:tc>
-                  <a:txBody>
-                    <a:bodyPr/>
-                    <a:lstStyle/>
-                    <a:p>
-                      <a:pPr marL="0" marR="0" algn="just" rtl="1">
+                      <a:pPr marL="0" marR="0" algn="just" rtl="0">
                         <a:lnSpc>
                           <a:spcPct val="115000"/>
                         </a:lnSpc>
@@ -5490,190 +5116,111 @@
                         </a:spcAft>
                       </a:pPr>
                       <a:r>
-                        <a:rPr lang="fa-IR" sz="1400" b="1" dirty="0" smtClean="0">
+                        <a:rPr lang="en-US" sz="1400" b="1" dirty="0" smtClean="0">
                           <a:solidFill>
                             <a:srgbClr val="0070C0"/>
                           </a:solidFill>
                           <a:effectLst/>
-                          <a:latin typeface="Times New Roman"/>
-                          <a:ea typeface="Times New Roman"/>
-                          <a:cs typeface="B Nazanin"/>
+                          <a:latin typeface="Tahoma" pitchFamily="34" charset="0"/>
+                          <a:ea typeface="Tahoma" pitchFamily="34" charset="0"/>
+                          <a:cs typeface="Tahoma" pitchFamily="34" charset="0"/>
                         </a:rPr>
-                        <a:t>اتاق </a:t>
+                        <a:t>Locked Room:</a:t>
                       </a:r>
                       <a:r>
-                        <a:rPr lang="ar-SA" sz="1400" b="1" dirty="0" smtClean="0">
+                        <a:rPr lang="en-US" sz="1400" b="0" dirty="0" smtClean="0">
                           <a:solidFill>
-                            <a:srgbClr val="0070C0"/>
+                            <a:schemeClr val="tx1"/>
                           </a:solidFill>
                           <a:effectLst/>
-                          <a:latin typeface="Times New Roman"/>
-                          <a:ea typeface="Times New Roman"/>
-                          <a:cs typeface="B Nazanin"/>
+                          <a:latin typeface="Tahoma" pitchFamily="34" charset="0"/>
+                          <a:ea typeface="Tahoma" pitchFamily="34" charset="0"/>
+                          <a:cs typeface="Tahoma" pitchFamily="34" charset="0"/>
                         </a:rPr>
-                        <a:t>قفل</a:t>
+                        <a:t> Room owner locked it and you can not enter until the </a:t>
                       </a:r>
                       <a:r>
-                        <a:rPr lang="ar-SA" sz="1400" b="1" dirty="0">
+                        <a:rPr lang="en-US" sz="1400" b="0" baseline="0" dirty="0" smtClean="0">
                           <a:solidFill>
-                            <a:srgbClr val="000000"/>
+                            <a:schemeClr val="tx1"/>
                           </a:solidFill>
                           <a:effectLst/>
-                          <a:latin typeface="Times New Roman"/>
-                          <a:ea typeface="Times New Roman"/>
-                          <a:cs typeface="B Nazanin"/>
+                          <a:latin typeface="Tahoma" pitchFamily="34" charset="0"/>
+                          <a:ea typeface="Tahoma" pitchFamily="34" charset="0"/>
+                          <a:cs typeface="Tahoma" pitchFamily="34" charset="0"/>
                         </a:rPr>
-                        <a:t>:</a:t>
+                        <a:t>owner would invite you. You can ask him (or her) by sending a text message through Contact List (in Direct Call Tab).</a:t>
                       </a:r>
+                    </a:p>
+                    <a:p>
+                      <a:pPr marL="0" marR="0" algn="just" rtl="0">
+                        <a:lnSpc>
+                          <a:spcPct val="115000"/>
+                        </a:lnSpc>
+                        <a:spcBef>
+                          <a:spcPts val="0"/>
+                        </a:spcBef>
+                        <a:spcAft>
+                          <a:spcPts val="0"/>
+                        </a:spcAft>
+                      </a:pPr>
                       <a:r>
-                        <a:rPr lang="ar-SA" sz="1400" dirty="0">
+                        <a:rPr lang="en-US" sz="1400" b="0" baseline="0" dirty="0" smtClean="0">
                           <a:solidFill>
-                            <a:srgbClr val="000000"/>
+                            <a:schemeClr val="tx1"/>
                           </a:solidFill>
                           <a:effectLst/>
-                          <a:latin typeface="Times New Roman"/>
-                          <a:ea typeface="Times New Roman"/>
-                          <a:cs typeface="B Nazanin"/>
+                          <a:latin typeface="Tahoma" pitchFamily="34" charset="0"/>
+                          <a:ea typeface="Tahoma" pitchFamily="34" charset="0"/>
+                          <a:cs typeface="Tahoma" pitchFamily="34" charset="0"/>
                         </a:rPr>
-                        <a:t> </a:t>
+                        <a:t>(If you already activate this option on your software)</a:t>
                       </a:r>
-                      <a:r>
-                        <a:rPr lang="fa-IR" sz="1400" dirty="0" smtClean="0">
-                          <a:solidFill>
-                            <a:srgbClr val="000000"/>
-                          </a:solidFill>
-                          <a:effectLst/>
-                          <a:latin typeface="Times New Roman"/>
-                          <a:ea typeface="Times New Roman"/>
-                          <a:cs typeface="B Nazanin"/>
-                        </a:rPr>
-                        <a:t>صاحب اتاق جلسه آن را </a:t>
-                      </a:r>
-                      <a:r>
-                        <a:rPr lang="ar-SA" sz="1400" dirty="0" smtClean="0">
-                          <a:solidFill>
-                            <a:srgbClr val="000000"/>
-                          </a:solidFill>
-                          <a:effectLst/>
-                          <a:latin typeface="Times New Roman"/>
-                          <a:ea typeface="Times New Roman"/>
-                          <a:cs typeface="B Nazanin"/>
-                        </a:rPr>
-                        <a:t>قفل </a:t>
-                      </a:r>
-                      <a:r>
-                        <a:rPr lang="fa-IR" sz="1400" dirty="0" smtClean="0">
-                          <a:solidFill>
-                            <a:srgbClr val="000000"/>
-                          </a:solidFill>
-                          <a:effectLst/>
-                          <a:latin typeface="Times New Roman"/>
-                          <a:ea typeface="Times New Roman"/>
-                          <a:cs typeface="B Nazanin"/>
-                        </a:rPr>
-                        <a:t>نمود</a:t>
-                      </a:r>
-                      <a:r>
-                        <a:rPr lang="ar-SA" sz="1400" dirty="0" smtClean="0">
-                          <a:solidFill>
-                            <a:srgbClr val="000000"/>
-                          </a:solidFill>
-                          <a:effectLst/>
-                          <a:latin typeface="Times New Roman"/>
-                          <a:ea typeface="Times New Roman"/>
-                          <a:cs typeface="B Nazanin"/>
-                        </a:rPr>
-                        <a:t>ه </a:t>
-                      </a:r>
-                      <a:r>
-                        <a:rPr lang="ar-SA" sz="1400" dirty="0">
-                          <a:solidFill>
-                            <a:srgbClr val="000000"/>
-                          </a:solidFill>
-                          <a:effectLst/>
-                          <a:latin typeface="Times New Roman"/>
-                          <a:ea typeface="Times New Roman"/>
-                          <a:cs typeface="B Nazanin"/>
-                        </a:rPr>
-                        <a:t>است و </a:t>
-                      </a:r>
-                      <a:r>
-                        <a:rPr lang="fa-IR" sz="1400" dirty="0" smtClean="0">
-                          <a:solidFill>
-                            <a:srgbClr val="000000"/>
-                          </a:solidFill>
-                          <a:effectLst/>
-                          <a:latin typeface="Times New Roman"/>
-                          <a:ea typeface="Times New Roman"/>
-                          <a:cs typeface="B Nazanin"/>
-                        </a:rPr>
-                        <a:t>شما </a:t>
-                      </a:r>
-                      <a:r>
-                        <a:rPr lang="ar-SA" sz="1400" dirty="0" smtClean="0">
-                          <a:solidFill>
-                            <a:srgbClr val="000000"/>
-                          </a:solidFill>
-                          <a:effectLst/>
-                          <a:latin typeface="Times New Roman"/>
-                          <a:ea typeface="Times New Roman"/>
-                          <a:cs typeface="B Nazanin"/>
-                        </a:rPr>
-                        <a:t>نمي‌توان</a:t>
-                      </a:r>
-                      <a:r>
-                        <a:rPr lang="fa-IR" sz="1400" dirty="0" smtClean="0">
-                          <a:solidFill>
-                            <a:srgbClr val="000000"/>
-                          </a:solidFill>
-                          <a:effectLst/>
-                          <a:latin typeface="Times New Roman"/>
-                          <a:ea typeface="Times New Roman"/>
-                          <a:cs typeface="B Nazanin"/>
-                        </a:rPr>
-                        <a:t>ید</a:t>
-                      </a:r>
-                      <a:r>
-                        <a:rPr lang="ar-SA" sz="1400" dirty="0" smtClean="0">
-                          <a:solidFill>
-                            <a:srgbClr val="000000"/>
-                          </a:solidFill>
-                          <a:effectLst/>
-                          <a:latin typeface="Times New Roman"/>
-                          <a:ea typeface="Times New Roman"/>
-                          <a:cs typeface="B Nazanin"/>
-                        </a:rPr>
-                        <a:t> </a:t>
-                      </a:r>
-                      <a:r>
-                        <a:rPr lang="fa-IR" sz="1400" dirty="0" smtClean="0">
-                          <a:solidFill>
-                            <a:srgbClr val="000000"/>
-                          </a:solidFill>
-                          <a:effectLst/>
-                          <a:latin typeface="Times New Roman"/>
-                          <a:ea typeface="Times New Roman"/>
-                          <a:cs typeface="B Nazanin"/>
-                        </a:rPr>
-                        <a:t>وارد آن شوید. مگر آنکه از</a:t>
-                      </a:r>
-                      <a:r>
-                        <a:rPr lang="fa-IR" sz="1400" baseline="0" dirty="0" smtClean="0">
-                          <a:solidFill>
-                            <a:srgbClr val="000000"/>
-                          </a:solidFill>
-                          <a:effectLst/>
-                          <a:latin typeface="Times New Roman"/>
-                          <a:ea typeface="Times New Roman"/>
-                          <a:cs typeface="B Nazanin"/>
-                        </a:rPr>
-                        <a:t> صاحب جلسه درخواست کنید شما را دعوت کند. درخواست‌تان را می‌توانید از طریق ارسال پیام متنی در بخش لیست مخاطبین از سربرگ تماس دونفره براس صاحب اتاق جلسه ارسال نمائید. (اگر این قابلیت در نرم‌افزارتان فعال شده باشد)</a:t>
-                      </a:r>
-                      <a:endParaRPr lang="en-US" sz="1400" dirty="0">
+                      <a:endParaRPr lang="en-US" sz="1400" b="0" dirty="0" smtClean="0">
+                        <a:solidFill>
+                          <a:schemeClr val="tx1"/>
+                        </a:solidFill>
                         <a:effectLst/>
-                        <a:latin typeface="Arial"/>
-                        <a:ea typeface="Times New Roman"/>
-                        <a:cs typeface="B Nazanin"/>
+                        <a:latin typeface="Tahoma" pitchFamily="34" charset="0"/>
+                        <a:ea typeface="Tahoma" pitchFamily="34" charset="0"/>
+                        <a:cs typeface="Tahoma" pitchFamily="34" charset="0"/>
+                      </a:endParaRPr>
+                    </a:p>
+                  </a:txBody>
+                  <a:tcPr marL="68580" marR="68580" marT="0" marB="0" anchor="ctr"/>
+                </a:tc>
+              </a:tr>
+              <a:tr h="457200">
+                <a:tc>
+                  <a:txBody>
+                    <a:bodyPr/>
+                    <a:lstStyle/>
+                    <a:p>
+                      <a:pPr marL="0" marR="0" indent="0" algn="just" defTabSz="914400" rtl="0" eaLnBrk="1" fontAlgn="auto" latinLnBrk="0" hangingPunct="1">
+                        <a:lnSpc>
+                          <a:spcPct val="115000"/>
+                        </a:lnSpc>
+                        <a:spcBef>
+                          <a:spcPts val="0"/>
+                        </a:spcBef>
+                        <a:spcAft>
+                          <a:spcPts val="0"/>
+                        </a:spcAft>
+                        <a:buClrTx/>
+                        <a:buSzTx/>
+                        <a:buFontTx/>
+                        <a:buNone/>
+                        <a:tabLst/>
+                        <a:defRPr/>
+                      </a:pPr>
+                      <a:endParaRPr lang="en-US" sz="1400" b="0" dirty="0" smtClean="0">
+                        <a:solidFill>
+                          <a:schemeClr val="tx1"/>
+                        </a:solidFill>
+                        <a:effectLst/>
+                        <a:latin typeface="Tahoma" pitchFamily="34" charset="0"/>
+                        <a:ea typeface="Tahoma" pitchFamily="34" charset="0"/>
+                        <a:cs typeface="Tahoma" pitchFamily="34" charset="0"/>
                       </a:endParaRPr>
                     </a:p>
                   </a:txBody>
@@ -5684,19 +5231,7 @@
                     <a:bodyPr/>
                     <a:lstStyle/>
                     <a:p>
-                      <a:endParaRPr lang="en-US" dirty="0"/>
-                    </a:p>
-                  </a:txBody>
-                  <a:tcPr/>
-                </a:tc>
-              </a:tr>
-              <a:tr h="457200">
-                <a:tc>
-                  <a:txBody>
-                    <a:bodyPr/>
-                    <a:lstStyle/>
-                    <a:p>
-                      <a:pPr marL="0" marR="0" indent="0" algn="just" defTabSz="914400" rtl="1" eaLnBrk="1" fontAlgn="auto" latinLnBrk="0" hangingPunct="1">
+                      <a:pPr marL="0" marR="0" indent="0" algn="just" defTabSz="914400" rtl="0" eaLnBrk="1" fontAlgn="auto" latinLnBrk="0" hangingPunct="1">
                         <a:lnSpc>
                           <a:spcPct val="115000"/>
                         </a:lnSpc>
@@ -5714,190 +5249,80 @@
                         <a:defRPr/>
                       </a:pPr>
                       <a:r>
-                        <a:rPr lang="fa-IR" sz="1400" b="1" dirty="0" smtClean="0">
+                        <a:rPr lang="en-US" sz="1400" b="1" dirty="0" smtClean="0">
                           <a:solidFill>
                             <a:srgbClr val="0070C0"/>
                           </a:solidFill>
                           <a:effectLst/>
-                          <a:latin typeface="Times New Roman"/>
-                          <a:ea typeface="Times New Roman"/>
-                          <a:cs typeface="B Nazanin"/>
+                          <a:latin typeface="Tahoma" pitchFamily="34" charset="0"/>
+                          <a:ea typeface="Tahoma" pitchFamily="34" charset="0"/>
+                          <a:cs typeface="Tahoma" pitchFamily="34" charset="0"/>
                         </a:rPr>
-                        <a:t>اتاق </a:t>
+                        <a:t>Full Room:</a:t>
                       </a:r>
                       <a:r>
-                        <a:rPr lang="ar-SA" sz="1400" b="1" dirty="0" smtClean="0">
+                        <a:rPr lang="en-US" sz="1400" b="1" baseline="0" dirty="0" smtClean="0">
                           <a:solidFill>
                             <a:srgbClr val="0070C0"/>
                           </a:solidFill>
                           <a:effectLst/>
-                          <a:latin typeface="Times New Roman"/>
-                          <a:ea typeface="Times New Roman"/>
-                          <a:cs typeface="B Nazanin"/>
-                        </a:rPr>
-                        <a:t>پر</a:t>
-                      </a:r>
-                      <a:r>
-                        <a:rPr lang="ar-SA" sz="1400" b="1" dirty="0" smtClean="0">
-                          <a:solidFill>
-                            <a:srgbClr val="000000"/>
-                          </a:solidFill>
-                          <a:effectLst/>
-                          <a:latin typeface="Times New Roman"/>
-                          <a:ea typeface="Times New Roman"/>
-                          <a:cs typeface="B Nazanin"/>
-                        </a:rPr>
-                        <a:t>:</a:t>
-                      </a:r>
-                      <a:r>
-                        <a:rPr lang="ar-SA" sz="1400" dirty="0" smtClean="0">
-                          <a:solidFill>
-                            <a:srgbClr val="000000"/>
-                          </a:solidFill>
-                          <a:effectLst/>
-                          <a:latin typeface="Times New Roman"/>
-                          <a:ea typeface="Times New Roman"/>
-                          <a:cs typeface="B Nazanin"/>
+                          <a:latin typeface="Tahoma" pitchFamily="34" charset="0"/>
+                          <a:ea typeface="Tahoma" pitchFamily="34" charset="0"/>
+                          <a:cs typeface="Tahoma" pitchFamily="34" charset="0"/>
                         </a:rPr>
                         <a:t> </a:t>
                       </a:r>
                       <a:r>
-                        <a:rPr lang="fa-IR" sz="1400" dirty="0" smtClean="0">
+                        <a:rPr lang="en-US" sz="1400" b="0" baseline="0" dirty="0" smtClean="0">
                           <a:solidFill>
-                            <a:srgbClr val="000000"/>
+                            <a:schemeClr val="tx1"/>
                           </a:solidFill>
                           <a:effectLst/>
-                          <a:latin typeface="Times New Roman"/>
-                          <a:ea typeface="Times New Roman"/>
-                          <a:cs typeface="B Nazanin"/>
+                          <a:latin typeface="Tahoma" pitchFamily="34" charset="0"/>
+                          <a:ea typeface="Tahoma" pitchFamily="34" charset="0"/>
+                          <a:cs typeface="Tahoma" pitchFamily="34" charset="0"/>
                         </a:rPr>
-                        <a:t>ظرفیت </a:t>
+                        <a:t>The Room is full and no one can enter it until someone came out of it.</a:t>
                       </a:r>
-                      <a:r>
-                        <a:rPr lang="ar-SA" sz="1400" dirty="0" smtClean="0">
-                          <a:solidFill>
-                            <a:srgbClr val="000000"/>
-                          </a:solidFill>
-                          <a:effectLst/>
-                          <a:latin typeface="Times New Roman"/>
-                          <a:ea typeface="Times New Roman"/>
-                          <a:cs typeface="B Nazanin"/>
-                        </a:rPr>
-                        <a:t>اتاق </a:t>
-                      </a:r>
-                      <a:r>
-                        <a:rPr lang="fa-IR" sz="1400" dirty="0" smtClean="0">
-                          <a:solidFill>
-                            <a:srgbClr val="000000"/>
-                          </a:solidFill>
-                          <a:effectLst/>
-                          <a:latin typeface="Times New Roman"/>
-                          <a:ea typeface="Times New Roman"/>
-                          <a:cs typeface="B Nazanin"/>
-                        </a:rPr>
-                        <a:t>پر</a:t>
-                      </a:r>
-                      <a:r>
-                        <a:rPr lang="ar-SA" sz="1400" dirty="0" smtClean="0">
-                          <a:solidFill>
-                            <a:srgbClr val="000000"/>
-                          </a:solidFill>
-                          <a:effectLst/>
-                          <a:latin typeface="Times New Roman"/>
-                          <a:ea typeface="Times New Roman"/>
-                          <a:cs typeface="B Nazanin"/>
-                        </a:rPr>
-                        <a:t> شده است و</a:t>
-                      </a:r>
-                      <a:r>
-                        <a:rPr lang="fa-IR" sz="1400" dirty="0" smtClean="0">
-                          <a:solidFill>
-                            <a:srgbClr val="000000"/>
-                          </a:solidFill>
-                          <a:effectLst/>
-                          <a:latin typeface="Times New Roman"/>
-                          <a:ea typeface="Times New Roman"/>
-                          <a:cs typeface="B Nazanin"/>
-                        </a:rPr>
-                        <a:t> تا زمانی</a:t>
-                      </a:r>
-                      <a:r>
-                        <a:rPr lang="fa-IR" sz="1400" baseline="0" dirty="0" smtClean="0">
-                          <a:solidFill>
-                            <a:srgbClr val="000000"/>
-                          </a:solidFill>
-                          <a:effectLst/>
-                          <a:latin typeface="Times New Roman"/>
-                          <a:ea typeface="Times New Roman"/>
-                          <a:cs typeface="B Nazanin"/>
-                        </a:rPr>
-                        <a:t> که کسی از اتاق بیرون نرود، </a:t>
-                      </a:r>
-                      <a:r>
-                        <a:rPr lang="fa-IR" sz="1400" dirty="0" smtClean="0">
-                          <a:solidFill>
-                            <a:srgbClr val="000000"/>
-                          </a:solidFill>
-                          <a:effectLst/>
-                          <a:latin typeface="Times New Roman"/>
-                          <a:ea typeface="Times New Roman"/>
-                          <a:cs typeface="B Nazanin"/>
-                        </a:rPr>
-                        <a:t>فرد</a:t>
-                      </a:r>
-                      <a:r>
-                        <a:rPr lang="fa-IR" sz="1400" baseline="0" dirty="0" smtClean="0">
-                          <a:solidFill>
-                            <a:srgbClr val="000000"/>
-                          </a:solidFill>
-                          <a:effectLst/>
-                          <a:latin typeface="Times New Roman"/>
-                          <a:ea typeface="Times New Roman"/>
-                          <a:cs typeface="B Nazanin"/>
-                        </a:rPr>
-                        <a:t> دیگری</a:t>
-                      </a:r>
-                      <a:r>
-                        <a:rPr lang="ar-SA" sz="1400" dirty="0" smtClean="0">
-                          <a:solidFill>
-                            <a:srgbClr val="000000"/>
-                          </a:solidFill>
-                          <a:effectLst/>
-                          <a:latin typeface="Times New Roman"/>
-                          <a:ea typeface="Times New Roman"/>
-                          <a:cs typeface="B Nazanin"/>
-                        </a:rPr>
-                        <a:t> نمي‌تواند </a:t>
-                      </a:r>
-                      <a:r>
-                        <a:rPr lang="fa-IR" sz="1400" dirty="0" smtClean="0">
-                          <a:solidFill>
-                            <a:srgbClr val="000000"/>
-                          </a:solidFill>
-                          <a:effectLst/>
-                          <a:latin typeface="Times New Roman"/>
-                          <a:ea typeface="Times New Roman"/>
-                          <a:cs typeface="B Nazanin"/>
-                        </a:rPr>
-                        <a:t>وارد اتاق</a:t>
-                      </a:r>
-                      <a:r>
-                        <a:rPr lang="ar-SA" sz="1400" dirty="0" smtClean="0">
-                          <a:solidFill>
-                            <a:srgbClr val="000000"/>
-                          </a:solidFill>
-                          <a:effectLst/>
-                          <a:latin typeface="Times New Roman"/>
-                          <a:ea typeface="Times New Roman"/>
-                          <a:cs typeface="B Nazanin"/>
-                        </a:rPr>
-                        <a:t> شود.</a:t>
-                      </a:r>
-                      <a:endParaRPr lang="en-US" sz="1400" dirty="0" smtClean="0">
+                      <a:endParaRPr lang="en-US" sz="1400" b="0" dirty="0" smtClean="0">
+                        <a:solidFill>
+                          <a:schemeClr val="tx1"/>
+                        </a:solidFill>
                         <a:effectLst/>
-                        <a:latin typeface="Arial"/>
-                        <a:ea typeface="Times New Roman"/>
-                        <a:cs typeface="B Nazanin"/>
+                        <a:latin typeface="Tahoma" pitchFamily="34" charset="0"/>
+                        <a:ea typeface="Tahoma" pitchFamily="34" charset="0"/>
+                        <a:cs typeface="Tahoma" pitchFamily="34" charset="0"/>
+                      </a:endParaRPr>
+                    </a:p>
+                  </a:txBody>
+                  <a:tcPr marL="68580" marR="68580" marT="0" marB="0" anchor="ctr"/>
+                </a:tc>
+              </a:tr>
+              <a:tr h="490221">
+                <a:tc>
+                  <a:txBody>
+                    <a:bodyPr/>
+                    <a:lstStyle/>
+                    <a:p>
+                      <a:pPr marL="0" marR="0" algn="just" rtl="0">
+                        <a:lnSpc>
+                          <a:spcPct val="115000"/>
+                        </a:lnSpc>
+                        <a:spcBef>
+                          <a:spcPts val="0"/>
+                        </a:spcBef>
+                        <a:spcAft>
+                          <a:spcPts val="0"/>
+                        </a:spcAft>
+                      </a:pPr>
+                      <a:endParaRPr lang="en-US" sz="1400" b="0" dirty="0">
+                        <a:solidFill>
+                          <a:schemeClr val="tx1"/>
+                        </a:solidFill>
+                        <a:effectLst/>
+                        <a:latin typeface="Tahoma" pitchFamily="34" charset="0"/>
+                        <a:ea typeface="Tahoma" pitchFamily="34" charset="0"/>
+                        <a:cs typeface="Tahoma" pitchFamily="34" charset="0"/>
                       </a:endParaRPr>
                     </a:p>
                   </a:txBody>
@@ -5908,19 +5333,7 @@
                     <a:bodyPr/>
                     <a:lstStyle/>
                     <a:p>
-                      <a:endParaRPr lang="en-US" dirty="0"/>
-                    </a:p>
-                  </a:txBody>
-                  <a:tcPr/>
-                </a:tc>
-              </a:tr>
-              <a:tr h="490221">
-                <a:tc>
-                  <a:txBody>
-                    <a:bodyPr/>
-                    <a:lstStyle/>
-                    <a:p>
-                      <a:pPr marL="0" marR="0" algn="just" rtl="1">
+                      <a:pPr marL="0" marR="0" algn="just" rtl="0">
                         <a:lnSpc>
                           <a:spcPct val="115000"/>
                         </a:lnSpc>
@@ -5932,204 +5345,53 @@
                         </a:spcAft>
                       </a:pPr>
                       <a:r>
-                        <a:rPr lang="fa-IR" sz="1400" b="1" dirty="0" smtClean="0">
+                        <a:rPr lang="en-US" sz="1400" b="1" dirty="0" smtClean="0">
                           <a:solidFill>
                             <a:srgbClr val="0070C0"/>
                           </a:solidFill>
                           <a:effectLst/>
-                          <a:latin typeface="Times New Roman"/>
-                          <a:ea typeface="Times New Roman"/>
-                          <a:cs typeface="B Nazanin"/>
+                          <a:latin typeface="Tahoma" pitchFamily="34" charset="0"/>
+                          <a:ea typeface="Tahoma" pitchFamily="34" charset="0"/>
+                          <a:cs typeface="Tahoma" pitchFamily="34" charset="0"/>
                         </a:rPr>
-                        <a:t>اتاق محافظت شده با </a:t>
+                        <a:t>Pin Protected</a:t>
                       </a:r>
                       <a:r>
-                        <a:rPr lang="ar-SA" sz="1400" b="1" dirty="0" smtClean="0">
+                        <a:rPr lang="en-US" sz="1400" b="1" baseline="0" dirty="0" smtClean="0">
                           <a:solidFill>
                             <a:srgbClr val="0070C0"/>
                           </a:solidFill>
                           <a:effectLst/>
-                          <a:latin typeface="Times New Roman"/>
-                          <a:ea typeface="Times New Roman"/>
-                          <a:cs typeface="B Nazanin"/>
+                          <a:latin typeface="Tahoma" pitchFamily="34" charset="0"/>
+                          <a:ea typeface="Tahoma" pitchFamily="34" charset="0"/>
+                          <a:cs typeface="Tahoma" pitchFamily="34" charset="0"/>
                         </a:rPr>
-                        <a:t>رم</a:t>
+                        <a:t> Room:</a:t>
                       </a:r>
                       <a:r>
-                        <a:rPr lang="fa-IR" sz="1400" b="1" dirty="0" smtClean="0">
+                        <a:rPr lang="en-US" sz="1400" b="0" baseline="0" dirty="0" smtClean="0">
                           <a:solidFill>
-                            <a:srgbClr val="0070C0"/>
+                            <a:schemeClr val="tx1"/>
                           </a:solidFill>
                           <a:effectLst/>
-                          <a:latin typeface="Times New Roman"/>
-                          <a:ea typeface="Times New Roman"/>
-                          <a:cs typeface="B Nazanin"/>
+                          <a:latin typeface="Tahoma" pitchFamily="34" charset="0"/>
+                          <a:ea typeface="Tahoma" pitchFamily="34" charset="0"/>
+                          <a:cs typeface="Tahoma" pitchFamily="34" charset="0"/>
                         </a:rPr>
-                        <a:t>ز عبور</a:t>
+                        <a:t> You need room pin code to enter it.</a:t>
                       </a:r>
-                      <a:r>
-                        <a:rPr lang="ar-SA" sz="1400" b="1" dirty="0" smtClean="0">
-                          <a:solidFill>
-                            <a:srgbClr val="000000"/>
-                          </a:solidFill>
-                          <a:effectLst/>
-                          <a:latin typeface="Times New Roman"/>
-                          <a:ea typeface="Times New Roman"/>
-                          <a:cs typeface="B Nazanin"/>
-                        </a:rPr>
-                        <a:t>:</a:t>
-                      </a:r>
-                      <a:r>
-                        <a:rPr lang="ar-SA" sz="1400" dirty="0" smtClean="0">
-                          <a:solidFill>
-                            <a:srgbClr val="000000"/>
-                          </a:solidFill>
-                          <a:effectLst/>
-                          <a:latin typeface="Times New Roman"/>
-                          <a:ea typeface="Times New Roman"/>
-                          <a:cs typeface="B Nazanin"/>
-                        </a:rPr>
-                        <a:t> </a:t>
-                      </a:r>
-                      <a:r>
-                        <a:rPr lang="fa-IR" sz="1400" dirty="0" smtClean="0">
-                          <a:solidFill>
-                            <a:srgbClr val="000000"/>
-                          </a:solidFill>
-                          <a:effectLst/>
-                          <a:latin typeface="Times New Roman"/>
-                          <a:ea typeface="Times New Roman"/>
-                          <a:cs typeface="B Nazanin"/>
-                        </a:rPr>
-                        <a:t>برای</a:t>
-                      </a:r>
-                      <a:r>
-                        <a:rPr lang="ar-SA" sz="1400" dirty="0" smtClean="0">
-                          <a:solidFill>
-                            <a:srgbClr val="000000"/>
-                          </a:solidFill>
-                          <a:effectLst/>
-                          <a:latin typeface="Times New Roman"/>
-                          <a:ea typeface="Times New Roman"/>
-                          <a:cs typeface="B Nazanin"/>
-                        </a:rPr>
-                        <a:t> </a:t>
-                      </a:r>
-                      <a:r>
-                        <a:rPr lang="fa-IR" sz="1400" dirty="0" smtClean="0">
-                          <a:solidFill>
-                            <a:srgbClr val="000000"/>
-                          </a:solidFill>
-                          <a:effectLst/>
-                          <a:latin typeface="Times New Roman"/>
-                          <a:ea typeface="Times New Roman"/>
-                          <a:cs typeface="B Nazanin"/>
-                        </a:rPr>
-                        <a:t>ورود به اتاق نیاز به دانستن</a:t>
-                      </a:r>
-                      <a:r>
-                        <a:rPr lang="ar-SA" sz="1400" dirty="0" smtClean="0">
-                          <a:solidFill>
-                            <a:srgbClr val="000000"/>
-                          </a:solidFill>
-                          <a:effectLst/>
-                          <a:latin typeface="Times New Roman"/>
-                          <a:ea typeface="Times New Roman"/>
-                          <a:cs typeface="B Nazanin"/>
-                        </a:rPr>
-                        <a:t> </a:t>
-                      </a:r>
-                      <a:r>
-                        <a:rPr lang="fa-IR" sz="1400" dirty="0" smtClean="0">
-                          <a:solidFill>
-                            <a:srgbClr val="000000"/>
-                          </a:solidFill>
-                          <a:effectLst/>
-                          <a:latin typeface="Times New Roman"/>
-                          <a:ea typeface="Times New Roman"/>
-                          <a:cs typeface="B Nazanin"/>
-                        </a:rPr>
-                        <a:t>رمز</a:t>
-                      </a:r>
-                      <a:r>
-                        <a:rPr lang="ar-SA" sz="1400" dirty="0" smtClean="0">
-                          <a:solidFill>
-                            <a:srgbClr val="000000"/>
-                          </a:solidFill>
-                          <a:effectLst/>
-                          <a:latin typeface="Times New Roman"/>
-                          <a:ea typeface="Times New Roman"/>
-                          <a:cs typeface="B Nazanin"/>
-                        </a:rPr>
-                        <a:t> </a:t>
-                      </a:r>
-                      <a:r>
-                        <a:rPr lang="fa-IR" sz="1400" dirty="0" smtClean="0">
-                          <a:solidFill>
-                            <a:srgbClr val="000000"/>
-                          </a:solidFill>
-                          <a:effectLst/>
-                          <a:latin typeface="Times New Roman"/>
-                          <a:ea typeface="Times New Roman"/>
-                          <a:cs typeface="B Nazanin"/>
-                        </a:rPr>
-                        <a:t>آن</a:t>
-                      </a:r>
-                      <a:r>
-                        <a:rPr lang="ar-SA" sz="1400" dirty="0" smtClean="0">
-                          <a:solidFill>
-                            <a:srgbClr val="000000"/>
-                          </a:solidFill>
-                          <a:effectLst/>
-                          <a:latin typeface="Times New Roman"/>
-                          <a:ea typeface="Times New Roman"/>
-                          <a:cs typeface="B Nazanin"/>
-                        </a:rPr>
-                        <a:t> </a:t>
-                      </a:r>
-                      <a:r>
-                        <a:rPr lang="fa-IR" sz="1400" dirty="0" smtClean="0">
-                          <a:solidFill>
-                            <a:srgbClr val="000000"/>
-                          </a:solidFill>
-                          <a:effectLst/>
-                          <a:latin typeface="Times New Roman"/>
-                          <a:ea typeface="Times New Roman"/>
-                          <a:cs typeface="B Nazanin"/>
-                        </a:rPr>
-                        <a:t>دار</a:t>
-                      </a:r>
-                      <a:r>
-                        <a:rPr lang="ar-SA" sz="1400" dirty="0" smtClean="0">
-                          <a:solidFill>
-                            <a:srgbClr val="000000"/>
-                          </a:solidFill>
-                          <a:effectLst/>
-                          <a:latin typeface="Times New Roman"/>
-                          <a:ea typeface="Times New Roman"/>
-                          <a:cs typeface="B Nazanin"/>
-                        </a:rPr>
-                        <a:t>يد.</a:t>
-                      </a:r>
-                      <a:endParaRPr lang="en-US" sz="1400" dirty="0">
+                      <a:endParaRPr lang="en-US" sz="1400" b="0" dirty="0">
+                        <a:solidFill>
+                          <a:schemeClr val="tx1"/>
+                        </a:solidFill>
                         <a:effectLst/>
-                        <a:latin typeface="Arial"/>
-                        <a:ea typeface="Times New Roman"/>
-                        <a:cs typeface="B Nazanin"/>
+                        <a:latin typeface="Tahoma" pitchFamily="34" charset="0"/>
+                        <a:ea typeface="Tahoma" pitchFamily="34" charset="0"/>
+                        <a:cs typeface="Tahoma" pitchFamily="34" charset="0"/>
                       </a:endParaRPr>
                     </a:p>
                   </a:txBody>
                   <a:tcPr marL="68580" marR="68580" marT="0" marB="0" anchor="ctr"/>
-                </a:tc>
-                <a:tc>
-                  <a:txBody>
-                    <a:bodyPr/>
-                    <a:lstStyle/>
-                    <a:p>
-                      <a:endParaRPr lang="en-US" dirty="0"/>
-                    </a:p>
-                  </a:txBody>
-                  <a:tcPr/>
                 </a:tc>
               </a:tr>
             </a:tbl>
@@ -6157,7 +5419,7 @@
         </p:blipFill>
         <p:spPr bwMode="auto">
           <a:xfrm>
-            <a:off x="7326312" y="1766570"/>
+            <a:off x="2019816" y="1793866"/>
             <a:ext cx="302260" cy="341630"/>
           </a:xfrm>
           <a:prstGeom prst="rect">
@@ -6190,7 +5452,7 @@
         </p:blipFill>
         <p:spPr bwMode="auto">
           <a:xfrm>
-            <a:off x="7335171" y="3697636"/>
+            <a:off x="2028675" y="3712192"/>
             <a:ext cx="325755" cy="381635"/>
           </a:xfrm>
           <a:prstGeom prst="rect">
@@ -6223,7 +5485,7 @@
         </p:blipFill>
         <p:spPr bwMode="auto">
           <a:xfrm>
-            <a:off x="7311072" y="3013705"/>
+            <a:off x="2004576" y="2971800"/>
             <a:ext cx="302260" cy="349885"/>
           </a:xfrm>
           <a:prstGeom prst="rect">
@@ -6256,7 +5518,7 @@
         </p:blipFill>
         <p:spPr bwMode="auto">
           <a:xfrm>
-            <a:off x="7310437" y="2223874"/>
+            <a:off x="2003941" y="2251170"/>
             <a:ext cx="318135" cy="374015"/>
           </a:xfrm>
           <a:prstGeom prst="rect">
@@ -6289,7 +5551,7 @@
         </p:blipFill>
         <p:spPr bwMode="auto">
           <a:xfrm>
-            <a:off x="7349926" y="4179125"/>
+            <a:off x="2043430" y="4183040"/>
             <a:ext cx="318770" cy="405765"/>
           </a:xfrm>
           <a:prstGeom prst="rect">
@@ -6340,7 +5602,7 @@
       </p:grpSpPr>
       <p:pic>
         <p:nvPicPr>
-          <p:cNvPr id="4" name="Picture 3"/>
+          <p:cNvPr id="3" name="Picture 2"/>
           <p:cNvPicPr>
             <a:picLocks noChangeAspect="1"/>
           </p:cNvPicPr>
@@ -6350,7 +5612,7 @@
           <a:blip r:embed="rId2">
             <a:extLst>
               <a:ext uri="{28A0092B-C50C-407E-A947-70E740481C1C}">
-                <a14:useLocalDpi xmlns:a14="http://schemas.microsoft.com/office/drawing/2010/main"/>
+                <a14:useLocalDpi xmlns:a14="http://schemas.microsoft.com/office/drawing/2010/main" val="0"/>
               </a:ext>
             </a:extLst>
           </a:blip>
@@ -6360,8 +5622,8 @@
         </p:blipFill>
         <p:spPr>
           <a:xfrm>
-            <a:off x="396726" y="1025934"/>
-            <a:ext cx="2966698" cy="5603466"/>
+            <a:off x="5676726" y="914400"/>
+            <a:ext cx="2887731" cy="5603466"/>
           </a:xfrm>
           <a:prstGeom prst="rect">
             <a:avLst/>
@@ -6391,24 +5653,19 @@
           <a:lstStyle/>
           <a:p>
             <a:r>
-              <a:rPr lang="fa-IR" sz="2800" dirty="0">
+              <a:rPr lang="en-US" sz="2800" b="1" dirty="0" smtClean="0">
                 <a:solidFill>
                   <a:srgbClr val="0070C0"/>
                 </a:solidFill>
-                <a:cs typeface="B Titr" pitchFamily="2" charset="-78"/>
-              </a:rPr>
-              <a:t>راهنمای </a:t>
-            </a:r>
-            <a:r>
-              <a:rPr lang="fa-IR" sz="2800" dirty="0" smtClean="0">
-                <a:solidFill>
-                  <a:srgbClr val="0070C0"/>
-                </a:solidFill>
-                <a:cs typeface="B Titr" pitchFamily="2" charset="-78"/>
-              </a:rPr>
-              <a:t>پنجره کشوئی دعوت از افراد به جلسه</a:t>
-            </a:r>
-            <a:endParaRPr lang="en-US" sz="2800" dirty="0"/>
+                <a:latin typeface="Times New Roman" pitchFamily="18" charset="0"/>
+                <a:cs typeface="Times New Roman" pitchFamily="18" charset="0"/>
+              </a:rPr>
+              <a:t>Invite People To Conference Slide window</a:t>
+            </a:r>
+            <a:endParaRPr lang="en-US" sz="2800" b="1" dirty="0">
+              <a:latin typeface="Times New Roman" pitchFamily="18" charset="0"/>
+              <a:cs typeface="Times New Roman" pitchFamily="18" charset="0"/>
+            </a:endParaRPr>
           </a:p>
         </p:txBody>
       </p:sp>
@@ -6420,7 +5677,7 @@
         </p:nvSpPr>
         <p:spPr>
           <a:xfrm>
-            <a:off x="60946" y="4736971"/>
+            <a:off x="5261979" y="4294496"/>
             <a:ext cx="312906" cy="369332"/>
           </a:xfrm>
           <a:prstGeom prst="rect">
@@ -6455,7 +5712,7 @@
         </p:nvCxnSpPr>
         <p:spPr>
           <a:xfrm>
-            <a:off x="373852" y="4921637"/>
+            <a:off x="5574885" y="4479162"/>
             <a:ext cx="720244" cy="0"/>
           </a:xfrm>
           <a:prstGeom prst="straightConnector1">
@@ -6488,8 +5745,8 @@
         </p:nvSpPr>
         <p:spPr>
           <a:xfrm>
-            <a:off x="4283987" y="1217996"/>
-            <a:ext cx="4505029" cy="2893100"/>
+            <a:off x="381000" y="1217996"/>
+            <a:ext cx="4505029" cy="3970318"/>
           </a:xfrm>
           <a:prstGeom prst="rect">
             <a:avLst/>
@@ -6501,118 +5758,234 @@
           </a:bodyPr>
           <a:lstStyle/>
           <a:p>
-            <a:pPr algn="just" rtl="1"/>
-            <a:r>
-              <a:rPr lang="fa-IR" sz="1400" dirty="0" smtClean="0">
-                <a:solidFill>
-                  <a:srgbClr val="FF0000"/>
-                </a:solidFill>
+            <a:pPr algn="just"/>
+            <a:r>
+              <a:rPr lang="en-US" sz="1400" dirty="0" smtClean="0">
+                <a:solidFill>
+                  <a:srgbClr val="FF0000"/>
+                </a:solidFill>
+                <a:latin typeface="Tahoma" pitchFamily="34" charset="0"/>
+                <a:ea typeface="Tahoma" pitchFamily="34" charset="0"/>
+                <a:cs typeface="Tahoma" pitchFamily="34" charset="0"/>
               </a:rPr>
               <a:t>1- </a:t>
             </a:r>
             <a:r>
-              <a:rPr lang="fa-IR" sz="1400" dirty="0" smtClean="0">
-                <a:cs typeface="B Nazanin" pitchFamily="2" charset="-78"/>
-              </a:rPr>
-              <a:t>برای دعوت از هر فرد آنلاین، روی سطرش کلیک کنید تا انتخاب شود. می‌توانید چند فرد آنلاین را با هم انتخاب کنید تا با یکبار کلیک روی دکمه دعوت به جلسه، پیام همزمان دعوت به همه شان ارسال شود.</a:t>
-            </a:r>
-          </a:p>
-          <a:p>
-            <a:pPr algn="just" rtl="1"/>
-            <a:r>
-              <a:rPr lang="fa-IR" sz="1400" dirty="0" smtClean="0">
-                <a:solidFill>
-                  <a:srgbClr val="FF0000"/>
-                </a:solidFill>
+              <a:rPr lang="en-US" sz="1400" dirty="0" smtClean="0">
+                <a:latin typeface="Tahoma" pitchFamily="34" charset="0"/>
+                <a:ea typeface="Tahoma" pitchFamily="34" charset="0"/>
+                <a:cs typeface="Tahoma" pitchFamily="34" charset="0"/>
+              </a:rPr>
+              <a:t>To invite each online person, click on their row. You could select all your </a:t>
+            </a:r>
+            <a:r>
+              <a:rPr lang="en-US" sz="1400" dirty="0">
+                <a:latin typeface="Tahoma" pitchFamily="34" charset="0"/>
+                <a:ea typeface="Tahoma" pitchFamily="34" charset="0"/>
+                <a:cs typeface="Tahoma" pitchFamily="34" charset="0"/>
+              </a:rPr>
+              <a:t>conference members </a:t>
+            </a:r>
+            <a:r>
+              <a:rPr lang="en-US" sz="1400" dirty="0" smtClean="0">
+                <a:latin typeface="Tahoma" pitchFamily="34" charset="0"/>
+                <a:ea typeface="Tahoma" pitchFamily="34" charset="0"/>
+                <a:cs typeface="Tahoma" pitchFamily="34" charset="0"/>
+              </a:rPr>
+              <a:t>and then click </a:t>
+            </a:r>
+            <a:r>
+              <a:rPr lang="en-US" sz="1400" dirty="0">
+                <a:latin typeface="Tahoma" pitchFamily="34" charset="0"/>
+                <a:ea typeface="Tahoma" pitchFamily="34" charset="0"/>
+                <a:cs typeface="Tahoma" pitchFamily="34" charset="0"/>
+              </a:rPr>
+              <a:t>on “Invite to conference” </a:t>
+            </a:r>
+            <a:r>
+              <a:rPr lang="en-US" sz="1400" dirty="0" smtClean="0">
+                <a:latin typeface="Tahoma" pitchFamily="34" charset="0"/>
+                <a:ea typeface="Tahoma" pitchFamily="34" charset="0"/>
+                <a:cs typeface="Tahoma" pitchFamily="34" charset="0"/>
+              </a:rPr>
+              <a:t>button one time to invite all of them</a:t>
+            </a:r>
+            <a:r>
+              <a:rPr lang="en-US" sz="1400" dirty="0" smtClean="0">
+                <a:latin typeface="Tahoma" pitchFamily="34" charset="0"/>
+                <a:ea typeface="Tahoma" pitchFamily="34" charset="0"/>
+                <a:cs typeface="Tahoma" pitchFamily="34" charset="0"/>
+              </a:rPr>
+              <a:t>.</a:t>
+            </a:r>
+          </a:p>
+          <a:p>
+            <a:pPr algn="just"/>
+            <a:endParaRPr lang="en-US" sz="1400" dirty="0" smtClean="0">
+              <a:solidFill>
+                <a:srgbClr val="FF0000"/>
+              </a:solidFill>
+              <a:latin typeface="Tahoma" pitchFamily="34" charset="0"/>
+              <a:ea typeface="Tahoma" pitchFamily="34" charset="0"/>
+              <a:cs typeface="Tahoma" pitchFamily="34" charset="0"/>
+            </a:endParaRPr>
+          </a:p>
+          <a:p>
+            <a:pPr algn="just"/>
+            <a:r>
+              <a:rPr lang="en-US" sz="1400" dirty="0" smtClean="0">
+                <a:solidFill>
+                  <a:srgbClr val="FF0000"/>
+                </a:solidFill>
+                <a:latin typeface="Tahoma" pitchFamily="34" charset="0"/>
+                <a:ea typeface="Tahoma" pitchFamily="34" charset="0"/>
+                <a:cs typeface="Tahoma" pitchFamily="34" charset="0"/>
               </a:rPr>
               <a:t>2- </a:t>
             </a:r>
             <a:r>
-              <a:rPr lang="fa-IR" sz="1400" dirty="0" smtClean="0">
-                <a:cs typeface="B Nazanin" pitchFamily="2" charset="-78"/>
-              </a:rPr>
-              <a:t>پس از انتخاب اعضای جلسه، برای ارسال پیام دعوت برای ایشان روی این دکمه کلیک کنید تا آنها بلافاصله پنجره دعوت‌تان را مشاهده کنند و با پذیرفتن دعوت وارد اتاق شما بشوند.</a:t>
-            </a:r>
-          </a:p>
-          <a:p>
-            <a:pPr algn="just" rtl="1"/>
-            <a:r>
-              <a:rPr lang="fa-IR" sz="1400" dirty="0" smtClean="0">
-                <a:solidFill>
-                  <a:srgbClr val="FF0000"/>
-                </a:solidFill>
+              <a:rPr lang="en-US" sz="1400" dirty="0" smtClean="0">
+                <a:latin typeface="Tahoma" pitchFamily="34" charset="0"/>
+                <a:ea typeface="Tahoma" pitchFamily="34" charset="0"/>
+                <a:cs typeface="Tahoma" pitchFamily="34" charset="0"/>
+              </a:rPr>
+              <a:t>After selecting your conference members, click on this button to invite them. An invitation window will appears on their screen and they can join your conference by accepting your request.</a:t>
+            </a:r>
+          </a:p>
+          <a:p>
+            <a:pPr algn="just"/>
+            <a:endParaRPr lang="en-US" sz="1400" dirty="0" smtClean="0">
+              <a:solidFill>
+                <a:srgbClr val="FF0000"/>
+              </a:solidFill>
+              <a:latin typeface="Tahoma" pitchFamily="34" charset="0"/>
+              <a:ea typeface="Tahoma" pitchFamily="34" charset="0"/>
+              <a:cs typeface="Tahoma" pitchFamily="34" charset="0"/>
+            </a:endParaRPr>
+          </a:p>
+          <a:p>
+            <a:pPr algn="just"/>
+            <a:r>
+              <a:rPr lang="en-US" sz="1400" dirty="0" smtClean="0">
+                <a:solidFill>
+                  <a:srgbClr val="FF0000"/>
+                </a:solidFill>
+                <a:latin typeface="Tahoma" pitchFamily="34" charset="0"/>
+                <a:ea typeface="Tahoma" pitchFamily="34" charset="0"/>
+                <a:cs typeface="Tahoma" pitchFamily="34" charset="0"/>
               </a:rPr>
               <a:t>3- </a:t>
             </a:r>
             <a:r>
-              <a:rPr lang="fa-IR" sz="1400" dirty="0">
-                <a:cs typeface="B Nazanin" pitchFamily="2" charset="-78"/>
-              </a:rPr>
-              <a:t>پ</a:t>
-            </a:r>
-            <a:r>
-              <a:rPr lang="fa-IR" sz="1400" dirty="0" smtClean="0">
-                <a:cs typeface="B Nazanin" pitchFamily="2" charset="-78"/>
-              </a:rPr>
-              <a:t>س از ارسال دعوت به افراد یا انصراف از دعوت ایشان، با کلیک روی این دکمه، به پنجره کنفرانس برگردید تا لیست حاضرین وارد شده به جلسه را ببینید.</a:t>
-            </a:r>
-            <a:endParaRPr lang="en-US" sz="1400" dirty="0" smtClean="0">
-              <a:cs typeface="B Nazanin" pitchFamily="2" charset="-78"/>
+              <a:rPr lang="en-US" sz="1400" dirty="0">
+                <a:latin typeface="Tahoma" pitchFamily="34" charset="0"/>
+                <a:ea typeface="Tahoma" pitchFamily="34" charset="0"/>
+                <a:cs typeface="Tahoma" pitchFamily="34" charset="0"/>
+              </a:rPr>
+              <a:t>After </a:t>
+            </a:r>
+            <a:r>
+              <a:rPr lang="en-US" sz="1400" dirty="0" smtClean="0">
+                <a:latin typeface="Tahoma" pitchFamily="34" charset="0"/>
+                <a:ea typeface="Tahoma" pitchFamily="34" charset="0"/>
+                <a:cs typeface="Tahoma" pitchFamily="34" charset="0"/>
+              </a:rPr>
+              <a:t>inviting people, click on this button to return to your conference window and see your conference participants.</a:t>
+            </a:r>
+          </a:p>
+          <a:p>
+            <a:pPr algn="just"/>
+            <a:endParaRPr lang="en-US" sz="1400" dirty="0">
+              <a:latin typeface="Tahoma" pitchFamily="34" charset="0"/>
+              <a:ea typeface="Tahoma" pitchFamily="34" charset="0"/>
+              <a:cs typeface="Tahoma" pitchFamily="34" charset="0"/>
             </a:endParaRPr>
           </a:p>
           <a:p>
-            <a:pPr algn="just" rtl="1"/>
-            <a:endParaRPr lang="en-US" sz="1400" dirty="0">
-              <a:cs typeface="B Nazanin" pitchFamily="2" charset="-78"/>
+            <a:pPr algn="ctr"/>
+            <a:r>
+              <a:rPr lang="en-US" sz="1400" b="1" dirty="0" smtClean="0">
+                <a:solidFill>
+                  <a:srgbClr val="7030A0"/>
+                </a:solidFill>
+                <a:latin typeface="Tahoma" pitchFamily="34" charset="0"/>
+                <a:ea typeface="Tahoma" pitchFamily="34" charset="0"/>
+                <a:cs typeface="Tahoma" pitchFamily="34" charset="0"/>
+              </a:rPr>
+              <a:t>You can also invite legacies to your conference,</a:t>
+            </a:r>
+          </a:p>
+          <a:p>
+            <a:pPr algn="ctr"/>
+            <a:r>
+              <a:rPr lang="en-US" sz="1400" b="1" dirty="0" smtClean="0">
+                <a:solidFill>
+                  <a:srgbClr val="7030A0"/>
+                </a:solidFill>
+                <a:latin typeface="Tahoma" pitchFamily="34" charset="0"/>
+                <a:ea typeface="Tahoma" pitchFamily="34" charset="0"/>
+                <a:cs typeface="Tahoma" pitchFamily="34" charset="0"/>
+              </a:rPr>
+              <a:t>but since they are not searchable, you should</a:t>
+            </a:r>
+          </a:p>
+          <a:p>
+            <a:pPr algn="ctr"/>
+            <a:r>
+              <a:rPr lang="en-US" sz="1400" b="1" dirty="0" smtClean="0">
+                <a:solidFill>
+                  <a:srgbClr val="7030A0"/>
+                </a:solidFill>
+                <a:latin typeface="Tahoma" pitchFamily="34" charset="0"/>
+                <a:ea typeface="Tahoma" pitchFamily="34" charset="0"/>
+                <a:cs typeface="Tahoma" pitchFamily="34" charset="0"/>
+              </a:rPr>
+              <a:t>type their code </a:t>
+            </a:r>
+            <a:r>
+              <a:rPr lang="en-US" sz="1400" b="1" dirty="0">
+                <a:solidFill>
+                  <a:srgbClr val="7030A0"/>
+                </a:solidFill>
+                <a:latin typeface="Tahoma" pitchFamily="34" charset="0"/>
+                <a:ea typeface="Tahoma" pitchFamily="34" charset="0"/>
+                <a:cs typeface="Tahoma" pitchFamily="34" charset="0"/>
+              </a:rPr>
+              <a:t>in search bar </a:t>
+            </a:r>
+            <a:r>
+              <a:rPr lang="en-US" sz="1400" b="1" dirty="0" smtClean="0">
+                <a:solidFill>
+                  <a:srgbClr val="7030A0"/>
+                </a:solidFill>
+                <a:latin typeface="Tahoma" pitchFamily="34" charset="0"/>
+                <a:ea typeface="Tahoma" pitchFamily="34" charset="0"/>
+                <a:cs typeface="Tahoma" pitchFamily="34" charset="0"/>
+              </a:rPr>
+              <a:t>and then click</a:t>
+            </a:r>
+          </a:p>
+          <a:p>
+            <a:pPr algn="ctr"/>
+            <a:r>
+              <a:rPr lang="en-US" sz="1400" b="1" dirty="0" smtClean="0">
+                <a:solidFill>
+                  <a:srgbClr val="7030A0"/>
+                </a:solidFill>
+                <a:latin typeface="Tahoma" pitchFamily="34" charset="0"/>
+                <a:ea typeface="Tahoma" pitchFamily="34" charset="0"/>
+                <a:cs typeface="Tahoma" pitchFamily="34" charset="0"/>
+              </a:rPr>
+              <a:t>on “Invite to Conference” Button.</a:t>
+            </a:r>
+            <a:endParaRPr lang="en-US" sz="1400" b="1" dirty="0">
+              <a:solidFill>
+                <a:srgbClr val="7030A0"/>
+              </a:solidFill>
+              <a:latin typeface="Tahoma" pitchFamily="34" charset="0"/>
+              <a:ea typeface="Tahoma" pitchFamily="34" charset="0"/>
+              <a:cs typeface="Tahoma" pitchFamily="34" charset="0"/>
             </a:endParaRPr>
-          </a:p>
-          <a:p>
-            <a:pPr algn="just" rtl="1"/>
-            <a:endParaRPr lang="en-US" sz="1400" dirty="0" smtClean="0">
-              <a:cs typeface="B Nazanin" pitchFamily="2" charset="-78"/>
-            </a:endParaRPr>
-          </a:p>
-          <a:p>
-            <a:pPr algn="ctr" rtl="1"/>
-            <a:r>
-              <a:rPr lang="fa-IR" sz="1400" b="1" dirty="0" smtClean="0">
-                <a:solidFill>
-                  <a:srgbClr val="7030A0"/>
-                </a:solidFill>
-                <a:cs typeface="B Nazanin" pitchFamily="2" charset="-78"/>
-              </a:rPr>
-              <a:t>از آنجا که دستگاه‌های قدیمی قابل جستجو</a:t>
-            </a:r>
-            <a:r>
-              <a:rPr lang="en-US" sz="1400" b="1" dirty="0" smtClean="0">
-                <a:solidFill>
-                  <a:srgbClr val="7030A0"/>
-                </a:solidFill>
-                <a:cs typeface="B Nazanin" pitchFamily="2" charset="-78"/>
-              </a:rPr>
-              <a:t> </a:t>
-            </a:r>
-            <a:r>
-              <a:rPr lang="fa-IR" sz="1400" b="1" dirty="0" smtClean="0">
-                <a:solidFill>
-                  <a:srgbClr val="7030A0"/>
-                </a:solidFill>
-                <a:cs typeface="B Nazanin" pitchFamily="2" charset="-78"/>
-              </a:rPr>
-              <a:t> و نمایش نیستند، جهت دعوت از آنها برای حضور در جلسه‌تان، شماره آنها را در بخش</a:t>
-            </a:r>
-          </a:p>
-          <a:p>
-            <a:pPr algn="ctr" rtl="1"/>
-            <a:r>
-              <a:rPr lang="fa-IR" sz="1400" b="1" dirty="0" smtClean="0">
-                <a:solidFill>
-                  <a:srgbClr val="7030A0"/>
-                </a:solidFill>
-                <a:cs typeface="B Nazanin" pitchFamily="2" charset="-78"/>
-              </a:rPr>
-              <a:t>جستجو وارد کنید و سپس دکمه دعوت به جلسه را بزنید.</a:t>
-            </a:r>
           </a:p>
         </p:txBody>
       </p:sp>
@@ -6624,7 +5997,7 @@
         </p:nvSpPr>
         <p:spPr>
           <a:xfrm>
-            <a:off x="3441016" y="5670181"/>
+            <a:off x="8642049" y="5558647"/>
             <a:ext cx="338860" cy="369332"/>
           </a:xfrm>
           <a:prstGeom prst="rect">
@@ -6664,7 +6037,7 @@
         </p:nvCxnSpPr>
         <p:spPr>
           <a:xfrm flipH="1">
-            <a:off x="2748367" y="5854847"/>
+            <a:off x="7949400" y="5743313"/>
             <a:ext cx="692649" cy="0"/>
           </a:xfrm>
           <a:prstGeom prst="straightConnector1">
@@ -6697,7 +6070,7 @@
         </p:nvSpPr>
         <p:spPr>
           <a:xfrm>
-            <a:off x="56767" y="5134175"/>
+            <a:off x="5257800" y="5022641"/>
             <a:ext cx="338860" cy="369332"/>
           </a:xfrm>
           <a:prstGeom prst="rect">
@@ -6737,7 +6110,7 @@
         </p:nvCxnSpPr>
         <p:spPr>
           <a:xfrm>
-            <a:off x="395627" y="5318841"/>
+            <a:off x="5596660" y="5207307"/>
             <a:ext cx="927069" cy="446543"/>
           </a:xfrm>
           <a:prstGeom prst="straightConnector1">
@@ -6762,388 +6135,6 @@
           </a:fontRef>
         </p:style>
       </p:cxnSp>
-      <p:sp>
-        <p:nvSpPr>
-          <p:cNvPr id="30" name="Right Brace 29"/>
-          <p:cNvSpPr/>
-          <p:nvPr/>
-        </p:nvSpPr>
-        <p:spPr>
-          <a:xfrm>
-            <a:off x="3319569" y="1110225"/>
-            <a:ext cx="152400" cy="1178809"/>
-          </a:xfrm>
-          <a:prstGeom prst="rightBrace">
-            <a:avLst/>
-          </a:prstGeom>
-        </p:spPr>
-        <p:style>
-          <a:lnRef idx="1">
-            <a:schemeClr val="accent1"/>
-          </a:lnRef>
-          <a:fillRef idx="0">
-            <a:schemeClr val="accent1"/>
-          </a:fillRef>
-          <a:effectRef idx="0">
-            <a:schemeClr val="accent1"/>
-          </a:effectRef>
-          <a:fontRef idx="minor">
-            <a:schemeClr val="tx1"/>
-          </a:fontRef>
-        </p:style>
-        <p:txBody>
-          <a:bodyPr rtlCol="0" anchor="ctr"/>
-          <a:lstStyle/>
-          <a:p>
-            <a:pPr algn="ctr"/>
-            <a:endParaRPr lang="en-US"/>
-          </a:p>
-        </p:txBody>
-      </p:sp>
-      <p:sp>
-        <p:nvSpPr>
-          <p:cNvPr id="31" name="Right Brace 30"/>
-          <p:cNvSpPr/>
-          <p:nvPr/>
-        </p:nvSpPr>
-        <p:spPr>
-          <a:xfrm>
-            <a:off x="3301921" y="6056300"/>
-            <a:ext cx="134222" cy="445363"/>
-          </a:xfrm>
-          <a:prstGeom prst="rightBrace">
-            <a:avLst/>
-          </a:prstGeom>
-        </p:spPr>
-        <p:style>
-          <a:lnRef idx="1">
-            <a:schemeClr val="accent1"/>
-          </a:lnRef>
-          <a:fillRef idx="0">
-            <a:schemeClr val="accent1"/>
-          </a:fillRef>
-          <a:effectRef idx="0">
-            <a:schemeClr val="accent1"/>
-          </a:effectRef>
-          <a:fontRef idx="minor">
-            <a:schemeClr val="tx1"/>
-          </a:fontRef>
-        </p:style>
-        <p:txBody>
-          <a:bodyPr rtlCol="0" anchor="ctr"/>
-          <a:lstStyle/>
-          <a:p>
-            <a:pPr algn="ctr"/>
-            <a:endParaRPr lang="en-US"/>
-          </a:p>
-        </p:txBody>
-      </p:sp>
-      <p:sp>
-        <p:nvSpPr>
-          <p:cNvPr id="32" name="Right Brace 31"/>
-          <p:cNvSpPr/>
-          <p:nvPr/>
-        </p:nvSpPr>
-        <p:spPr>
-          <a:xfrm>
-            <a:off x="3296971" y="2462037"/>
-            <a:ext cx="134222" cy="375063"/>
-          </a:xfrm>
-          <a:prstGeom prst="rightBrace">
-            <a:avLst/>
-          </a:prstGeom>
-        </p:spPr>
-        <p:style>
-          <a:lnRef idx="1">
-            <a:schemeClr val="accent1"/>
-          </a:lnRef>
-          <a:fillRef idx="0">
-            <a:schemeClr val="accent1"/>
-          </a:fillRef>
-          <a:effectRef idx="0">
-            <a:schemeClr val="accent1"/>
-          </a:effectRef>
-          <a:fontRef idx="minor">
-            <a:schemeClr val="tx1"/>
-          </a:fontRef>
-        </p:style>
-        <p:txBody>
-          <a:bodyPr rtlCol="0" anchor="ctr"/>
-          <a:lstStyle/>
-          <a:p>
-            <a:pPr algn="ctr"/>
-            <a:endParaRPr lang="en-US"/>
-          </a:p>
-        </p:txBody>
-      </p:sp>
-      <p:sp>
-        <p:nvSpPr>
-          <p:cNvPr id="50" name="Right Brace 49"/>
-          <p:cNvSpPr/>
-          <p:nvPr/>
-        </p:nvSpPr>
-        <p:spPr>
-          <a:xfrm>
-            <a:off x="3275196" y="2861875"/>
-            <a:ext cx="179947" cy="2808306"/>
-          </a:xfrm>
-          <a:prstGeom prst="rightBrace">
-            <a:avLst/>
-          </a:prstGeom>
-        </p:spPr>
-        <p:style>
-          <a:lnRef idx="1">
-            <a:schemeClr val="accent1"/>
-          </a:lnRef>
-          <a:fillRef idx="0">
-            <a:schemeClr val="accent1"/>
-          </a:fillRef>
-          <a:effectRef idx="0">
-            <a:schemeClr val="accent1"/>
-          </a:effectRef>
-          <a:fontRef idx="minor">
-            <a:schemeClr val="tx1"/>
-          </a:fontRef>
-        </p:style>
-        <p:txBody>
-          <a:bodyPr rtlCol="0" anchor="ctr"/>
-          <a:lstStyle/>
-          <a:p>
-            <a:pPr algn="ctr"/>
-            <a:endParaRPr lang="en-US"/>
-          </a:p>
-        </p:txBody>
-      </p:sp>
-      <p:pic>
-        <p:nvPicPr>
-          <p:cNvPr id="52" name="Picture 2" descr="\\172.16.4.177\temp\Shooka\Hashemian\Guide Numbering-01-01-01-01.png"/>
-          <p:cNvPicPr>
-            <a:picLocks noChangeAspect="1" noChangeArrowheads="1"/>
-          </p:cNvPicPr>
-          <p:nvPr/>
-        </p:nvPicPr>
-        <p:blipFill>
-          <a:blip r:embed="rId3">
-            <a:extLst>
-              <a:ext uri="{28A0092B-C50C-407E-A947-70E740481C1C}">
-                <a14:useLocalDpi xmlns:a14="http://schemas.microsoft.com/office/drawing/2010/main"/>
-              </a:ext>
-            </a:extLst>
-          </a:blip>
-          <a:srcRect/>
-          <a:stretch>
-            <a:fillRect/>
-          </a:stretch>
-        </p:blipFill>
-        <p:spPr bwMode="auto">
-          <a:xfrm>
-            <a:off x="3488296" y="1572413"/>
-            <a:ext cx="254000" cy="254000"/>
-          </a:xfrm>
-          <a:prstGeom prst="rect">
-            <a:avLst/>
-          </a:prstGeom>
-          <a:noFill/>
-          <a:extLst>
-            <a:ext uri="{909E8E84-426E-40DD-AFC4-6F175D3DCCD1}">
-              <a14:hiddenFill xmlns:a14="http://schemas.microsoft.com/office/drawing/2010/main">
-                <a:solidFill>
-                  <a:srgbClr val="FFFFFF"/>
-                </a:solidFill>
-              </a14:hiddenFill>
-            </a:ext>
-          </a:extLst>
-        </p:spPr>
-      </p:pic>
-      <p:pic>
-        <p:nvPicPr>
-          <p:cNvPr id="53" name="Picture 2" descr="\\172.16.4.177\temp\Shooka\Hashemian\Guide Numbering-01-01-01-01.png"/>
-          <p:cNvPicPr>
-            <a:picLocks noChangeAspect="1" noChangeArrowheads="1"/>
-          </p:cNvPicPr>
-          <p:nvPr/>
-        </p:nvPicPr>
-        <p:blipFill>
-          <a:blip r:embed="rId3">
-            <a:extLst>
-              <a:ext uri="{28A0092B-C50C-407E-A947-70E740481C1C}">
-                <a14:useLocalDpi xmlns:a14="http://schemas.microsoft.com/office/drawing/2010/main"/>
-              </a:ext>
-            </a:extLst>
-          </a:blip>
-          <a:srcRect/>
-          <a:stretch>
-            <a:fillRect/>
-          </a:stretch>
-        </p:blipFill>
-        <p:spPr bwMode="auto">
-          <a:xfrm>
-            <a:off x="3449371" y="2525738"/>
-            <a:ext cx="254000" cy="254000"/>
-          </a:xfrm>
-          <a:prstGeom prst="rect">
-            <a:avLst/>
-          </a:prstGeom>
-          <a:noFill/>
-          <a:extLst>
-            <a:ext uri="{909E8E84-426E-40DD-AFC4-6F175D3DCCD1}">
-              <a14:hiddenFill xmlns:a14="http://schemas.microsoft.com/office/drawing/2010/main">
-                <a:solidFill>
-                  <a:srgbClr val="FFFFFF"/>
-                </a:solidFill>
-              </a14:hiddenFill>
-            </a:ext>
-          </a:extLst>
-        </p:spPr>
-      </p:pic>
-      <p:pic>
-        <p:nvPicPr>
-          <p:cNvPr id="54" name="Picture 2" descr="\\172.16.4.177\temp\Shooka\Hashemian\Guide Numbering-01-01-01-01.png"/>
-          <p:cNvPicPr>
-            <a:picLocks noChangeAspect="1" noChangeArrowheads="1"/>
-          </p:cNvPicPr>
-          <p:nvPr/>
-        </p:nvPicPr>
-        <p:blipFill>
-          <a:blip r:embed="rId3">
-            <a:extLst>
-              <a:ext uri="{28A0092B-C50C-407E-A947-70E740481C1C}">
-                <a14:useLocalDpi xmlns:a14="http://schemas.microsoft.com/office/drawing/2010/main"/>
-              </a:ext>
-            </a:extLst>
-          </a:blip>
-          <a:srcRect/>
-          <a:stretch>
-            <a:fillRect/>
-          </a:stretch>
-        </p:blipFill>
-        <p:spPr bwMode="auto">
-          <a:xfrm>
-            <a:off x="3456296" y="4125938"/>
-            <a:ext cx="254000" cy="254000"/>
-          </a:xfrm>
-          <a:prstGeom prst="rect">
-            <a:avLst/>
-          </a:prstGeom>
-          <a:noFill/>
-          <a:extLst>
-            <a:ext uri="{909E8E84-426E-40DD-AFC4-6F175D3DCCD1}">
-              <a14:hiddenFill xmlns:a14="http://schemas.microsoft.com/office/drawing/2010/main">
-                <a:solidFill>
-                  <a:srgbClr val="FFFFFF"/>
-                </a:solidFill>
-              </a14:hiddenFill>
-            </a:ext>
-          </a:extLst>
-        </p:spPr>
-      </p:pic>
-      <p:pic>
-        <p:nvPicPr>
-          <p:cNvPr id="55" name="Picture 2" descr="\\172.16.4.177\temp\Shooka\Hashemian\Guide Numbering-01-01-01-01.png"/>
-          <p:cNvPicPr>
-            <a:picLocks noChangeAspect="1" noChangeArrowheads="1"/>
-          </p:cNvPicPr>
-          <p:nvPr/>
-        </p:nvPicPr>
-        <p:blipFill>
-          <a:blip r:embed="rId3">
-            <a:extLst>
-              <a:ext uri="{28A0092B-C50C-407E-A947-70E740481C1C}">
-                <a14:useLocalDpi xmlns:a14="http://schemas.microsoft.com/office/drawing/2010/main"/>
-              </a:ext>
-            </a:extLst>
-          </a:blip>
-          <a:srcRect/>
-          <a:stretch>
-            <a:fillRect/>
-          </a:stretch>
-        </p:blipFill>
-        <p:spPr bwMode="auto">
-          <a:xfrm>
-            <a:off x="3444421" y="6159588"/>
-            <a:ext cx="254000" cy="254000"/>
-          </a:xfrm>
-          <a:prstGeom prst="rect">
-            <a:avLst/>
-          </a:prstGeom>
-          <a:noFill/>
-          <a:extLst>
-            <a:ext uri="{909E8E84-426E-40DD-AFC4-6F175D3DCCD1}">
-              <a14:hiddenFill xmlns:a14="http://schemas.microsoft.com/office/drawing/2010/main">
-                <a:solidFill>
-                  <a:srgbClr val="FFFFFF"/>
-                </a:solidFill>
-              </a14:hiddenFill>
-            </a:ext>
-          </a:extLst>
-        </p:spPr>
-      </p:pic>
-      <p:sp>
-        <p:nvSpPr>
-          <p:cNvPr id="21" name="Rectangle 20"/>
-          <p:cNvSpPr/>
-          <p:nvPr/>
-        </p:nvSpPr>
-        <p:spPr>
-          <a:xfrm>
-            <a:off x="3596951" y="6338448"/>
-            <a:ext cx="5225424" cy="307777"/>
-          </a:xfrm>
-          <a:prstGeom prst="rect">
-            <a:avLst/>
-          </a:prstGeom>
-        </p:spPr>
-        <p:txBody>
-          <a:bodyPr wrap="square">
-            <a:spAutoFit/>
-          </a:bodyPr>
-          <a:lstStyle/>
-          <a:p>
-            <a:pPr algn="just" rtl="1"/>
-            <a:r>
-              <a:rPr lang="fa-IR" sz="1400" dirty="0" smtClean="0">
-                <a:solidFill>
-                  <a:schemeClr val="accent3">
-                    <a:lumMod val="50000"/>
-                  </a:schemeClr>
-                </a:solidFill>
-                <a:cs typeface="B Nazanin" pitchFamily="2" charset="-78"/>
-              </a:rPr>
-              <a:t>جهت مشاهده راهنمای بخشهایی که جلوی علامت        هستند، روی علامت کلیک کنید.</a:t>
-            </a:r>
-          </a:p>
-        </p:txBody>
-      </p:sp>
-      <p:pic>
-        <p:nvPicPr>
-          <p:cNvPr id="22" name="Picture 21"/>
-          <p:cNvPicPr>
-            <a:picLocks noChangeAspect="1"/>
-          </p:cNvPicPr>
-          <p:nvPr/>
-        </p:nvPicPr>
-        <p:blipFill>
-          <a:blip r:embed="rId3">
-            <a:extLst>
-              <a:ext uri="{28A0092B-C50C-407E-A947-70E740481C1C}">
-                <a14:useLocalDpi xmlns:a14="http://schemas.microsoft.com/office/drawing/2010/main"/>
-              </a:ext>
-            </a:extLst>
-          </a:blip>
-          <a:stretch>
-            <a:fillRect/>
-          </a:stretch>
-        </p:blipFill>
-        <p:spPr>
-          <a:xfrm>
-            <a:off x="5743695" y="6377227"/>
-            <a:ext cx="253968" cy="253968"/>
-          </a:xfrm>
-          <a:prstGeom prst="rect">
-            <a:avLst/>
-          </a:prstGeom>
-        </p:spPr>
-      </p:pic>
     </p:spTree>
     <p:extLst>
       <p:ext uri="{BB962C8B-B14F-4D97-AF65-F5344CB8AC3E}">
@@ -7183,7 +6174,7 @@
       </p:grpSpPr>
       <p:pic>
         <p:nvPicPr>
-          <p:cNvPr id="3" name="Picture 2"/>
+          <p:cNvPr id="4" name="Picture 3"/>
           <p:cNvPicPr>
             <a:picLocks noChangeAspect="1"/>
           </p:cNvPicPr>
@@ -7203,8 +6194,8 @@
         </p:blipFill>
         <p:spPr>
           <a:xfrm>
-            <a:off x="3519785" y="1105096"/>
-            <a:ext cx="4910526" cy="5348514"/>
+            <a:off x="3626266" y="1194437"/>
+            <a:ext cx="4767641" cy="5169832"/>
           </a:xfrm>
           <a:prstGeom prst="rect">
             <a:avLst/>
@@ -7234,24 +6225,19 @@
           <a:lstStyle/>
           <a:p>
             <a:r>
-              <a:rPr lang="fa-IR" sz="2800" dirty="0">
+              <a:rPr lang="en-US" sz="2800" b="1" dirty="0" smtClean="0">
                 <a:solidFill>
                   <a:srgbClr val="0070C0"/>
                 </a:solidFill>
-                <a:cs typeface="B Titr" pitchFamily="2" charset="-78"/>
-              </a:rPr>
-              <a:t>راهنمای پنجره </a:t>
-            </a:r>
-            <a:r>
-              <a:rPr lang="fa-IR" sz="2800" dirty="0" smtClean="0">
-                <a:solidFill>
-                  <a:srgbClr val="0070C0"/>
-                </a:solidFill>
-                <a:cs typeface="B Titr" pitchFamily="2" charset="-78"/>
-              </a:rPr>
-              <a:t>کنترل افراد حاضر در جلسه</a:t>
-            </a:r>
-            <a:endParaRPr lang="en-US" sz="2800" dirty="0"/>
+                <a:latin typeface="Times New Roman" pitchFamily="18" charset="0"/>
+                <a:cs typeface="Times New Roman" pitchFamily="18" charset="0"/>
+              </a:rPr>
+              <a:t>Conference Participants Control Window</a:t>
+            </a:r>
+            <a:endParaRPr lang="en-US" sz="2800" b="1" dirty="0">
+              <a:latin typeface="Times New Roman" pitchFamily="18" charset="0"/>
+              <a:cs typeface="Times New Roman" pitchFamily="18" charset="0"/>
+            </a:endParaRPr>
           </a:p>
         </p:txBody>
       </p:sp>
@@ -7429,7 +6415,7 @@
                   <a:srgbClr val="FF0000"/>
                 </a:solidFill>
               </a:rPr>
-              <a:t>4</a:t>
+              <a:t>3</a:t>
             </a:r>
             <a:endParaRPr lang="en-US" dirty="0">
               <a:solidFill>
@@ -7482,8 +6468,8 @@
         </p:nvSpPr>
         <p:spPr>
           <a:xfrm>
-            <a:off x="1447800" y="1447800"/>
-            <a:ext cx="4114800" cy="1600438"/>
+            <a:off x="381000" y="1066800"/>
+            <a:ext cx="5257800" cy="1600438"/>
           </a:xfrm>
           <a:prstGeom prst="rect">
             <a:avLst/>
@@ -7495,110 +6481,166 @@
           </a:bodyPr>
           <a:lstStyle/>
           <a:p>
-            <a:pPr algn="just" rtl="1"/>
-            <a:r>
-              <a:rPr lang="fa-IR" sz="1400" dirty="0" smtClean="0">
-                <a:solidFill>
-                  <a:srgbClr val="FF0000"/>
-                </a:solidFill>
+            <a:pPr algn="just"/>
+            <a:r>
+              <a:rPr lang="en-US" sz="1400" dirty="0" smtClean="0">
+                <a:solidFill>
+                  <a:srgbClr val="FF0000"/>
+                </a:solidFill>
+                <a:latin typeface="Tahoma" pitchFamily="34" charset="0"/>
+                <a:ea typeface="Tahoma" pitchFamily="34" charset="0"/>
+                <a:cs typeface="Tahoma" pitchFamily="34" charset="0"/>
               </a:rPr>
               <a:t>1- </a:t>
             </a:r>
             <a:r>
-              <a:rPr lang="fa-IR" sz="1400" dirty="0">
-                <a:cs typeface="B Nazanin" pitchFamily="2" charset="-78"/>
-              </a:rPr>
-              <a:t>با کلیک روی این دکمه، صدای فرد در جلسه شنیده نخواهد شد.</a:t>
-            </a:r>
-          </a:p>
-          <a:p>
-            <a:pPr algn="just" rtl="1"/>
-            <a:r>
-              <a:rPr lang="fa-IR" sz="1400" dirty="0" smtClean="0">
-                <a:solidFill>
-                  <a:srgbClr val="FF0000"/>
-                </a:solidFill>
+              <a:rPr lang="en-US" sz="1400" dirty="0" smtClean="0">
+                <a:latin typeface="Tahoma" pitchFamily="34" charset="0"/>
+                <a:ea typeface="Tahoma" pitchFamily="34" charset="0"/>
+                <a:cs typeface="Tahoma" pitchFamily="34" charset="0"/>
+              </a:rPr>
+              <a:t>Click on this button to mute participant</a:t>
+            </a:r>
+            <a:r>
+              <a:rPr lang="en-US" sz="1400" dirty="0" smtClean="0">
+                <a:latin typeface="Tahoma" pitchFamily="34" charset="0"/>
+                <a:ea typeface="Tahoma" pitchFamily="34" charset="0"/>
+                <a:cs typeface="Tahoma" pitchFamily="34" charset="0"/>
+              </a:rPr>
+              <a:t>’s audio. </a:t>
+            </a:r>
+          </a:p>
+          <a:p>
+            <a:pPr algn="just"/>
+            <a:r>
+              <a:rPr lang="en-US" sz="1400" dirty="0" smtClean="0">
+                <a:latin typeface="Tahoma" pitchFamily="34" charset="0"/>
+                <a:ea typeface="Tahoma" pitchFamily="34" charset="0"/>
+                <a:cs typeface="Tahoma" pitchFamily="34" charset="0"/>
+              </a:rPr>
+              <a:t>(To unmute this person, click on this button again</a:t>
+            </a:r>
+            <a:r>
+              <a:rPr lang="en-US" sz="1400" dirty="0">
+                <a:latin typeface="Tahoma" pitchFamily="34" charset="0"/>
+                <a:ea typeface="Tahoma" pitchFamily="34" charset="0"/>
+                <a:cs typeface="Tahoma" pitchFamily="34" charset="0"/>
+              </a:rPr>
+              <a:t>)</a:t>
+            </a:r>
+            <a:endParaRPr lang="en-US" sz="1400" dirty="0" smtClean="0">
+              <a:latin typeface="Tahoma" pitchFamily="34" charset="0"/>
+              <a:ea typeface="Tahoma" pitchFamily="34" charset="0"/>
+              <a:cs typeface="Tahoma" pitchFamily="34" charset="0"/>
+            </a:endParaRPr>
+          </a:p>
+          <a:p>
+            <a:pPr algn="just"/>
+            <a:endParaRPr lang="en-US" sz="1400" dirty="0" smtClean="0">
+              <a:latin typeface="Tahoma" pitchFamily="34" charset="0"/>
+              <a:ea typeface="Tahoma" pitchFamily="34" charset="0"/>
+              <a:cs typeface="Tahoma" pitchFamily="34" charset="0"/>
+            </a:endParaRPr>
+          </a:p>
+          <a:p>
+            <a:pPr algn="just"/>
+            <a:r>
+              <a:rPr lang="en-US" sz="1400" dirty="0" smtClean="0">
+                <a:solidFill>
+                  <a:srgbClr val="FF0000"/>
+                </a:solidFill>
+                <a:latin typeface="Tahoma" pitchFamily="34" charset="0"/>
+                <a:ea typeface="Tahoma" pitchFamily="34" charset="0"/>
+                <a:cs typeface="Tahoma" pitchFamily="34" charset="0"/>
               </a:rPr>
               <a:t>2- </a:t>
             </a:r>
             <a:r>
-              <a:rPr lang="fa-IR" sz="1400" dirty="0">
-                <a:cs typeface="B Nazanin" pitchFamily="2" charset="-78"/>
-              </a:rPr>
-              <a:t>با کلیک روی این دکمه، صدای فرد در جلسه شنیده نخواهد شد</a:t>
-            </a:r>
-            <a:r>
-              <a:rPr lang="fa-IR" sz="1400" dirty="0" smtClean="0">
-                <a:cs typeface="B Nazanin" pitchFamily="2" charset="-78"/>
-              </a:rPr>
-              <a:t>.</a:t>
-            </a:r>
-          </a:p>
-          <a:p>
-            <a:pPr algn="just" rtl="1"/>
-            <a:r>
-              <a:rPr lang="fa-IR" sz="1400" dirty="0" smtClean="0">
-                <a:solidFill>
-                  <a:srgbClr val="FF0000"/>
-                </a:solidFill>
+              <a:rPr lang="en-US" sz="1400" dirty="0">
+                <a:latin typeface="Tahoma" pitchFamily="34" charset="0"/>
+                <a:ea typeface="Tahoma" pitchFamily="34" charset="0"/>
+                <a:cs typeface="Tahoma" pitchFamily="34" charset="0"/>
+              </a:rPr>
+              <a:t>Click on this button to </a:t>
+            </a:r>
+            <a:r>
+              <a:rPr lang="en-US" sz="1400" dirty="0" smtClean="0">
+                <a:latin typeface="Tahoma" pitchFamily="34" charset="0"/>
+                <a:ea typeface="Tahoma" pitchFamily="34" charset="0"/>
+                <a:cs typeface="Tahoma" pitchFamily="34" charset="0"/>
+              </a:rPr>
+              <a:t>stop </a:t>
+            </a:r>
+            <a:r>
+              <a:rPr lang="en-US" sz="1400" dirty="0">
+                <a:latin typeface="Tahoma" pitchFamily="34" charset="0"/>
+                <a:ea typeface="Tahoma" pitchFamily="34" charset="0"/>
+                <a:cs typeface="Tahoma" pitchFamily="34" charset="0"/>
+              </a:rPr>
+              <a:t>participant’s </a:t>
+            </a:r>
+            <a:r>
+              <a:rPr lang="en-US" sz="1400" dirty="0" smtClean="0">
+                <a:latin typeface="Tahoma" pitchFamily="34" charset="0"/>
+                <a:ea typeface="Tahoma" pitchFamily="34" charset="0"/>
+                <a:cs typeface="Tahoma" pitchFamily="34" charset="0"/>
+              </a:rPr>
+              <a:t>video.</a:t>
+            </a:r>
+          </a:p>
+          <a:p>
+            <a:pPr algn="just"/>
+            <a:r>
+              <a:rPr lang="en-US" sz="1400" dirty="0">
+                <a:latin typeface="Tahoma" pitchFamily="34" charset="0"/>
+                <a:ea typeface="Tahoma" pitchFamily="34" charset="0"/>
+                <a:cs typeface="Tahoma" pitchFamily="34" charset="0"/>
+              </a:rPr>
+              <a:t>(To unmute this person, click on this button again)</a:t>
+            </a:r>
+            <a:endParaRPr lang="en-US" sz="1400" dirty="0" smtClean="0">
+              <a:latin typeface="Tahoma" pitchFamily="34" charset="0"/>
+              <a:ea typeface="Tahoma" pitchFamily="34" charset="0"/>
+              <a:cs typeface="Tahoma" pitchFamily="34" charset="0"/>
+            </a:endParaRPr>
+          </a:p>
+          <a:p>
+            <a:pPr algn="just"/>
+            <a:endParaRPr lang="en-US" sz="1400" dirty="0">
+              <a:latin typeface="Tahoma" pitchFamily="34" charset="0"/>
+              <a:ea typeface="Tahoma" pitchFamily="34" charset="0"/>
+              <a:cs typeface="Tahoma" pitchFamily="34" charset="0"/>
+            </a:endParaRPr>
+          </a:p>
+          <a:p>
+            <a:pPr algn="just"/>
+            <a:r>
+              <a:rPr lang="en-US" sz="1400" dirty="0" smtClean="0">
+                <a:solidFill>
+                  <a:srgbClr val="FF0000"/>
+                </a:solidFill>
+                <a:latin typeface="Tahoma" pitchFamily="34" charset="0"/>
+                <a:ea typeface="Tahoma" pitchFamily="34" charset="0"/>
+                <a:cs typeface="Tahoma" pitchFamily="34" charset="0"/>
               </a:rPr>
               <a:t>3- </a:t>
             </a:r>
             <a:r>
-              <a:rPr lang="fa-IR" sz="1400" dirty="0" smtClean="0">
-                <a:cs typeface="B Nazanin" pitchFamily="2" charset="-78"/>
-              </a:rPr>
-              <a:t>اگر دیدن تصویر این فرد در حین جلسه برایتان مهم است و می‌خواهید حتی با ورود افراد دیگر، همواره تصویر این فرد را ببینید، روی این دکمه کلیک کنید.</a:t>
-            </a:r>
-            <a:endParaRPr lang="fa-IR" sz="1400" dirty="0">
-              <a:cs typeface="B Nazanin" pitchFamily="2" charset="-78"/>
-            </a:endParaRPr>
-          </a:p>
-          <a:p>
-            <a:pPr algn="just" rtl="1"/>
+              <a:rPr lang="en-US" sz="1400" dirty="0">
+                <a:latin typeface="Tahoma" pitchFamily="34" charset="0"/>
+                <a:ea typeface="Tahoma" pitchFamily="34" charset="0"/>
+                <a:cs typeface="Tahoma" pitchFamily="34" charset="0"/>
+              </a:rPr>
+              <a:t>Click on this button to </a:t>
+            </a:r>
             <a:r>
               <a:rPr lang="en-US" sz="1400" dirty="0" smtClean="0">
-                <a:solidFill>
-                  <a:srgbClr val="FF0000"/>
-                </a:solidFill>
-              </a:rPr>
-              <a:t>4</a:t>
-            </a:r>
-            <a:r>
-              <a:rPr lang="fa-IR" sz="1400" dirty="0" smtClean="0">
-                <a:solidFill>
-                  <a:srgbClr val="FF0000"/>
-                </a:solidFill>
-              </a:rPr>
-              <a:t>- </a:t>
-            </a:r>
-            <a:r>
-              <a:rPr lang="fa-IR" sz="1400" dirty="0">
-                <a:cs typeface="B Nazanin" pitchFamily="2" charset="-78"/>
-              </a:rPr>
-              <a:t>با کلیک روی این دکمه، فرد از اتاق جلسه بیرون </a:t>
-            </a:r>
-            <a:r>
-              <a:rPr lang="fa-IR" sz="1400" dirty="0" smtClean="0">
-                <a:cs typeface="B Nazanin" pitchFamily="2" charset="-78"/>
-              </a:rPr>
-              <a:t>خواهد افتاد.</a:t>
-            </a:r>
-            <a:endParaRPr lang="fa-IR" sz="1400" dirty="0">
-              <a:solidFill>
-                <a:srgbClr val="FF0000"/>
-              </a:solidFill>
-              <a:cs typeface="B Nazanin" pitchFamily="2" charset="-78"/>
-            </a:endParaRPr>
-          </a:p>
-          <a:p>
-            <a:pPr algn="just" rtl="1"/>
-            <a:endParaRPr lang="fa-IR" sz="1400" dirty="0">
-              <a:solidFill>
-                <a:srgbClr val="FF0000"/>
-              </a:solidFill>
-              <a:cs typeface="B Nazanin" pitchFamily="2" charset="-78"/>
-            </a:endParaRPr>
+                <a:latin typeface="Tahoma" pitchFamily="34" charset="0"/>
+                <a:ea typeface="Tahoma" pitchFamily="34" charset="0"/>
+                <a:cs typeface="Tahoma" pitchFamily="34" charset="0"/>
+              </a:rPr>
+              <a:t>remove participant from conference.</a:t>
+            </a:r>
           </a:p>
         </p:txBody>
       </p:sp>
@@ -7724,7 +6766,7 @@
         </p:nvSpPr>
         <p:spPr>
           <a:xfrm flipH="1">
-            <a:off x="3440752" y="2841008"/>
+            <a:off x="3509104" y="2854656"/>
             <a:ext cx="148496" cy="673057"/>
           </a:xfrm>
           <a:prstGeom prst="rightBrace">
@@ -7900,7 +6942,7 @@
         </p:blipFill>
         <p:spPr bwMode="auto">
           <a:xfrm>
-            <a:off x="3186752" y="3052783"/>
+            <a:off x="3255104" y="3066431"/>
             <a:ext cx="254000" cy="254000"/>
           </a:xfrm>
           <a:prstGeom prst="rect">
@@ -7918,145 +6960,6 @@
           </a:extLst>
         </p:spPr>
       </p:pic>
-      <p:sp>
-        <p:nvSpPr>
-          <p:cNvPr id="23" name="Rectangle 22"/>
-          <p:cNvSpPr/>
-          <p:nvPr/>
-        </p:nvSpPr>
-        <p:spPr>
-          <a:xfrm>
-            <a:off x="32376" y="6338448"/>
-            <a:ext cx="5225424" cy="307777"/>
-          </a:xfrm>
-          <a:prstGeom prst="rect">
-            <a:avLst/>
-          </a:prstGeom>
-        </p:spPr>
-        <p:txBody>
-          <a:bodyPr wrap="square">
-            <a:spAutoFit/>
-          </a:bodyPr>
-          <a:lstStyle/>
-          <a:p>
-            <a:pPr algn="just" rtl="1"/>
-            <a:r>
-              <a:rPr lang="fa-IR" sz="1400" dirty="0" smtClean="0">
-                <a:solidFill>
-                  <a:schemeClr val="accent3">
-                    <a:lumMod val="50000"/>
-                  </a:schemeClr>
-                </a:solidFill>
-                <a:cs typeface="B Nazanin" pitchFamily="2" charset="-78"/>
-              </a:rPr>
-              <a:t>جهت مشاهده راهنمای بخشهایی که جلوی علامت        هستند، روی علامت کلیک کنید.</a:t>
-            </a:r>
-          </a:p>
-        </p:txBody>
-      </p:sp>
-      <p:pic>
-        <p:nvPicPr>
-          <p:cNvPr id="24" name="Picture 23"/>
-          <p:cNvPicPr>
-            <a:picLocks noChangeAspect="1"/>
-          </p:cNvPicPr>
-          <p:nvPr/>
-        </p:nvPicPr>
-        <p:blipFill>
-          <a:blip r:embed="rId3">
-            <a:extLst>
-              <a:ext uri="{28A0092B-C50C-407E-A947-70E740481C1C}">
-                <a14:useLocalDpi xmlns:a14="http://schemas.microsoft.com/office/drawing/2010/main"/>
-              </a:ext>
-            </a:extLst>
-          </a:blip>
-          <a:stretch>
-            <a:fillRect/>
-          </a:stretch>
-        </p:blipFill>
-        <p:spPr>
-          <a:xfrm>
-            <a:off x="2179120" y="6377227"/>
-            <a:ext cx="253968" cy="253968"/>
-          </a:xfrm>
-          <a:prstGeom prst="rect">
-            <a:avLst/>
-          </a:prstGeom>
-        </p:spPr>
-      </p:pic>
-      <p:sp>
-        <p:nvSpPr>
-          <p:cNvPr id="25" name="TextBox 24"/>
-          <p:cNvSpPr txBox="1"/>
-          <p:nvPr/>
-        </p:nvSpPr>
-        <p:spPr>
-          <a:xfrm>
-            <a:off x="3171825" y="3942071"/>
-            <a:ext cx="338860" cy="369332"/>
-          </a:xfrm>
-          <a:prstGeom prst="rect">
-            <a:avLst/>
-          </a:prstGeom>
-          <a:noFill/>
-        </p:spPr>
-        <p:txBody>
-          <a:bodyPr wrap="square" rtlCol="0">
-            <a:spAutoFit/>
-          </a:bodyPr>
-          <a:lstStyle/>
-          <a:p>
-            <a:r>
-              <a:rPr lang="fa-IR" dirty="0" smtClean="0">
-                <a:solidFill>
-                  <a:srgbClr val="FF0000"/>
-                </a:solidFill>
-              </a:rPr>
-              <a:t>3</a:t>
-            </a:r>
-            <a:endParaRPr lang="en-US" dirty="0">
-              <a:solidFill>
-                <a:srgbClr val="FF0000"/>
-              </a:solidFill>
-            </a:endParaRPr>
-          </a:p>
-        </p:txBody>
-      </p:sp>
-      <p:cxnSp>
-        <p:nvCxnSpPr>
-          <p:cNvPr id="26" name="Straight Arrow Connector 25"/>
-          <p:cNvCxnSpPr>
-            <a:stCxn id="25" idx="3"/>
-          </p:cNvCxnSpPr>
-          <p:nvPr/>
-        </p:nvCxnSpPr>
-        <p:spPr>
-          <a:xfrm>
-            <a:off x="3510685" y="4126737"/>
-            <a:ext cx="756515" cy="0"/>
-          </a:xfrm>
-          <a:prstGeom prst="straightConnector1">
-            <a:avLst/>
-          </a:prstGeom>
-          <a:ln>
-            <a:tailEnd type="arrow"/>
-          </a:ln>
-        </p:spPr>
-        <p:style>
-          <a:lnRef idx="1">
-            <a:schemeClr val="accent1"/>
-          </a:lnRef>
-          <a:fillRef idx="0">
-            <a:schemeClr val="accent1"/>
-          </a:fillRef>
-          <a:effectRef idx="0">
-            <a:schemeClr val="accent1"/>
-          </a:effectRef>
-          <a:fontRef idx="minor">
-            <a:schemeClr val="tx1"/>
-          </a:fontRef>
-        </p:style>
-      </p:cxnSp>
     </p:spTree>
     <p:extLst>
       <p:ext uri="{BB962C8B-B14F-4D97-AF65-F5344CB8AC3E}">
@@ -8094,6 +6997,36 @@
           <a:chExt cx="0" cy="0"/>
         </a:xfrm>
       </p:grpSpPr>
+      <p:pic>
+        <p:nvPicPr>
+          <p:cNvPr id="21" name="Picture 20"/>
+          <p:cNvPicPr>
+            <a:picLocks noChangeAspect="1"/>
+          </p:cNvPicPr>
+          <p:nvPr/>
+        </p:nvPicPr>
+        <p:blipFill>
+          <a:blip r:embed="rId2">
+            <a:extLst>
+              <a:ext uri="{28A0092B-C50C-407E-A947-70E740481C1C}">
+                <a14:useLocalDpi xmlns:a14="http://schemas.microsoft.com/office/drawing/2010/main" val="0"/>
+              </a:ext>
+            </a:extLst>
+          </a:blip>
+          <a:stretch>
+            <a:fillRect/>
+          </a:stretch>
+        </p:blipFill>
+        <p:spPr>
+          <a:xfrm>
+            <a:off x="5492787" y="1634465"/>
+            <a:ext cx="2962689" cy="2715004"/>
+          </a:xfrm>
+          <a:prstGeom prst="rect">
+            <a:avLst/>
+          </a:prstGeom>
+        </p:spPr>
+      </p:pic>
       <p:sp>
         <p:nvSpPr>
           <p:cNvPr id="2" name="Title 1"/>
@@ -8117,57 +7050,22 @@
           <a:lstStyle/>
           <a:p>
             <a:r>
-              <a:rPr lang="fa-IR" sz="2800" dirty="0">
+              <a:rPr lang="en-US" sz="2800" b="1" dirty="0" smtClean="0">
                 <a:solidFill>
                   <a:srgbClr val="0070C0"/>
                 </a:solidFill>
-                <a:cs typeface="B Titr" pitchFamily="2" charset="-78"/>
-              </a:rPr>
-              <a:t>راهنمای پنجره </a:t>
-            </a:r>
-            <a:r>
-              <a:rPr lang="fa-IR" sz="2800" dirty="0" smtClean="0">
-                <a:solidFill>
-                  <a:srgbClr val="0070C0"/>
-                </a:solidFill>
-                <a:cs typeface="B Titr" pitchFamily="2" charset="-78"/>
-              </a:rPr>
-              <a:t>تنظیمات اتاق جلسه</a:t>
-            </a:r>
-            <a:endParaRPr lang="en-US" sz="2800" dirty="0"/>
-          </a:p>
-        </p:txBody>
-      </p:sp>
-      <p:pic>
-        <p:nvPicPr>
-          <p:cNvPr id="3" name="Picture 2"/>
-          <p:cNvPicPr>
-            <a:picLocks noChangeAspect="1"/>
-          </p:cNvPicPr>
-          <p:nvPr/>
-        </p:nvPicPr>
-        <p:blipFill>
-          <a:blip r:embed="rId2">
-            <a:extLst>
-              <a:ext uri="{28A0092B-C50C-407E-A947-70E740481C1C}">
-                <a14:useLocalDpi xmlns:a14="http://schemas.microsoft.com/office/drawing/2010/main"/>
-              </a:ext>
-            </a:extLst>
-          </a:blip>
-          <a:stretch>
-            <a:fillRect/>
-          </a:stretch>
-        </p:blipFill>
-        <p:spPr>
-          <a:xfrm>
-            <a:off x="480417" y="1659777"/>
-            <a:ext cx="3000794" cy="2753109"/>
-          </a:xfrm>
-          <a:prstGeom prst="rect">
-            <a:avLst/>
-          </a:prstGeom>
-        </p:spPr>
-      </p:pic>
+                <a:latin typeface="Times New Roman" pitchFamily="18" charset="0"/>
+                <a:cs typeface="Times New Roman" pitchFamily="18" charset="0"/>
+              </a:rPr>
+              <a:t>Room Settings Window</a:t>
+            </a:r>
+            <a:endParaRPr lang="en-US" sz="2800" b="1" dirty="0">
+              <a:latin typeface="Times New Roman" pitchFamily="18" charset="0"/>
+              <a:cs typeface="Times New Roman" pitchFamily="18" charset="0"/>
+            </a:endParaRPr>
+          </a:p>
+        </p:txBody>
+      </p:sp>
       <p:sp>
         <p:nvSpPr>
           <p:cNvPr id="5" name="TextBox 4"/>
@@ -8176,7 +7074,7 @@
         </p:nvSpPr>
         <p:spPr>
           <a:xfrm>
-            <a:off x="3675990" y="2244503"/>
+            <a:off x="8650256" y="2244503"/>
             <a:ext cx="338860" cy="369332"/>
           </a:xfrm>
           <a:prstGeom prst="rect">
@@ -8216,7 +7114,7 @@
         </p:nvCxnSpPr>
         <p:spPr>
           <a:xfrm flipH="1">
-            <a:off x="3286432" y="2429169"/>
+            <a:off x="8260698" y="2429169"/>
             <a:ext cx="389558" cy="0"/>
           </a:xfrm>
           <a:prstGeom prst="straightConnector1">
@@ -8249,7 +7147,7 @@
         </p:nvSpPr>
         <p:spPr>
           <a:xfrm>
-            <a:off x="685800" y="1230868"/>
+            <a:off x="5660066" y="1230868"/>
             <a:ext cx="338860" cy="369332"/>
           </a:xfrm>
           <a:prstGeom prst="rect">
@@ -8289,7 +7187,7 @@
         </p:nvCxnSpPr>
         <p:spPr>
           <a:xfrm>
-            <a:off x="855230" y="1600200"/>
+            <a:off x="5829496" y="1600200"/>
             <a:ext cx="0" cy="644303"/>
           </a:xfrm>
           <a:prstGeom prst="straightConnector1">
@@ -8322,7 +7220,7 @@
         </p:nvSpPr>
         <p:spPr>
           <a:xfrm>
-            <a:off x="3675990" y="2807301"/>
+            <a:off x="8650256" y="2807301"/>
             <a:ext cx="338860" cy="369332"/>
           </a:xfrm>
           <a:prstGeom prst="rect">
@@ -8362,7 +7260,7 @@
         </p:nvCxnSpPr>
         <p:spPr>
           <a:xfrm flipH="1">
-            <a:off x="3286432" y="2991967"/>
+            <a:off x="8260698" y="2991967"/>
             <a:ext cx="389558" cy="0"/>
           </a:xfrm>
           <a:prstGeom prst="straightConnector1">
@@ -8395,7 +7293,7 @@
         </p:nvSpPr>
         <p:spPr>
           <a:xfrm>
-            <a:off x="3675990" y="3242932"/>
+            <a:off x="8650256" y="3242932"/>
             <a:ext cx="338860" cy="369332"/>
           </a:xfrm>
           <a:prstGeom prst="rect">
@@ -8435,7 +7333,7 @@
         </p:nvCxnSpPr>
         <p:spPr>
           <a:xfrm flipH="1">
-            <a:off x="3286432" y="3427598"/>
+            <a:off x="8260698" y="3427598"/>
             <a:ext cx="389558" cy="0"/>
           </a:xfrm>
           <a:prstGeom prst="straightConnector1">
@@ -8468,7 +7366,7 @@
         </p:nvSpPr>
         <p:spPr>
           <a:xfrm>
-            <a:off x="3678474" y="3538868"/>
+            <a:off x="8652740" y="3538868"/>
             <a:ext cx="338860" cy="369332"/>
           </a:xfrm>
           <a:prstGeom prst="rect">
@@ -8508,8 +7406,8 @@
         </p:nvCxnSpPr>
         <p:spPr>
           <a:xfrm flipH="1">
-            <a:off x="1447800" y="3723534"/>
-            <a:ext cx="2230674" cy="153934"/>
+            <a:off x="6422066" y="3723534"/>
+            <a:ext cx="2230674" cy="338600"/>
           </a:xfrm>
           <a:prstGeom prst="straightConnector1">
             <a:avLst/>
@@ -8541,7 +7439,7 @@
         </p:nvSpPr>
         <p:spPr>
           <a:xfrm>
-            <a:off x="3678474" y="3877468"/>
+            <a:off x="8652740" y="3877468"/>
             <a:ext cx="338860" cy="369332"/>
           </a:xfrm>
           <a:prstGeom prst="rect">
@@ -8581,7 +7479,7 @@
         </p:nvCxnSpPr>
         <p:spPr>
           <a:xfrm flipH="1">
-            <a:off x="2819400" y="4062134"/>
+            <a:off x="7793666" y="4062134"/>
             <a:ext cx="859074" cy="0"/>
           </a:xfrm>
           <a:prstGeom prst="straightConnector1">
@@ -8614,8 +7512,8 @@
         </p:nvSpPr>
         <p:spPr>
           <a:xfrm>
-            <a:off x="4495799" y="1473217"/>
-            <a:ext cx="4012573" cy="3323987"/>
+            <a:off x="483227" y="1384521"/>
+            <a:ext cx="4012573" cy="4616648"/>
           </a:xfrm>
           <a:prstGeom prst="rect">
             <a:avLst/>
@@ -8627,132 +7525,243 @@
           </a:bodyPr>
           <a:lstStyle/>
           <a:p>
-            <a:pPr algn="just" rtl="1"/>
+            <a:pPr algn="just"/>
             <a:r>
               <a:rPr lang="en-US" sz="1400" dirty="0" smtClean="0">
                 <a:solidFill>
                   <a:srgbClr val="FF0000"/>
                 </a:solidFill>
-              </a:rPr>
-              <a:t>1</a:t>
-            </a:r>
-            <a:r>
-              <a:rPr lang="fa-IR" sz="1400" dirty="0" smtClean="0">
-                <a:solidFill>
-                  <a:srgbClr val="FF0000"/>
-                </a:solidFill>
-              </a:rPr>
-              <a:t>-</a:t>
-            </a:r>
-            <a:r>
-              <a:rPr lang="fa-IR" sz="1400" dirty="0" smtClean="0">
-                <a:cs typeface="B Nazanin" pitchFamily="2" charset="-78"/>
-              </a:rPr>
-              <a:t> آدرس اینترنتی اتاق جلسه شما برای ورود مهمانان - کافیست این آدرس را برای مهمانان جلسه ایمیل کنید تا آنها با وارد کردن آن در مرورگر، بتوانند بدون داشتن نام کاربری و رمزعبور وارد اتاق جلسه شما شوند و با شما کنفرانس داشته باشند. (برای استفاده از این قابلیت، لازمست که قبلا آن را فعال کرده باشید.)</a:t>
-            </a:r>
-          </a:p>
-          <a:p>
-            <a:pPr algn="just" rtl="1"/>
-            <a:r>
-              <a:rPr lang="fa-IR" sz="1400" dirty="0" smtClean="0">
-                <a:solidFill>
-                  <a:srgbClr val="FF0000"/>
-                </a:solidFill>
+                <a:latin typeface="Tahoma" pitchFamily="34" charset="0"/>
+                <a:ea typeface="Tahoma" pitchFamily="34" charset="0"/>
+                <a:cs typeface="Tahoma" pitchFamily="34" charset="0"/>
+              </a:rPr>
+              <a:t>1- </a:t>
+            </a:r>
+            <a:r>
+              <a:rPr lang="en-US" sz="1400" dirty="0" smtClean="0">
+                <a:latin typeface="Tahoma" pitchFamily="34" charset="0"/>
+                <a:ea typeface="Tahoma" pitchFamily="34" charset="0"/>
+                <a:cs typeface="Tahoma" pitchFamily="34" charset="0"/>
+              </a:rPr>
+              <a:t>Your room’s Internet link for inviting guests: To invite guests (people without </a:t>
+            </a:r>
+            <a:r>
+              <a:rPr lang="en-US" sz="1400" dirty="0" err="1" smtClean="0">
+                <a:latin typeface="Tahoma" pitchFamily="34" charset="0"/>
+                <a:ea typeface="Tahoma" pitchFamily="34" charset="0"/>
+                <a:cs typeface="Tahoma" pitchFamily="34" charset="0"/>
+              </a:rPr>
+              <a:t>UserName</a:t>
+            </a:r>
+            <a:r>
+              <a:rPr lang="en-US" sz="1400" dirty="0" smtClean="0">
+                <a:latin typeface="Tahoma" pitchFamily="34" charset="0"/>
+                <a:ea typeface="Tahoma" pitchFamily="34" charset="0"/>
+                <a:cs typeface="Tahoma" pitchFamily="34" charset="0"/>
+              </a:rPr>
+              <a:t>) you just need to email this link to them and they should enter it in their browser to join your room without any </a:t>
+            </a:r>
+            <a:r>
+              <a:rPr lang="en-US" sz="1400" dirty="0" err="1" smtClean="0">
+                <a:latin typeface="Tahoma" pitchFamily="34" charset="0"/>
+                <a:ea typeface="Tahoma" pitchFamily="34" charset="0"/>
+                <a:cs typeface="Tahoma" pitchFamily="34" charset="0"/>
+              </a:rPr>
+              <a:t>UserName</a:t>
+            </a:r>
+            <a:r>
+              <a:rPr lang="en-US" sz="1400" dirty="0" smtClean="0">
+                <a:latin typeface="Tahoma" pitchFamily="34" charset="0"/>
+                <a:ea typeface="Tahoma" pitchFamily="34" charset="0"/>
+                <a:cs typeface="Tahoma" pitchFamily="34" charset="0"/>
+              </a:rPr>
+              <a:t>. (To use this option, you need to activate it already)</a:t>
+            </a:r>
+          </a:p>
+          <a:p>
+            <a:pPr algn="just"/>
+            <a:endParaRPr lang="en-US" sz="1400" dirty="0">
+              <a:latin typeface="Tahoma" pitchFamily="34" charset="0"/>
+              <a:ea typeface="Tahoma" pitchFamily="34" charset="0"/>
+              <a:cs typeface="Tahoma" pitchFamily="34" charset="0"/>
+            </a:endParaRPr>
+          </a:p>
+          <a:p>
+            <a:pPr algn="just"/>
+            <a:r>
+              <a:rPr lang="en-US" sz="1400" dirty="0" smtClean="0">
+                <a:solidFill>
+                  <a:srgbClr val="FF0000"/>
+                </a:solidFill>
+                <a:latin typeface="Tahoma" pitchFamily="34" charset="0"/>
+                <a:ea typeface="Tahoma" pitchFamily="34" charset="0"/>
+                <a:cs typeface="Tahoma" pitchFamily="34" charset="0"/>
               </a:rPr>
               <a:t>2- </a:t>
             </a:r>
             <a:r>
-              <a:rPr lang="fa-IR" sz="1400" dirty="0" smtClean="0">
-                <a:cs typeface="B Nazanin" pitchFamily="2" charset="-78"/>
-              </a:rPr>
-              <a:t>تا زمانی که این دکمه را نزنید، لینک اینترنتی اتاق جلسه‌تان ثابت می‌ماند و مهمانان جلسات گذشته‌تان، همچنان می‌توانند وارد اتاق‌تان شوند. اما با کلیک روی این دکمه، آدرس اینترنتی اتاق جلسه‌تان تغییر کرده و از این پس باید این آدرس جدید را برای مهمانان‌تان بفرستید.</a:t>
-            </a:r>
-          </a:p>
-          <a:p>
-            <a:pPr algn="just" rtl="1"/>
-            <a:r>
-              <a:rPr lang="fa-IR" sz="1400" dirty="0">
-                <a:solidFill>
-                  <a:srgbClr val="FF0000"/>
-                </a:solidFill>
-              </a:rPr>
-              <a:t>3-</a:t>
-            </a:r>
-            <a:r>
-              <a:rPr lang="fa-IR" sz="1400" dirty="0">
-                <a:cs typeface="B Nazanin" pitchFamily="2" charset="-78"/>
-              </a:rPr>
-              <a:t> اگر </a:t>
-            </a:r>
-            <a:r>
-              <a:rPr lang="fa-IR" sz="1400" dirty="0" smtClean="0">
-                <a:cs typeface="B Nazanin" pitchFamily="2" charset="-78"/>
-              </a:rPr>
-              <a:t>می‌خواهید برای ورود به اتاقتان رمز بگذارید تا از این پس، تنها کسانی که این رمز را دارند قادر به ورود به اتاقتان باشند، رمز را اینجا وارد کنید.</a:t>
-            </a:r>
-            <a:endParaRPr lang="fa-IR" sz="1400" dirty="0">
-              <a:cs typeface="B Nazanin" pitchFamily="2" charset="-78"/>
+              <a:rPr lang="en-US" sz="1400" dirty="0" smtClean="0">
+                <a:latin typeface="Tahoma" pitchFamily="34" charset="0"/>
+                <a:ea typeface="Tahoma" pitchFamily="34" charset="0"/>
+                <a:cs typeface="Tahoma" pitchFamily="34" charset="0"/>
+              </a:rPr>
+              <a:t>Your room’s Internet link would be stable and your later conference guests would be able to join your room at future by the same link, unless you click on this button to change it.</a:t>
+            </a:r>
+            <a:endParaRPr lang="en-US" sz="1400" dirty="0">
+              <a:solidFill>
+                <a:srgbClr val="FF0000"/>
+              </a:solidFill>
+              <a:latin typeface="Tahoma" pitchFamily="34" charset="0"/>
+              <a:ea typeface="Tahoma" pitchFamily="34" charset="0"/>
+              <a:cs typeface="Tahoma" pitchFamily="34" charset="0"/>
             </a:endParaRPr>
           </a:p>
           <a:p>
-            <a:pPr algn="just" rtl="1"/>
-            <a:r>
-              <a:rPr lang="fa-IR" sz="1400" dirty="0" smtClean="0">
-                <a:solidFill>
-                  <a:srgbClr val="FF0000"/>
-                </a:solidFill>
-              </a:rPr>
-              <a:t>4-</a:t>
-            </a:r>
-            <a:r>
-              <a:rPr lang="fa-IR" sz="1400" dirty="0" smtClean="0">
-                <a:cs typeface="B Nazanin" pitchFamily="2" charset="-78"/>
-              </a:rPr>
-              <a:t> تکرار رمز اتاق جهت اطمینان یافتن از تایپ درست آن.</a:t>
-            </a:r>
-          </a:p>
-          <a:p>
-            <a:pPr algn="just" rtl="1"/>
-            <a:r>
-              <a:rPr lang="fa-IR" sz="1400" dirty="0" smtClean="0">
-                <a:solidFill>
-                  <a:srgbClr val="FF0000"/>
-                </a:solidFill>
-              </a:rPr>
-              <a:t>5-</a:t>
-            </a:r>
-            <a:r>
-              <a:rPr lang="fa-IR" sz="1400" dirty="0" smtClean="0">
-                <a:solidFill>
-                  <a:srgbClr val="FF0000"/>
-                </a:solidFill>
-                <a:cs typeface="B Nazanin" pitchFamily="2" charset="-78"/>
-              </a:rPr>
-              <a:t> </a:t>
-            </a:r>
-            <a:r>
-              <a:rPr lang="fa-IR" sz="1400" dirty="0" smtClean="0">
-                <a:cs typeface="B Nazanin" pitchFamily="2" charset="-78"/>
-              </a:rPr>
-              <a:t>دکمه ثبت رمز جدید</a:t>
-            </a:r>
-          </a:p>
-          <a:p>
-            <a:pPr algn="just" rtl="1"/>
-            <a:r>
-              <a:rPr lang="fa-IR" sz="1400" dirty="0" smtClean="0">
-                <a:solidFill>
-                  <a:srgbClr val="FF0000"/>
-                </a:solidFill>
-              </a:rPr>
-              <a:t>6- </a:t>
-            </a:r>
-            <a:r>
-              <a:rPr lang="fa-IR" sz="1400" dirty="0" smtClean="0">
-                <a:cs typeface="B Nazanin" pitchFamily="2" charset="-78"/>
-              </a:rPr>
-              <a:t>انصراف از تغییر رمزگذاری و بستن پنجره</a:t>
-            </a:r>
+            <a:pPr algn="just"/>
+            <a:endParaRPr lang="en-US" sz="1400" dirty="0" smtClean="0">
+              <a:solidFill>
+                <a:srgbClr val="FF0000"/>
+              </a:solidFill>
+              <a:latin typeface="Tahoma" pitchFamily="34" charset="0"/>
+              <a:ea typeface="Tahoma" pitchFamily="34" charset="0"/>
+              <a:cs typeface="Tahoma" pitchFamily="34" charset="0"/>
+            </a:endParaRPr>
+          </a:p>
+          <a:p>
+            <a:pPr algn="just"/>
+            <a:r>
+              <a:rPr lang="en-US" sz="1400" dirty="0" smtClean="0">
+                <a:solidFill>
+                  <a:srgbClr val="FF0000"/>
+                </a:solidFill>
+                <a:latin typeface="Tahoma" pitchFamily="34" charset="0"/>
+                <a:ea typeface="Tahoma" pitchFamily="34" charset="0"/>
+                <a:cs typeface="Tahoma" pitchFamily="34" charset="0"/>
+              </a:rPr>
+              <a:t>3- </a:t>
+            </a:r>
+            <a:r>
+              <a:rPr lang="en-US" sz="1400" dirty="0" smtClean="0">
+                <a:latin typeface="Tahoma" pitchFamily="34" charset="0"/>
+                <a:ea typeface="Tahoma" pitchFamily="34" charset="0"/>
+                <a:cs typeface="Tahoma" pitchFamily="34" charset="0"/>
+              </a:rPr>
+              <a:t>If you want to allow certain people to join your room, set a Pine code for your room in this text box and send this Pin code for them.</a:t>
+            </a:r>
+          </a:p>
+          <a:p>
+            <a:pPr algn="just"/>
+            <a:endParaRPr lang="en-US" sz="1400" dirty="0" smtClean="0">
+              <a:latin typeface="Tahoma" pitchFamily="34" charset="0"/>
+              <a:ea typeface="Tahoma" pitchFamily="34" charset="0"/>
+              <a:cs typeface="Tahoma" pitchFamily="34" charset="0"/>
+            </a:endParaRPr>
+          </a:p>
+          <a:p>
+            <a:pPr algn="just"/>
+            <a:r>
+              <a:rPr lang="en-US" sz="1400" dirty="0" smtClean="0">
+                <a:solidFill>
+                  <a:srgbClr val="FF0000"/>
+                </a:solidFill>
+                <a:latin typeface="Tahoma" pitchFamily="34" charset="0"/>
+                <a:ea typeface="Tahoma" pitchFamily="34" charset="0"/>
+                <a:cs typeface="Tahoma" pitchFamily="34" charset="0"/>
+              </a:rPr>
+              <a:t>4- </a:t>
+            </a:r>
+            <a:r>
+              <a:rPr lang="en-US" sz="1400" dirty="0">
+                <a:latin typeface="Tahoma" pitchFamily="34" charset="0"/>
+                <a:ea typeface="Tahoma" pitchFamily="34" charset="0"/>
+                <a:cs typeface="Tahoma" pitchFamily="34" charset="0"/>
+              </a:rPr>
+              <a:t>R</a:t>
+            </a:r>
+            <a:r>
+              <a:rPr lang="en-US" sz="1400" dirty="0" smtClean="0">
+                <a:latin typeface="Tahoma" pitchFamily="34" charset="0"/>
+                <a:ea typeface="Tahoma" pitchFamily="34" charset="0"/>
+                <a:cs typeface="Tahoma" pitchFamily="34" charset="0"/>
+              </a:rPr>
+              <a:t>etype Pin code to be sure of its correction.</a:t>
+            </a:r>
+          </a:p>
+          <a:p>
+            <a:pPr algn="just"/>
+            <a:endParaRPr lang="en-US" sz="1400" dirty="0" smtClean="0">
+              <a:latin typeface="Tahoma" pitchFamily="34" charset="0"/>
+              <a:ea typeface="Tahoma" pitchFamily="34" charset="0"/>
+              <a:cs typeface="Tahoma" pitchFamily="34" charset="0"/>
+            </a:endParaRPr>
+          </a:p>
+          <a:p>
+            <a:pPr algn="just"/>
+            <a:r>
+              <a:rPr lang="en-US" sz="1400" dirty="0" smtClean="0">
+                <a:solidFill>
+                  <a:srgbClr val="FF0000"/>
+                </a:solidFill>
+                <a:latin typeface="Tahoma" pitchFamily="34" charset="0"/>
+                <a:ea typeface="Tahoma" pitchFamily="34" charset="0"/>
+                <a:cs typeface="Tahoma" pitchFamily="34" charset="0"/>
+              </a:rPr>
+              <a:t>5- </a:t>
+            </a:r>
+            <a:r>
+              <a:rPr lang="en-US" sz="1400" dirty="0" smtClean="0">
+                <a:latin typeface="Tahoma" pitchFamily="34" charset="0"/>
+                <a:ea typeface="Tahoma" pitchFamily="34" charset="0"/>
+                <a:cs typeface="Tahoma" pitchFamily="34" charset="0"/>
+              </a:rPr>
+              <a:t>Click on this button to save new Pin code.</a:t>
+            </a:r>
+          </a:p>
+          <a:p>
+            <a:pPr algn="just"/>
+            <a:endParaRPr lang="en-US" sz="1400" dirty="0">
+              <a:latin typeface="Tahoma" pitchFamily="34" charset="0"/>
+              <a:ea typeface="Tahoma" pitchFamily="34" charset="0"/>
+              <a:cs typeface="Tahoma" pitchFamily="34" charset="0"/>
+            </a:endParaRPr>
+          </a:p>
+          <a:p>
+            <a:pPr algn="just"/>
+            <a:r>
+              <a:rPr lang="en-US" sz="1400" dirty="0">
+                <a:solidFill>
+                  <a:srgbClr val="FF0000"/>
+                </a:solidFill>
+                <a:latin typeface="Tahoma" pitchFamily="34" charset="0"/>
+                <a:ea typeface="Tahoma" pitchFamily="34" charset="0"/>
+                <a:cs typeface="Tahoma" pitchFamily="34" charset="0"/>
+              </a:rPr>
+              <a:t>6</a:t>
+            </a:r>
+            <a:r>
+              <a:rPr lang="en-US" sz="1400" dirty="0" smtClean="0">
+                <a:solidFill>
+                  <a:srgbClr val="FF0000"/>
+                </a:solidFill>
+                <a:latin typeface="Tahoma" pitchFamily="34" charset="0"/>
+                <a:ea typeface="Tahoma" pitchFamily="34" charset="0"/>
+                <a:cs typeface="Tahoma" pitchFamily="34" charset="0"/>
+              </a:rPr>
+              <a:t>- </a:t>
+            </a:r>
+            <a:r>
+              <a:rPr lang="en-US" sz="1400" dirty="0" smtClean="0">
+                <a:latin typeface="Tahoma" pitchFamily="34" charset="0"/>
+                <a:ea typeface="Tahoma" pitchFamily="34" charset="0"/>
+                <a:cs typeface="Tahoma" pitchFamily="34" charset="0"/>
+              </a:rPr>
+              <a:t>Click on this button to close this window.</a:t>
+            </a:r>
+            <a:endParaRPr lang="fa-IR" sz="1400" dirty="0" smtClean="0">
+              <a:latin typeface="Tahoma" pitchFamily="34" charset="0"/>
+              <a:ea typeface="Tahoma" pitchFamily="34" charset="0"/>
+              <a:cs typeface="Tahoma" pitchFamily="34" charset="0"/>
+            </a:endParaRPr>
           </a:p>
         </p:txBody>
       </p:sp>
@@ -25195,11 +24204,15 @@
                 <a:solidFill>
                   <a:srgbClr val="0070C0"/>
                 </a:solidFill>
-                <a:cs typeface="B Titr" pitchFamily="2" charset="-78"/>
+                <a:latin typeface="Times New Roman" pitchFamily="18" charset="0"/>
+                <a:cs typeface="Times New Roman" pitchFamily="18" charset="0"/>
               </a:rPr>
               <a:t>Audio Devices Test Window</a:t>
             </a:r>
-            <a:endParaRPr lang="en-US" sz="2800" b="1" dirty="0"/>
+            <a:endParaRPr lang="en-US" sz="2800" b="1" dirty="0">
+              <a:latin typeface="Times New Roman" pitchFamily="18" charset="0"/>
+              <a:cs typeface="Times New Roman" pitchFamily="18" charset="0"/>
+            </a:endParaRPr>
           </a:p>
         </p:txBody>
       </p:sp>
@@ -26779,11 +25792,15 @@
                 <a:solidFill>
                   <a:srgbClr val="0070C0"/>
                 </a:solidFill>
-                <a:cs typeface="B Titr" pitchFamily="2" charset="-78"/>
+                <a:latin typeface="Times New Roman" pitchFamily="18" charset="0"/>
+                <a:cs typeface="Times New Roman" pitchFamily="18" charset="0"/>
               </a:rPr>
               <a:t>Bug Report Window</a:t>
             </a:r>
-            <a:endParaRPr lang="en-US" sz="2800" b="1" dirty="0"/>
+            <a:endParaRPr lang="en-US" sz="2800" b="1" dirty="0">
+              <a:latin typeface="Times New Roman" pitchFamily="18" charset="0"/>
+              <a:cs typeface="Times New Roman" pitchFamily="18" charset="0"/>
+            </a:endParaRPr>
           </a:p>
         </p:txBody>
       </p:sp>
@@ -26850,15 +25867,7 @@
             </a:r>
             <a:r>
               <a:rPr lang="en-US" sz="1400" dirty="0" smtClean="0"/>
-              <a:t>in your </a:t>
-            </a:r>
-            <a:r>
-              <a:rPr lang="en-US" sz="1400" dirty="0" smtClean="0"/>
-              <a:t>profile, </a:t>
-            </a:r>
-            <a:r>
-              <a:rPr lang="en-US" sz="1400" dirty="0" smtClean="0"/>
-              <a:t>it will be written here automatically)</a:t>
+              <a:t>in your profile, it will be written here automatically)</a:t>
             </a:r>
           </a:p>
           <a:p>
@@ -26951,23 +25960,7 @@
             </a:r>
             <a:r>
               <a:rPr lang="en-US" sz="1400" dirty="0" smtClean="0"/>
-              <a:t>By clicking this button, </a:t>
-            </a:r>
-            <a:r>
-              <a:rPr lang="en-US" sz="1400" dirty="0" smtClean="0"/>
-              <a:t>all software activity details will be sent to </a:t>
-            </a:r>
-            <a:r>
-              <a:rPr lang="en-US" sz="1400" dirty="0" smtClean="0"/>
-              <a:t>support center automatically but if you have any description about </a:t>
-            </a:r>
-            <a:r>
-              <a:rPr lang="en-US" sz="1400" dirty="0" smtClean="0"/>
-              <a:t>how, </a:t>
-            </a:r>
-            <a:r>
-              <a:rPr lang="en-US" sz="1400" dirty="0" smtClean="0"/>
-              <a:t>when or form of happening error, you may write it here.</a:t>
+              <a:t>By clicking this button, all software activity details will be sent to support center automatically but if you have any description about how, when or form of happening error, you may write it here.</a:t>
             </a:r>
             <a:endParaRPr lang="en-US" sz="1400" dirty="0"/>
           </a:p>
@@ -27636,11 +26629,16 @@
                 <a:solidFill>
                   <a:srgbClr val="FF0000"/>
                 </a:solidFill>
+                <a:ea typeface="Tahoma" pitchFamily="34" charset="0"/>
+                <a:cs typeface="Tahoma" pitchFamily="34" charset="0"/>
               </a:rPr>
               <a:t>1- </a:t>
             </a:r>
             <a:r>
-              <a:rPr lang="en-US" sz="1400" dirty="0" smtClean="0"/>
+              <a:rPr lang="en-US" sz="1400" dirty="0" smtClean="0">
+                <a:ea typeface="Tahoma" pitchFamily="34" charset="0"/>
+                <a:cs typeface="Tahoma" pitchFamily="34" charset="0"/>
+              </a:rPr>
               <a:t>Person’s Current Status Icon (OFFLINE, ONLINE, BUSY, …)</a:t>
             </a:r>
           </a:p>
@@ -27651,11 +26649,16 @@
                 <a:solidFill>
                   <a:srgbClr val="FF0000"/>
                 </a:solidFill>
+                <a:ea typeface="Tahoma" pitchFamily="34" charset="0"/>
+                <a:cs typeface="Tahoma" pitchFamily="34" charset="0"/>
               </a:rPr>
               <a:t>2- </a:t>
             </a:r>
             <a:r>
-              <a:rPr lang="en-US" sz="1400" dirty="0" smtClean="0"/>
+              <a:rPr lang="en-US" sz="1400" dirty="0" smtClean="0">
+                <a:ea typeface="Tahoma" pitchFamily="34" charset="0"/>
+                <a:cs typeface="Tahoma" pitchFamily="34" charset="0"/>
+              </a:rPr>
               <a:t>Name and Family of this person</a:t>
             </a:r>
           </a:p>
@@ -27666,14 +26669,22 @@
                 <a:solidFill>
                   <a:srgbClr val="FF0000"/>
                 </a:solidFill>
+                <a:ea typeface="Tahoma" pitchFamily="34" charset="0"/>
+                <a:cs typeface="Tahoma" pitchFamily="34" charset="0"/>
               </a:rPr>
               <a:t>3- </a:t>
             </a:r>
             <a:r>
-              <a:rPr lang="en-US" sz="1400" dirty="0" smtClean="0"/>
+              <a:rPr lang="en-US" sz="1400" dirty="0" smtClean="0">
+                <a:ea typeface="Tahoma" pitchFamily="34" charset="0"/>
+                <a:cs typeface="Tahoma" pitchFamily="34" charset="0"/>
+              </a:rPr>
               <a:t>If this person is not in your contact list, you can add them to your contact list by clicking on this Icon, so you will not need to search them again to call them or invite them to your conferences. If this person is already in your contact list, you will see a X Icon here, which could delete him from your contact list.</a:t>
             </a:r>
-            <a:endParaRPr lang="en-US" sz="1400" dirty="0"/>
+            <a:endParaRPr lang="en-US" sz="1400" dirty="0">
+              <a:ea typeface="Tahoma" pitchFamily="34" charset="0"/>
+              <a:cs typeface="Tahoma" pitchFamily="34" charset="0"/>
+            </a:endParaRPr>
           </a:p>
           <a:p>
             <a:pPr algn="just"/>
@@ -27682,14 +26693,22 @@
                 <a:solidFill>
                   <a:srgbClr val="FF0000"/>
                 </a:solidFill>
+                <a:ea typeface="Tahoma" pitchFamily="34" charset="0"/>
+                <a:cs typeface="Tahoma" pitchFamily="34" charset="0"/>
               </a:rPr>
               <a:t>4- </a:t>
             </a:r>
             <a:r>
-              <a:rPr lang="en-US" sz="1400" dirty="0" smtClean="0"/>
+              <a:rPr lang="en-US" sz="1400" dirty="0" smtClean="0">
+                <a:ea typeface="Tahoma" pitchFamily="34" charset="0"/>
+                <a:cs typeface="Tahoma" pitchFamily="34" charset="0"/>
+              </a:rPr>
               <a:t>Organization of this person</a:t>
             </a:r>
-            <a:endParaRPr lang="en-US" sz="1400" dirty="0"/>
+            <a:endParaRPr lang="en-US" sz="1400" dirty="0">
+              <a:ea typeface="Tahoma" pitchFamily="34" charset="0"/>
+              <a:cs typeface="Tahoma" pitchFamily="34" charset="0"/>
+            </a:endParaRPr>
           </a:p>
           <a:p>
             <a:pPr algn="just"/>
@@ -27698,37 +26717,57 @@
                 <a:solidFill>
                   <a:srgbClr val="FF0000"/>
                 </a:solidFill>
+                <a:ea typeface="Tahoma" pitchFamily="34" charset="0"/>
+                <a:cs typeface="Tahoma" pitchFamily="34" charset="0"/>
               </a:rPr>
               <a:t>5- </a:t>
             </a:r>
             <a:r>
-              <a:rPr lang="en-US" sz="1400" dirty="0"/>
+              <a:rPr lang="en-US" sz="1400" dirty="0">
+                <a:ea typeface="Tahoma" pitchFamily="34" charset="0"/>
+                <a:cs typeface="Tahoma" pitchFamily="34" charset="0"/>
+              </a:rPr>
               <a:t>C</a:t>
             </a:r>
             <a:r>
-              <a:rPr lang="en-US" sz="1400" dirty="0" smtClean="0"/>
+              <a:rPr lang="en-US" sz="1400" dirty="0" smtClean="0">
+                <a:ea typeface="Tahoma" pitchFamily="34" charset="0"/>
+                <a:cs typeface="Tahoma" pitchFamily="34" charset="0"/>
+              </a:rPr>
               <a:t>alling number of this person, with below format:</a:t>
             </a:r>
           </a:p>
           <a:p>
             <a:pPr algn="just"/>
             <a:r>
-              <a:rPr lang="en-US" sz="1400" dirty="0" smtClean="0"/>
+              <a:rPr lang="en-US" sz="1400" dirty="0" smtClean="0">
+                <a:ea typeface="Tahoma" pitchFamily="34" charset="0"/>
+                <a:cs typeface="Tahoma" pitchFamily="34" charset="0"/>
+              </a:rPr>
               <a:t>“(Organization Number) Person Number”</a:t>
             </a:r>
           </a:p>
           <a:p>
             <a:pPr algn="just"/>
             <a:r>
-              <a:rPr lang="en-US" sz="1400" dirty="0" smtClean="0"/>
+              <a:rPr lang="en-US" sz="1400" dirty="0" smtClean="0">
+                <a:ea typeface="Tahoma" pitchFamily="34" charset="0"/>
+                <a:cs typeface="Tahoma" pitchFamily="34" charset="0"/>
+              </a:rPr>
               <a:t>You can search people by their number here or you can call them by this number using </a:t>
             </a:r>
             <a:r>
-              <a:rPr lang="en-US" sz="1400" dirty="0" err="1" smtClean="0"/>
+              <a:rPr lang="en-US" sz="1400" dirty="0" err="1" smtClean="0">
+                <a:ea typeface="Tahoma" pitchFamily="34" charset="0"/>
+                <a:cs typeface="Tahoma" pitchFamily="34" charset="0"/>
+              </a:rPr>
               <a:t>DialPad</a:t>
             </a:r>
             <a:r>
-              <a:rPr lang="en-US" sz="1400" dirty="0" smtClean="0"/>
+              <a:rPr lang="en-US" sz="1400" dirty="0" smtClean="0">
+                <a:ea typeface="Tahoma" pitchFamily="34" charset="0"/>
+                <a:cs typeface="Tahoma" pitchFamily="34" charset="0"/>
+              </a:rPr>
               <a:t> tab.</a:t>
             </a:r>
           </a:p>
@@ -27739,11 +26778,16 @@
                 <a:solidFill>
                   <a:srgbClr val="FF0000"/>
                 </a:solidFill>
+                <a:ea typeface="Tahoma" pitchFamily="34" charset="0"/>
+                <a:cs typeface="Tahoma" pitchFamily="34" charset="0"/>
               </a:rPr>
               <a:t>6- </a:t>
             </a:r>
             <a:r>
-              <a:rPr lang="en-US" sz="1400" dirty="0" smtClean="0"/>
+              <a:rPr lang="en-US" sz="1400" dirty="0" smtClean="0">
+                <a:ea typeface="Tahoma" pitchFamily="34" charset="0"/>
+                <a:cs typeface="Tahoma" pitchFamily="34" charset="0"/>
+              </a:rPr>
               <a:t>By clicking on this button, you can make a video call to this person.</a:t>
             </a:r>
           </a:p>
@@ -27754,19 +26798,30 @@
                 <a:solidFill>
                   <a:srgbClr val="FF0000"/>
                 </a:solidFill>
+                <a:ea typeface="Tahoma" pitchFamily="34" charset="0"/>
+                <a:cs typeface="Tahoma" pitchFamily="34" charset="0"/>
               </a:rPr>
               <a:t>7- </a:t>
             </a:r>
             <a:r>
-              <a:rPr lang="en-US" sz="1400" dirty="0"/>
+              <a:rPr lang="en-US" sz="1400" dirty="0">
+                <a:ea typeface="Tahoma" pitchFamily="34" charset="0"/>
+                <a:cs typeface="Tahoma" pitchFamily="34" charset="0"/>
+              </a:rPr>
               <a:t>By clicking on this button, you can make a </a:t>
             </a:r>
             <a:r>
-              <a:rPr lang="en-US" sz="1400" dirty="0" smtClean="0"/>
+              <a:rPr lang="en-US" sz="1400" dirty="0" smtClean="0">
+                <a:ea typeface="Tahoma" pitchFamily="34" charset="0"/>
+                <a:cs typeface="Tahoma" pitchFamily="34" charset="0"/>
+              </a:rPr>
               <a:t>voice </a:t>
             </a:r>
             <a:r>
-              <a:rPr lang="en-US" sz="1400" dirty="0"/>
+              <a:rPr lang="en-US" sz="1400" dirty="0">
+                <a:ea typeface="Tahoma" pitchFamily="34" charset="0"/>
+                <a:cs typeface="Tahoma" pitchFamily="34" charset="0"/>
+              </a:rPr>
               <a:t>call to this person.</a:t>
             </a:r>
           </a:p>
@@ -27777,26 +26832,43 @@
                 <a:solidFill>
                   <a:srgbClr val="FF0000"/>
                 </a:solidFill>
+                <a:ea typeface="Tahoma" pitchFamily="34" charset="0"/>
+                <a:cs typeface="Tahoma" pitchFamily="34" charset="0"/>
               </a:rPr>
               <a:t>8- </a:t>
             </a:r>
             <a:r>
-              <a:rPr lang="en-US" sz="1400" dirty="0"/>
+              <a:rPr lang="en-US" sz="1400" dirty="0">
+                <a:ea typeface="Tahoma" pitchFamily="34" charset="0"/>
+                <a:cs typeface="Tahoma" pitchFamily="34" charset="0"/>
+              </a:rPr>
               <a:t>By clicking on this button, you can </a:t>
             </a:r>
             <a:r>
-              <a:rPr lang="en-US" sz="1400" dirty="0" smtClean="0"/>
+              <a:rPr lang="en-US" sz="1400" dirty="0" smtClean="0">
+                <a:ea typeface="Tahoma" pitchFamily="34" charset="0"/>
+                <a:cs typeface="Tahoma" pitchFamily="34" charset="0"/>
+              </a:rPr>
               <a:t>send/receive text messages </a:t>
             </a:r>
             <a:r>
-              <a:rPr lang="en-US" sz="1400" dirty="0"/>
+              <a:rPr lang="en-US" sz="1400" dirty="0">
+                <a:ea typeface="Tahoma" pitchFamily="34" charset="0"/>
+                <a:cs typeface="Tahoma" pitchFamily="34" charset="0"/>
+              </a:rPr>
               <a:t>to this person</a:t>
             </a:r>
             <a:r>
-              <a:rPr lang="en-US" sz="1400" dirty="0" smtClean="0"/>
+              <a:rPr lang="en-US" sz="1400" dirty="0" smtClean="0">
+                <a:ea typeface="Tahoma" pitchFamily="34" charset="0"/>
+                <a:cs typeface="Tahoma" pitchFamily="34" charset="0"/>
+              </a:rPr>
               <a:t>.</a:t>
             </a:r>
-            <a:endParaRPr lang="en-US" sz="1400" dirty="0"/>
+            <a:endParaRPr lang="en-US" sz="1400" dirty="0">
+              <a:ea typeface="Tahoma" pitchFamily="34" charset="0"/>
+              <a:cs typeface="Tahoma" pitchFamily="34" charset="0"/>
+            </a:endParaRPr>
           </a:p>
         </p:txBody>
       </p:sp>
@@ -27833,33 +26905,7 @@
                 <a:ea typeface="Tahoma" pitchFamily="34" charset="0"/>
                 <a:cs typeface="Tahoma" pitchFamily="34" charset="0"/>
               </a:rPr>
-              <a:t>Click on    </a:t>
-            </a:r>
-            <a:r>
-              <a:rPr lang="en-US" sz="1400" dirty="0" smtClean="0">
-                <a:solidFill>
-                  <a:schemeClr val="accent3">
-                    <a:lumMod val="50000"/>
-                  </a:schemeClr>
-                </a:solidFill>
-                <a:latin typeface="Tahoma" pitchFamily="34" charset="0"/>
-                <a:ea typeface="Tahoma" pitchFamily="34" charset="0"/>
-                <a:cs typeface="Tahoma" pitchFamily="34" charset="0"/>
-              </a:rPr>
-              <a:t>to </a:t>
-            </a:r>
-            <a:r>
-              <a:rPr lang="en-US" sz="1400" dirty="0" smtClean="0">
-                <a:solidFill>
-                  <a:schemeClr val="accent3">
-                    <a:lumMod val="50000"/>
-                  </a:schemeClr>
-                </a:solidFill>
-                <a:latin typeface="Tahoma" pitchFamily="34" charset="0"/>
-                <a:ea typeface="Tahoma" pitchFamily="34" charset="0"/>
-                <a:cs typeface="Tahoma" pitchFamily="34" charset="0"/>
-              </a:rPr>
-              <a:t>see guide for parts, which are in front of this sign.</a:t>
+              <a:t>Click on    to see guide for parts, which are in front of this sign.</a:t>
             </a:r>
             <a:endParaRPr lang="fa-IR" sz="1400" dirty="0" smtClean="0">
               <a:solidFill>
@@ -28752,11 +27798,15 @@
                 <a:solidFill>
                   <a:srgbClr val="0070C0"/>
                 </a:solidFill>
-                <a:cs typeface="B Titr" pitchFamily="2" charset="-78"/>
+                <a:latin typeface="Times New Roman" pitchFamily="18" charset="0"/>
+                <a:cs typeface="Times New Roman" pitchFamily="18" charset="0"/>
               </a:rPr>
               <a:t>Direct Call Window</a:t>
             </a:r>
-            <a:endParaRPr lang="en-US" sz="2800" b="1" dirty="0"/>
+            <a:endParaRPr lang="en-US" sz="2800" b="1" dirty="0">
+              <a:latin typeface="Times New Roman" pitchFamily="18" charset="0"/>
+              <a:cs typeface="Times New Roman" pitchFamily="18" charset="0"/>
+            </a:endParaRPr>
           </a:p>
         </p:txBody>
       </p:sp>
@@ -28799,7 +27849,7 @@
       </p:grpSpPr>
       <p:pic>
         <p:nvPicPr>
-          <p:cNvPr id="3" name="Picture 2"/>
+          <p:cNvPr id="45" name="Picture 44"/>
           <p:cNvPicPr>
             <a:picLocks noChangeAspect="1"/>
           </p:cNvPicPr>
@@ -28809,7 +27859,7 @@
           <a:blip r:embed="rId2">
             <a:extLst>
               <a:ext uri="{28A0092B-C50C-407E-A947-70E740481C1C}">
-                <a14:useLocalDpi xmlns:a14="http://schemas.microsoft.com/office/drawing/2010/main"/>
+                <a14:useLocalDpi xmlns:a14="http://schemas.microsoft.com/office/drawing/2010/main" val="0"/>
               </a:ext>
             </a:extLst>
           </a:blip>
@@ -28819,8 +27869,8 @@
         </p:blipFill>
         <p:spPr>
           <a:xfrm>
-            <a:off x="458974" y="963304"/>
-            <a:ext cx="2971556" cy="5676315"/>
+            <a:off x="5568896" y="849374"/>
+            <a:ext cx="3041703" cy="5868147"/>
           </a:xfrm>
           <a:prstGeom prst="rect">
             <a:avLst/>
@@ -28835,7 +27885,7 @@
         </p:nvSpPr>
         <p:spPr>
           <a:xfrm>
-            <a:off x="3684336" y="2971800"/>
+            <a:off x="8852360" y="2948866"/>
             <a:ext cx="312906" cy="369332"/>
           </a:xfrm>
           <a:prstGeom prst="rect">
@@ -28873,7 +27923,7 @@
         </p:nvSpPr>
         <p:spPr>
           <a:xfrm>
-            <a:off x="3671657" y="3264393"/>
+            <a:off x="8848288" y="3224150"/>
             <a:ext cx="312906" cy="369332"/>
           </a:xfrm>
           <a:prstGeom prst="rect">
@@ -28912,8 +27962,8 @@
         </p:nvCxnSpPr>
         <p:spPr>
           <a:xfrm flipH="1">
-            <a:off x="3204232" y="3156466"/>
-            <a:ext cx="480104" cy="0"/>
+            <a:off x="8375703" y="3133532"/>
+            <a:ext cx="476657" cy="0"/>
           </a:xfrm>
           <a:prstGeom prst="straightConnector1">
             <a:avLst/>
@@ -28947,7 +27997,7 @@
         </p:nvCxnSpPr>
         <p:spPr>
           <a:xfrm flipH="1">
-            <a:off x="3212927" y="3449059"/>
+            <a:off x="8389558" y="3408816"/>
             <a:ext cx="458730" cy="0"/>
           </a:xfrm>
           <a:prstGeom prst="straightConnector1">
@@ -28980,8 +28030,8 @@
         </p:nvSpPr>
         <p:spPr>
           <a:xfrm>
-            <a:off x="4283986" y="1248747"/>
-            <a:ext cx="4505029" cy="2031325"/>
+            <a:off x="457200" y="1066800"/>
+            <a:ext cx="4505029" cy="5262979"/>
           </a:xfrm>
           <a:prstGeom prst="rect">
             <a:avLst/>
@@ -28993,155 +28043,421 @@
           </a:bodyPr>
           <a:lstStyle/>
           <a:p>
-            <a:pPr algn="just" rtl="1"/>
+            <a:pPr algn="just"/>
             <a:r>
               <a:rPr lang="en-US" sz="1400" dirty="0" smtClean="0">
                 <a:solidFill>
                   <a:srgbClr val="FF0000"/>
                 </a:solidFill>
-              </a:rPr>
-              <a:t>1</a:t>
-            </a:r>
-            <a:r>
-              <a:rPr lang="fa-IR" sz="1400" dirty="0" smtClean="0">
-                <a:solidFill>
-                  <a:srgbClr val="FF0000"/>
-                </a:solidFill>
-              </a:rPr>
-              <a:t>-</a:t>
-            </a:r>
-            <a:r>
-              <a:rPr lang="fa-IR" sz="1400" dirty="0" smtClean="0">
-                <a:cs typeface="B Nazanin" pitchFamily="2" charset="-78"/>
-              </a:rPr>
-              <a:t> تاریخ تماسها</a:t>
-            </a:r>
-          </a:p>
-          <a:p>
-            <a:pPr algn="just" rtl="1"/>
-            <a:r>
-              <a:rPr lang="fa-IR" sz="1400" dirty="0" smtClean="0">
-                <a:solidFill>
-                  <a:srgbClr val="FF0000"/>
-                </a:solidFill>
+                <a:latin typeface="Tahoma" pitchFamily="34" charset="0"/>
+                <a:ea typeface="Tahoma" pitchFamily="34" charset="0"/>
+                <a:cs typeface="Tahoma" pitchFamily="34" charset="0"/>
+              </a:rPr>
+              <a:t>1- </a:t>
+            </a:r>
+            <a:r>
+              <a:rPr lang="en-US" sz="1400" dirty="0">
+                <a:latin typeface="Tahoma" pitchFamily="34" charset="0"/>
+                <a:ea typeface="Tahoma" pitchFamily="34" charset="0"/>
+                <a:cs typeface="Tahoma" pitchFamily="34" charset="0"/>
+              </a:rPr>
+              <a:t>Calls Date</a:t>
+            </a:r>
+            <a:endParaRPr lang="en-US" sz="1400" dirty="0" smtClean="0">
+              <a:latin typeface="Tahoma" pitchFamily="34" charset="0"/>
+              <a:ea typeface="Tahoma" pitchFamily="34" charset="0"/>
+              <a:cs typeface="Tahoma" pitchFamily="34" charset="0"/>
+            </a:endParaRPr>
+          </a:p>
+          <a:p>
+            <a:pPr algn="just"/>
+            <a:endParaRPr lang="fa-IR" sz="1400" dirty="0" smtClean="0">
+              <a:latin typeface="Tahoma" pitchFamily="34" charset="0"/>
+              <a:ea typeface="Tahoma" pitchFamily="34" charset="0"/>
+              <a:cs typeface="Tahoma" pitchFamily="34" charset="0"/>
+            </a:endParaRPr>
+          </a:p>
+          <a:p>
+            <a:pPr algn="just"/>
+            <a:r>
+              <a:rPr lang="en-US" sz="1400" dirty="0">
+                <a:solidFill>
+                  <a:srgbClr val="FF0000"/>
+                </a:solidFill>
+                <a:latin typeface="Tahoma" pitchFamily="34" charset="0"/>
+                <a:ea typeface="Tahoma" pitchFamily="34" charset="0"/>
+                <a:cs typeface="Tahoma" pitchFamily="34" charset="0"/>
               </a:rPr>
               <a:t>2- </a:t>
             </a:r>
             <a:r>
-              <a:rPr lang="fa-IR" sz="1400" dirty="0" smtClean="0">
-                <a:cs typeface="B Nazanin" pitchFamily="2" charset="-78"/>
-              </a:rPr>
-              <a:t>تماس دریافتی شما - برای اطلاع یافتن </a:t>
-            </a:r>
-            <a:r>
-              <a:rPr lang="fa-IR" sz="1400" dirty="0">
-                <a:cs typeface="B Nazanin" pitchFamily="2" charset="-78"/>
-              </a:rPr>
-              <a:t>از وضعیت فعلی این فرد (آنلاین یا آفلاین </a:t>
-            </a:r>
-            <a:r>
-              <a:rPr lang="fa-IR" sz="1400" dirty="0" smtClean="0">
-                <a:cs typeface="B Nazanin" pitchFamily="2" charset="-78"/>
-              </a:rPr>
-              <a:t>بودنش) و تماس با وی روی این سطرش کلیک کنید.</a:t>
-            </a:r>
+              <a:rPr lang="en-US" sz="1400" dirty="0">
+                <a:latin typeface="Tahoma" pitchFamily="34" charset="0"/>
+                <a:ea typeface="Tahoma" pitchFamily="34" charset="0"/>
+                <a:cs typeface="Tahoma" pitchFamily="34" charset="0"/>
+              </a:rPr>
+              <a:t>Received </a:t>
+            </a:r>
+            <a:r>
+              <a:rPr lang="en-US" sz="1400" dirty="0" smtClean="0">
+                <a:latin typeface="Tahoma" pitchFamily="34" charset="0"/>
+                <a:ea typeface="Tahoma" pitchFamily="34" charset="0"/>
+                <a:cs typeface="Tahoma" pitchFamily="34" charset="0"/>
+              </a:rPr>
+              <a:t>Message </a:t>
+            </a:r>
+            <a:r>
+              <a:rPr lang="en-US" sz="1400" dirty="0">
+                <a:latin typeface="Tahoma" pitchFamily="34" charset="0"/>
+                <a:ea typeface="Tahoma" pitchFamily="34" charset="0"/>
+                <a:cs typeface="Tahoma" pitchFamily="34" charset="0"/>
+              </a:rPr>
+              <a:t>- To know about this person current situation (ONLINE, OFFLINE </a:t>
+            </a:r>
+            <a:r>
+              <a:rPr lang="en-US" sz="1400" dirty="0" smtClean="0">
+                <a:latin typeface="Tahoma" pitchFamily="34" charset="0"/>
+                <a:ea typeface="Tahoma" pitchFamily="34" charset="0"/>
+                <a:cs typeface="Tahoma" pitchFamily="34" charset="0"/>
+              </a:rPr>
+              <a:t>and </a:t>
+            </a:r>
+            <a:r>
+              <a:rPr lang="en-US" sz="1400" dirty="0" err="1">
+                <a:latin typeface="Tahoma" pitchFamily="34" charset="0"/>
+                <a:ea typeface="Tahoma" pitchFamily="34" charset="0"/>
+                <a:cs typeface="Tahoma" pitchFamily="34" charset="0"/>
+              </a:rPr>
+              <a:t>etc</a:t>
+            </a:r>
+            <a:r>
+              <a:rPr lang="en-US" sz="1400" dirty="0">
+                <a:latin typeface="Tahoma" pitchFamily="34" charset="0"/>
+                <a:ea typeface="Tahoma" pitchFamily="34" charset="0"/>
+                <a:cs typeface="Tahoma" pitchFamily="34" charset="0"/>
+              </a:rPr>
+              <a:t> ) click on their row.</a:t>
+            </a:r>
+          </a:p>
+          <a:p>
+            <a:pPr algn="just"/>
+            <a:endParaRPr lang="en-US" sz="1400" dirty="0" smtClean="0">
+              <a:latin typeface="Tahoma" pitchFamily="34" charset="0"/>
+              <a:ea typeface="Tahoma" pitchFamily="34" charset="0"/>
+              <a:cs typeface="Tahoma" pitchFamily="34" charset="0"/>
+            </a:endParaRPr>
+          </a:p>
+          <a:p>
+            <a:pPr algn="just"/>
+            <a:r>
+              <a:rPr lang="en-US" sz="1400" dirty="0" smtClean="0">
+                <a:solidFill>
+                  <a:srgbClr val="FF0000"/>
+                </a:solidFill>
+                <a:latin typeface="Tahoma" pitchFamily="34" charset="0"/>
+                <a:ea typeface="Tahoma" pitchFamily="34" charset="0"/>
+                <a:cs typeface="Tahoma" pitchFamily="34" charset="0"/>
+              </a:rPr>
+              <a:t>3- </a:t>
+            </a:r>
+            <a:r>
+              <a:rPr lang="en-US" sz="1400" dirty="0" smtClean="0">
+                <a:latin typeface="Tahoma" pitchFamily="34" charset="0"/>
+                <a:ea typeface="Tahoma" pitchFamily="34" charset="0"/>
+                <a:cs typeface="Tahoma" pitchFamily="34" charset="0"/>
+              </a:rPr>
+              <a:t>Received Call - To know about this person current situation (ONLINE, OFFLINE </a:t>
+            </a:r>
+            <a:r>
+              <a:rPr lang="en-US" sz="1400" dirty="0" smtClean="0">
+                <a:latin typeface="Tahoma" pitchFamily="34" charset="0"/>
+                <a:ea typeface="Tahoma" pitchFamily="34" charset="0"/>
+                <a:cs typeface="Tahoma" pitchFamily="34" charset="0"/>
+              </a:rPr>
+              <a:t>and </a:t>
+            </a:r>
+            <a:r>
+              <a:rPr lang="en-US" sz="1400" dirty="0" err="1" smtClean="0">
+                <a:latin typeface="Tahoma" pitchFamily="34" charset="0"/>
+                <a:ea typeface="Tahoma" pitchFamily="34" charset="0"/>
+                <a:cs typeface="Tahoma" pitchFamily="34" charset="0"/>
+              </a:rPr>
+              <a:t>etc</a:t>
+            </a:r>
+            <a:r>
+              <a:rPr lang="en-US" sz="1400" dirty="0" smtClean="0">
+                <a:latin typeface="Tahoma" pitchFamily="34" charset="0"/>
+                <a:ea typeface="Tahoma" pitchFamily="34" charset="0"/>
+                <a:cs typeface="Tahoma" pitchFamily="34" charset="0"/>
+              </a:rPr>
+              <a:t> ) click on their row.</a:t>
+            </a:r>
+          </a:p>
+          <a:p>
+            <a:pPr algn="just"/>
+            <a:endParaRPr lang="en-US" sz="1400" dirty="0" smtClean="0">
+              <a:latin typeface="Tahoma" pitchFamily="34" charset="0"/>
+              <a:ea typeface="Tahoma" pitchFamily="34" charset="0"/>
+              <a:cs typeface="Tahoma" pitchFamily="34" charset="0"/>
+            </a:endParaRPr>
+          </a:p>
+          <a:p>
+            <a:pPr algn="just"/>
+            <a:r>
+              <a:rPr lang="en-US" sz="1400" dirty="0" smtClean="0">
+                <a:solidFill>
+                  <a:srgbClr val="FF0000"/>
+                </a:solidFill>
+                <a:latin typeface="Tahoma" pitchFamily="34" charset="0"/>
+                <a:ea typeface="Tahoma" pitchFamily="34" charset="0"/>
+                <a:cs typeface="Tahoma" pitchFamily="34" charset="0"/>
+              </a:rPr>
+              <a:t>4-</a:t>
+            </a:r>
+            <a:r>
+              <a:rPr lang="en-US" sz="1400" dirty="0" smtClean="0">
+                <a:latin typeface="Tahoma" pitchFamily="34" charset="0"/>
+                <a:ea typeface="Tahoma" pitchFamily="34" charset="0"/>
+                <a:cs typeface="Tahoma" pitchFamily="34" charset="0"/>
+              </a:rPr>
+              <a:t> Sent </a:t>
+            </a:r>
+            <a:r>
+              <a:rPr lang="en-US" sz="1400" dirty="0" smtClean="0">
+                <a:latin typeface="Tahoma" pitchFamily="34" charset="0"/>
+                <a:ea typeface="Tahoma" pitchFamily="34" charset="0"/>
+                <a:cs typeface="Tahoma" pitchFamily="34" charset="0"/>
+              </a:rPr>
+              <a:t>Call </a:t>
+            </a:r>
+            <a:r>
+              <a:rPr lang="en-US" sz="1400" dirty="0">
+                <a:latin typeface="Tahoma" pitchFamily="34" charset="0"/>
+                <a:ea typeface="Tahoma" pitchFamily="34" charset="0"/>
+                <a:cs typeface="Tahoma" pitchFamily="34" charset="0"/>
+              </a:rPr>
+              <a:t>- To know about this person current situation (ONLINE, OFFLINE </a:t>
+            </a:r>
+            <a:r>
+              <a:rPr lang="en-US" sz="1400" dirty="0" smtClean="0">
+                <a:latin typeface="Tahoma" pitchFamily="34" charset="0"/>
+                <a:ea typeface="Tahoma" pitchFamily="34" charset="0"/>
+                <a:cs typeface="Tahoma" pitchFamily="34" charset="0"/>
+              </a:rPr>
+              <a:t>and </a:t>
+            </a:r>
+            <a:r>
+              <a:rPr lang="en-US" sz="1400" dirty="0" err="1">
+                <a:latin typeface="Tahoma" pitchFamily="34" charset="0"/>
+                <a:ea typeface="Tahoma" pitchFamily="34" charset="0"/>
+                <a:cs typeface="Tahoma" pitchFamily="34" charset="0"/>
+              </a:rPr>
+              <a:t>etc</a:t>
+            </a:r>
+            <a:r>
+              <a:rPr lang="en-US" sz="1400" dirty="0">
+                <a:latin typeface="Tahoma" pitchFamily="34" charset="0"/>
+                <a:ea typeface="Tahoma" pitchFamily="34" charset="0"/>
+                <a:cs typeface="Tahoma" pitchFamily="34" charset="0"/>
+              </a:rPr>
+              <a:t> ) click on their row</a:t>
+            </a:r>
+            <a:r>
+              <a:rPr lang="en-US" sz="1400" dirty="0" smtClean="0">
+                <a:latin typeface="Tahoma" pitchFamily="34" charset="0"/>
+                <a:ea typeface="Tahoma" pitchFamily="34" charset="0"/>
+                <a:cs typeface="Tahoma" pitchFamily="34" charset="0"/>
+              </a:rPr>
+              <a:t>.</a:t>
+            </a:r>
+          </a:p>
+          <a:p>
+            <a:pPr algn="just"/>
+            <a:endParaRPr lang="en-US" sz="1400" dirty="0">
+              <a:latin typeface="Tahoma" pitchFamily="34" charset="0"/>
+              <a:ea typeface="Tahoma" pitchFamily="34" charset="0"/>
+              <a:cs typeface="Tahoma" pitchFamily="34" charset="0"/>
+            </a:endParaRPr>
+          </a:p>
+          <a:p>
+            <a:pPr algn="just"/>
+            <a:r>
+              <a:rPr lang="en-US" sz="1400" dirty="0" smtClean="0">
+                <a:solidFill>
+                  <a:srgbClr val="FF0000"/>
+                </a:solidFill>
+                <a:latin typeface="Tahoma" pitchFamily="34" charset="0"/>
+                <a:ea typeface="Tahoma" pitchFamily="34" charset="0"/>
+                <a:cs typeface="Tahoma" pitchFamily="34" charset="0"/>
+              </a:rPr>
+              <a:t>5- </a:t>
+            </a:r>
+            <a:r>
+              <a:rPr lang="en-US" sz="1400" dirty="0" smtClean="0">
+                <a:latin typeface="Tahoma" pitchFamily="34" charset="0"/>
+                <a:ea typeface="Tahoma" pitchFamily="34" charset="0"/>
+                <a:cs typeface="Tahoma" pitchFamily="34" charset="0"/>
+              </a:rPr>
+              <a:t>Missed </a:t>
+            </a:r>
+            <a:r>
+              <a:rPr lang="en-US" sz="1400" dirty="0" smtClean="0">
+                <a:latin typeface="Tahoma" pitchFamily="34" charset="0"/>
+                <a:ea typeface="Tahoma" pitchFamily="34" charset="0"/>
+                <a:cs typeface="Tahoma" pitchFamily="34" charset="0"/>
+              </a:rPr>
+              <a:t>call </a:t>
+            </a:r>
+            <a:r>
+              <a:rPr lang="en-US" sz="1400" dirty="0">
+                <a:latin typeface="Tahoma" pitchFamily="34" charset="0"/>
+                <a:ea typeface="Tahoma" pitchFamily="34" charset="0"/>
+                <a:cs typeface="Tahoma" pitchFamily="34" charset="0"/>
+              </a:rPr>
+              <a:t>- To know about this person current situation (ONLINE, OFFLINE </a:t>
+            </a:r>
+            <a:r>
+              <a:rPr lang="en-US" sz="1400" dirty="0" smtClean="0">
+                <a:latin typeface="Tahoma" pitchFamily="34" charset="0"/>
+                <a:ea typeface="Tahoma" pitchFamily="34" charset="0"/>
+                <a:cs typeface="Tahoma" pitchFamily="34" charset="0"/>
+              </a:rPr>
+              <a:t>and </a:t>
+            </a:r>
+            <a:r>
+              <a:rPr lang="en-US" sz="1400" dirty="0" err="1">
+                <a:latin typeface="Tahoma" pitchFamily="34" charset="0"/>
+                <a:ea typeface="Tahoma" pitchFamily="34" charset="0"/>
+                <a:cs typeface="Tahoma" pitchFamily="34" charset="0"/>
+              </a:rPr>
+              <a:t>etc</a:t>
+            </a:r>
+            <a:r>
+              <a:rPr lang="en-US" sz="1400" dirty="0">
+                <a:latin typeface="Tahoma" pitchFamily="34" charset="0"/>
+                <a:ea typeface="Tahoma" pitchFamily="34" charset="0"/>
+                <a:cs typeface="Tahoma" pitchFamily="34" charset="0"/>
+              </a:rPr>
+              <a:t> ) click on their row</a:t>
+            </a:r>
+            <a:r>
+              <a:rPr lang="en-US" sz="1400" dirty="0" smtClean="0">
+                <a:latin typeface="Tahoma" pitchFamily="34" charset="0"/>
+                <a:ea typeface="Tahoma" pitchFamily="34" charset="0"/>
+                <a:cs typeface="Tahoma" pitchFamily="34" charset="0"/>
+              </a:rPr>
+              <a:t>.</a:t>
+            </a:r>
+          </a:p>
+          <a:p>
+            <a:pPr algn="just"/>
+            <a:endParaRPr lang="en-US" sz="1400" dirty="0" smtClean="0">
+              <a:latin typeface="Tahoma" pitchFamily="34" charset="0"/>
+              <a:ea typeface="Tahoma" pitchFamily="34" charset="0"/>
+              <a:cs typeface="Tahoma" pitchFamily="34" charset="0"/>
+            </a:endParaRPr>
+          </a:p>
+          <a:p>
+            <a:pPr algn="just"/>
+            <a:r>
+              <a:rPr lang="en-US" sz="1400" dirty="0" smtClean="0">
+                <a:solidFill>
+                  <a:srgbClr val="FF0000"/>
+                </a:solidFill>
+                <a:latin typeface="Tahoma" pitchFamily="34" charset="0"/>
+                <a:ea typeface="Tahoma" pitchFamily="34" charset="0"/>
+                <a:cs typeface="Tahoma" pitchFamily="34" charset="0"/>
+              </a:rPr>
+              <a:t>6- </a:t>
+            </a:r>
+            <a:r>
+              <a:rPr lang="en-US" sz="1400" dirty="0" smtClean="0">
+                <a:latin typeface="Tahoma" pitchFamily="34" charset="0"/>
+                <a:ea typeface="Tahoma" pitchFamily="34" charset="0"/>
+                <a:cs typeface="Tahoma" pitchFamily="34" charset="0"/>
+              </a:rPr>
+              <a:t>To see Calls of Yesterday, recent week or month click here</a:t>
+            </a:r>
+            <a:r>
+              <a:rPr lang="en-US" sz="1400" dirty="0" smtClean="0">
+                <a:latin typeface="Tahoma" pitchFamily="34" charset="0"/>
+                <a:ea typeface="Tahoma" pitchFamily="34" charset="0"/>
+                <a:cs typeface="Tahoma" pitchFamily="34" charset="0"/>
+              </a:rPr>
+              <a:t>.</a:t>
+            </a:r>
+          </a:p>
+          <a:p>
+            <a:pPr algn="just"/>
+            <a:endParaRPr lang="en-US" sz="1400" dirty="0">
+              <a:latin typeface="Tahoma" pitchFamily="34" charset="0"/>
+              <a:ea typeface="Tahoma" pitchFamily="34" charset="0"/>
+              <a:cs typeface="Tahoma" pitchFamily="34" charset="0"/>
+            </a:endParaRPr>
+          </a:p>
+          <a:p>
+            <a:pPr algn="just"/>
+            <a:r>
+              <a:rPr lang="en-US" sz="1400" dirty="0" smtClean="0">
+                <a:solidFill>
+                  <a:srgbClr val="FF0000"/>
+                </a:solidFill>
+                <a:latin typeface="Tahoma" pitchFamily="34" charset="0"/>
+                <a:ea typeface="Tahoma" pitchFamily="34" charset="0"/>
+                <a:cs typeface="Tahoma" pitchFamily="34" charset="0"/>
+              </a:rPr>
+              <a:t>7- </a:t>
+            </a:r>
+            <a:r>
+              <a:rPr lang="en-US" sz="1400" dirty="0" smtClean="0">
+                <a:latin typeface="Tahoma" pitchFamily="34" charset="0"/>
+                <a:ea typeface="Tahoma" pitchFamily="34" charset="0"/>
+                <a:cs typeface="Tahoma" pitchFamily="34" charset="0"/>
+              </a:rPr>
+              <a:t>Time of Call</a:t>
+            </a:r>
+            <a:endParaRPr lang="en-US" sz="1400" dirty="0">
+              <a:latin typeface="Tahoma" pitchFamily="34" charset="0"/>
+              <a:ea typeface="Tahoma" pitchFamily="34" charset="0"/>
+              <a:cs typeface="Tahoma" pitchFamily="34" charset="0"/>
+            </a:endParaRPr>
+          </a:p>
+          <a:p>
+            <a:pPr algn="just"/>
             <a:endParaRPr lang="en-US" sz="1400" dirty="0" smtClean="0">
               <a:solidFill>
                 <a:srgbClr val="FF0000"/>
               </a:solidFill>
+              <a:latin typeface="Tahoma" pitchFamily="34" charset="0"/>
+              <a:ea typeface="Tahoma" pitchFamily="34" charset="0"/>
+              <a:cs typeface="Tahoma" pitchFamily="34" charset="0"/>
             </a:endParaRPr>
           </a:p>
           <a:p>
-            <a:pPr algn="just" rtl="1"/>
-            <a:r>
-              <a:rPr lang="fa-IR" sz="1400" dirty="0" smtClean="0">
-                <a:solidFill>
-                  <a:srgbClr val="FF0000"/>
-                </a:solidFill>
-              </a:rPr>
-              <a:t>3-</a:t>
-            </a:r>
-            <a:r>
-              <a:rPr lang="fa-IR" sz="1400" dirty="0" smtClean="0">
-                <a:solidFill>
-                  <a:srgbClr val="FF0000"/>
-                </a:solidFill>
-                <a:cs typeface="B Nazanin" pitchFamily="2" charset="-78"/>
-              </a:rPr>
-              <a:t> </a:t>
-            </a:r>
-            <a:r>
-              <a:rPr lang="fa-IR" sz="1400" dirty="0" smtClean="0">
-                <a:cs typeface="B Nazanin" pitchFamily="2" charset="-78"/>
-              </a:rPr>
-              <a:t>تماس دریافتی از دست رفته شما (تماسی که به آن پاسخ نداده </a:t>
-            </a:r>
-            <a:r>
-              <a:rPr lang="fa-IR" sz="1400" dirty="0">
-                <a:cs typeface="B Nazanin" pitchFamily="2" charset="-78"/>
-              </a:rPr>
-              <a:t>اید.) - برای اطلاع یافتن از وضعیت فعلی این فرد (آنلاین یا آفلاین بودنش) و تماس با وی روی این سطرش کلیک کنید</a:t>
-            </a:r>
-            <a:r>
-              <a:rPr lang="fa-IR" sz="1400" dirty="0" smtClean="0">
-                <a:cs typeface="B Nazanin" pitchFamily="2" charset="-78"/>
-              </a:rPr>
-              <a:t>.</a:t>
-            </a:r>
-          </a:p>
-          <a:p>
-            <a:pPr algn="just" rtl="1"/>
-            <a:r>
-              <a:rPr lang="fa-IR" sz="1400" dirty="0" smtClean="0">
-                <a:solidFill>
-                  <a:srgbClr val="FF0000"/>
-                </a:solidFill>
-              </a:rPr>
-              <a:t>4- </a:t>
-            </a:r>
-            <a:r>
-              <a:rPr lang="fa-IR" sz="1400" dirty="0" smtClean="0">
-                <a:cs typeface="B Nazanin" pitchFamily="2" charset="-78"/>
-              </a:rPr>
-              <a:t>تماس ارسالی شما (موفق یا ناموفق)</a:t>
-            </a:r>
-            <a:r>
-              <a:rPr lang="fa-IR" sz="1400" dirty="0">
-                <a:cs typeface="B Nazanin" pitchFamily="2" charset="-78"/>
-              </a:rPr>
-              <a:t> - برای اطلاع یافتن از وضعیت فعلی این فرد (آنلاین یا آفلاین بودنش) و تماس با وی روی این سطرش کلیک کنید</a:t>
-            </a:r>
-            <a:r>
-              <a:rPr lang="fa-IR" sz="1400" dirty="0" smtClean="0">
-                <a:cs typeface="B Nazanin" pitchFamily="2" charset="-78"/>
-              </a:rPr>
-              <a:t>.</a:t>
-            </a:r>
-            <a:endParaRPr lang="fa-IR" sz="1400" dirty="0">
-              <a:solidFill>
-                <a:srgbClr val="FF0000"/>
-              </a:solidFill>
-              <a:cs typeface="B Nazanin" pitchFamily="2" charset="-78"/>
-            </a:endParaRPr>
-          </a:p>
-          <a:p>
-            <a:pPr algn="just" rtl="1"/>
-            <a:r>
-              <a:rPr lang="fa-IR" sz="1400" dirty="0">
-                <a:solidFill>
-                  <a:srgbClr val="FF0000"/>
-                </a:solidFill>
-              </a:rPr>
-              <a:t>5- </a:t>
-            </a:r>
-            <a:r>
-              <a:rPr lang="fa-IR" sz="1400" dirty="0" smtClean="0">
-                <a:cs typeface="B Nazanin" pitchFamily="2" charset="-78"/>
-              </a:rPr>
-              <a:t>برای مشاهده تماسهای دیروز، هفته یا ماه اخیر اینجا کلیک کنید.</a:t>
-            </a:r>
-            <a:endParaRPr lang="fa-IR" sz="1400" dirty="0">
-              <a:cs typeface="B Nazanin" pitchFamily="2" charset="-78"/>
+            <a:pPr algn="just"/>
+            <a:r>
+              <a:rPr lang="en-US" sz="1400" dirty="0" smtClean="0">
+                <a:solidFill>
+                  <a:srgbClr val="FF0000"/>
+                </a:solidFill>
+                <a:latin typeface="Tahoma" pitchFamily="34" charset="0"/>
+                <a:ea typeface="Tahoma" pitchFamily="34" charset="0"/>
+                <a:cs typeface="Tahoma" pitchFamily="34" charset="0"/>
+              </a:rPr>
+              <a:t>8- </a:t>
+            </a:r>
+            <a:r>
+              <a:rPr lang="en-US" sz="1400" dirty="0" smtClean="0">
+                <a:latin typeface="Tahoma" pitchFamily="34" charset="0"/>
+                <a:ea typeface="Tahoma" pitchFamily="34" charset="0"/>
+                <a:cs typeface="Tahoma" pitchFamily="34" charset="0"/>
+              </a:rPr>
+              <a:t>Number of Massages</a:t>
+            </a:r>
+            <a:endParaRPr lang="en-US" sz="1400" dirty="0">
+              <a:latin typeface="Tahoma" pitchFamily="34" charset="0"/>
+              <a:ea typeface="Tahoma" pitchFamily="34" charset="0"/>
+              <a:cs typeface="Tahoma" pitchFamily="34" charset="0"/>
             </a:endParaRPr>
           </a:p>
         </p:txBody>
@@ -29154,7 +28470,7 @@
         </p:nvSpPr>
         <p:spPr>
           <a:xfrm>
-            <a:off x="3657600" y="4336268"/>
+            <a:off x="8834231" y="4038600"/>
             <a:ext cx="312906" cy="369332"/>
           </a:xfrm>
           <a:prstGeom prst="rect">
@@ -29173,7 +28489,7 @@
                   <a:srgbClr val="FF0000"/>
                 </a:solidFill>
               </a:rPr>
-              <a:t>5</a:t>
+              <a:t>6</a:t>
             </a:r>
             <a:endParaRPr lang="en-US" dirty="0"/>
           </a:p>
@@ -29189,7 +28505,7 @@
         </p:nvCxnSpPr>
         <p:spPr>
           <a:xfrm flipH="1">
-            <a:off x="2850971" y="4520934"/>
+            <a:off x="8027602" y="4223266"/>
             <a:ext cx="806629" cy="0"/>
           </a:xfrm>
           <a:prstGeom prst="straightConnector1">
@@ -29222,7 +28538,7 @@
         </p:nvSpPr>
         <p:spPr>
           <a:xfrm>
-            <a:off x="3675655" y="3519055"/>
+            <a:off x="8852286" y="3508787"/>
             <a:ext cx="321587" cy="369332"/>
           </a:xfrm>
           <a:prstGeom prst="rect">
@@ -29262,7 +28578,7 @@
         </p:nvCxnSpPr>
         <p:spPr>
           <a:xfrm flipH="1">
-            <a:off x="3199072" y="3703721"/>
+            <a:off x="8375703" y="3693453"/>
             <a:ext cx="476583" cy="0"/>
           </a:xfrm>
           <a:prstGeom prst="straightConnector1">
@@ -29295,7 +28611,7 @@
         </p:nvSpPr>
         <p:spPr>
           <a:xfrm>
-            <a:off x="3684746" y="2759424"/>
+            <a:off x="8848974" y="2705694"/>
             <a:ext cx="358823" cy="369332"/>
           </a:xfrm>
           <a:prstGeom prst="rect">
@@ -29335,8 +28651,8 @@
         </p:nvCxnSpPr>
         <p:spPr>
           <a:xfrm flipH="1">
-            <a:off x="3199072" y="2944090"/>
-            <a:ext cx="485674" cy="0"/>
+            <a:off x="8375703" y="2890360"/>
+            <a:ext cx="473271" cy="0"/>
           </a:xfrm>
           <a:prstGeom prst="straightConnector1">
             <a:avLst/>
@@ -29383,41 +28699,89 @@
           <a:lstStyle/>
           <a:p>
             <a:r>
-              <a:rPr lang="fa-IR" sz="2800" dirty="0">
+              <a:rPr lang="en-US" sz="2800" b="1" dirty="0" smtClean="0">
                 <a:solidFill>
                   <a:srgbClr val="0070C0"/>
                 </a:solidFill>
-                <a:cs typeface="B Titr" pitchFamily="2" charset="-78"/>
-              </a:rPr>
-              <a:t>راهنمای </a:t>
-            </a:r>
-            <a:r>
-              <a:rPr lang="fa-IR" sz="2800" dirty="0" smtClean="0">
+                <a:latin typeface="Times New Roman" pitchFamily="18" charset="0"/>
+                <a:cs typeface="Times New Roman" pitchFamily="18" charset="0"/>
+              </a:rPr>
+              <a:t>Recent </a:t>
+            </a:r>
+            <a:r>
+              <a:rPr lang="en-US" sz="2800" b="1" dirty="0" smtClean="0">
                 <a:solidFill>
                   <a:srgbClr val="0070C0"/>
                 </a:solidFill>
-                <a:cs typeface="B Titr" pitchFamily="2" charset="-78"/>
-              </a:rPr>
-              <a:t>سربرگ تماسهای اخیر</a:t>
-            </a:r>
-            <a:endParaRPr lang="en-US" sz="2800" dirty="0"/>
-          </a:p>
-        </p:txBody>
-      </p:sp>
-      <p:sp>
-        <p:nvSpPr>
-          <p:cNvPr id="21" name="Right Brace 20"/>
-          <p:cNvSpPr/>
-          <p:nvPr/>
-        </p:nvSpPr>
-        <p:spPr>
-          <a:xfrm>
-            <a:off x="3375398" y="1044656"/>
-            <a:ext cx="152400" cy="1178809"/>
-          </a:xfrm>
-          <a:prstGeom prst="rightBrace">
-            <a:avLst/>
-          </a:prstGeom>
+                <a:latin typeface="Times New Roman" pitchFamily="18" charset="0"/>
+                <a:cs typeface="Times New Roman" pitchFamily="18" charset="0"/>
+              </a:rPr>
+              <a:t>Calls Tab</a:t>
+            </a:r>
+            <a:endParaRPr lang="en-US" sz="2800" b="1" dirty="0">
+              <a:latin typeface="Times New Roman" pitchFamily="18" charset="0"/>
+              <a:cs typeface="Times New Roman" pitchFamily="18" charset="0"/>
+            </a:endParaRPr>
+          </a:p>
+        </p:txBody>
+      </p:sp>
+      <p:sp>
+        <p:nvSpPr>
+          <p:cNvPr id="17" name="TextBox 16"/>
+          <p:cNvSpPr txBox="1"/>
+          <p:nvPr/>
+        </p:nvSpPr>
+        <p:spPr>
+          <a:xfrm>
+            <a:off x="5858248" y="4484432"/>
+            <a:ext cx="312906" cy="369332"/>
+          </a:xfrm>
+          <a:prstGeom prst="rect">
+            <a:avLst/>
+          </a:prstGeom>
+          <a:noFill/>
+        </p:spPr>
+        <p:txBody>
+          <a:bodyPr wrap="none" rtlCol="0">
+            <a:spAutoFit/>
+          </a:bodyPr>
+          <a:lstStyle/>
+          <a:p>
+            <a:r>
+              <a:rPr lang="fa-IR" dirty="0" smtClean="0">
+                <a:solidFill>
+                  <a:srgbClr val="FF0000"/>
+                </a:solidFill>
+              </a:rPr>
+              <a:t>7</a:t>
+            </a:r>
+            <a:endParaRPr lang="en-US" dirty="0">
+              <a:solidFill>
+                <a:srgbClr val="FF0000"/>
+              </a:solidFill>
+            </a:endParaRPr>
+          </a:p>
+        </p:txBody>
+      </p:sp>
+      <p:cxnSp>
+        <p:nvCxnSpPr>
+          <p:cNvPr id="18" name="Straight Arrow Connector 17"/>
+          <p:cNvCxnSpPr>
+            <a:stCxn id="17" idx="0"/>
+          </p:cNvCxnSpPr>
+          <p:nvPr/>
+        </p:nvCxnSpPr>
+        <p:spPr>
+          <a:xfrm flipV="1">
+            <a:off x="6014701" y="4051002"/>
+            <a:ext cx="0" cy="433430"/>
+          </a:xfrm>
+          <a:prstGeom prst="straightConnector1">
+            <a:avLst/>
+          </a:prstGeom>
+          <a:ln>
+            <a:tailEnd type="arrow"/>
+          </a:ln>
         </p:spPr>
         <p:style>
           <a:lnRef idx="1">
@@ -29433,29 +28797,64 @@
             <a:schemeClr val="tx1"/>
           </a:fontRef>
         </p:style>
-        <p:txBody>
-          <a:bodyPr rtlCol="0" anchor="ctr"/>
-          <a:lstStyle/>
-          <a:p>
-            <a:pPr algn="ctr"/>
-            <a:endParaRPr lang="en-US"/>
-          </a:p>
-        </p:txBody>
-      </p:sp>
-      <p:sp>
-        <p:nvSpPr>
-          <p:cNvPr id="22" name="Right Brace 21"/>
-          <p:cNvSpPr/>
-          <p:nvPr/>
-        </p:nvSpPr>
-        <p:spPr>
-          <a:xfrm>
-            <a:off x="3357750" y="6031675"/>
-            <a:ext cx="134222" cy="445363"/>
-          </a:xfrm>
-          <a:prstGeom prst="rightBrace">
-            <a:avLst/>
-          </a:prstGeom>
+      </p:cxnSp>
+      <p:sp>
+        <p:nvSpPr>
+          <p:cNvPr id="22" name="TextBox 21"/>
+          <p:cNvSpPr txBox="1"/>
+          <p:nvPr/>
+        </p:nvSpPr>
+        <p:spPr>
+          <a:xfrm>
+            <a:off x="6151126" y="4473799"/>
+            <a:ext cx="312906" cy="369332"/>
+          </a:xfrm>
+          <a:prstGeom prst="rect">
+            <a:avLst/>
+          </a:prstGeom>
+          <a:noFill/>
+        </p:spPr>
+        <p:txBody>
+          <a:bodyPr wrap="none" rtlCol="0">
+            <a:spAutoFit/>
+          </a:bodyPr>
+          <a:lstStyle/>
+          <a:p>
+            <a:r>
+              <a:rPr lang="fa-IR" dirty="0" smtClean="0">
+                <a:solidFill>
+                  <a:srgbClr val="FF0000"/>
+                </a:solidFill>
+              </a:rPr>
+              <a:t>8</a:t>
+            </a:r>
+            <a:endParaRPr lang="en-US" dirty="0">
+              <a:solidFill>
+                <a:srgbClr val="FF0000"/>
+              </a:solidFill>
+            </a:endParaRPr>
+          </a:p>
+        </p:txBody>
+      </p:sp>
+      <p:cxnSp>
+        <p:nvCxnSpPr>
+          <p:cNvPr id="23" name="Straight Arrow Connector 22"/>
+          <p:cNvCxnSpPr>
+            <a:stCxn id="22" idx="0"/>
+          </p:cNvCxnSpPr>
+          <p:nvPr/>
+        </p:nvCxnSpPr>
+        <p:spPr>
+          <a:xfrm flipV="1">
+            <a:off x="6307579" y="3217258"/>
+            <a:ext cx="0" cy="1256541"/>
+          </a:xfrm>
+          <a:prstGeom prst="straightConnector1">
+            <a:avLst/>
+          </a:prstGeom>
+          <a:ln>
+            <a:tailEnd type="arrow"/>
+          </a:ln>
         </p:spPr>
         <p:style>
           <a:lnRef idx="1">
@@ -29471,29 +28870,64 @@
             <a:schemeClr val="tx1"/>
           </a:fontRef>
         </p:style>
-        <p:txBody>
-          <a:bodyPr rtlCol="0" anchor="ctr"/>
-          <a:lstStyle/>
-          <a:p>
-            <a:pPr algn="ctr"/>
-            <a:endParaRPr lang="en-US"/>
-          </a:p>
-        </p:txBody>
-      </p:sp>
-      <p:sp>
-        <p:nvSpPr>
-          <p:cNvPr id="24" name="Right Brace 23"/>
-          <p:cNvSpPr/>
-          <p:nvPr/>
-        </p:nvSpPr>
-        <p:spPr>
-          <a:xfrm>
-            <a:off x="3352800" y="2449287"/>
-            <a:ext cx="134222" cy="375063"/>
-          </a:xfrm>
-          <a:prstGeom prst="rightBrace">
-            <a:avLst/>
-          </a:prstGeom>
+      </p:cxnSp>
+      <p:sp>
+        <p:nvSpPr>
+          <p:cNvPr id="41" name="TextBox 40"/>
+          <p:cNvSpPr txBox="1"/>
+          <p:nvPr/>
+        </p:nvSpPr>
+        <p:spPr>
+          <a:xfrm>
+            <a:off x="8858583" y="3777367"/>
+            <a:ext cx="321587" cy="369332"/>
+          </a:xfrm>
+          <a:prstGeom prst="rect">
+            <a:avLst/>
+          </a:prstGeom>
+          <a:noFill/>
+        </p:spPr>
+        <p:txBody>
+          <a:bodyPr wrap="square" rtlCol="0">
+            <a:spAutoFit/>
+          </a:bodyPr>
+          <a:lstStyle/>
+          <a:p>
+            <a:r>
+              <a:rPr lang="fa-IR" dirty="0" smtClean="0">
+                <a:solidFill>
+                  <a:srgbClr val="FF0000"/>
+                </a:solidFill>
+              </a:rPr>
+              <a:t>5</a:t>
+            </a:r>
+            <a:endParaRPr lang="en-US" dirty="0">
+              <a:solidFill>
+                <a:srgbClr val="FF0000"/>
+              </a:solidFill>
+            </a:endParaRPr>
+          </a:p>
+        </p:txBody>
+      </p:sp>
+      <p:cxnSp>
+        <p:nvCxnSpPr>
+          <p:cNvPr id="42" name="Straight Arrow Connector 41"/>
+          <p:cNvCxnSpPr>
+            <a:stCxn id="41" idx="1"/>
+          </p:cNvCxnSpPr>
+          <p:nvPr/>
+        </p:nvCxnSpPr>
+        <p:spPr>
+          <a:xfrm flipH="1">
+            <a:off x="8382000" y="3962033"/>
+            <a:ext cx="476583" cy="0"/>
+          </a:xfrm>
+          <a:prstGeom prst="straightConnector1">
+            <a:avLst/>
+          </a:prstGeom>
+          <a:ln>
+            <a:tailEnd type="arrow"/>
+          </a:ln>
         </p:spPr>
         <p:style>
           <a:lnRef idx="1">
@@ -29509,204 +28943,7 @@
             <a:schemeClr val="tx1"/>
           </a:fontRef>
         </p:style>
-        <p:txBody>
-          <a:bodyPr rtlCol="0" anchor="ctr"/>
-          <a:lstStyle/>
-          <a:p>
-            <a:pPr algn="ctr"/>
-            <a:endParaRPr lang="en-US"/>
-          </a:p>
-        </p:txBody>
-      </p:sp>
-      <p:pic>
-        <p:nvPicPr>
-          <p:cNvPr id="27" name="Picture 2" descr="\\172.16.4.177\temp\Shooka\Hashemian\Guide Numbering-01-01-01-01.png"/>
-          <p:cNvPicPr>
-            <a:picLocks noChangeAspect="1" noChangeArrowheads="1"/>
-          </p:cNvPicPr>
-          <p:nvPr/>
-        </p:nvPicPr>
-        <p:blipFill>
-          <a:blip r:embed="rId3">
-            <a:extLst>
-              <a:ext uri="{28A0092B-C50C-407E-A947-70E740481C1C}">
-                <a14:useLocalDpi xmlns:a14="http://schemas.microsoft.com/office/drawing/2010/main"/>
-              </a:ext>
-            </a:extLst>
-          </a:blip>
-          <a:srcRect/>
-          <a:stretch>
-            <a:fillRect/>
-          </a:stretch>
-        </p:blipFill>
-        <p:spPr bwMode="auto">
-          <a:xfrm>
-            <a:off x="3533900" y="1518935"/>
-            <a:ext cx="254000" cy="254000"/>
-          </a:xfrm>
-          <a:prstGeom prst="rect">
-            <a:avLst/>
-          </a:prstGeom>
-          <a:noFill/>
-          <a:extLst>
-            <a:ext uri="{909E8E84-426E-40DD-AFC4-6F175D3DCCD1}">
-              <a14:hiddenFill xmlns:a14="http://schemas.microsoft.com/office/drawing/2010/main">
-                <a:solidFill>
-                  <a:srgbClr val="FFFFFF"/>
-                </a:solidFill>
-              </a14:hiddenFill>
-            </a:ext>
-          </a:extLst>
-        </p:spPr>
-      </p:pic>
-      <p:pic>
-        <p:nvPicPr>
-          <p:cNvPr id="28" name="Picture 2" descr="\\172.16.4.177\temp\Shooka\Hashemian\Guide Numbering-01-01-01-01.png"/>
-          <p:cNvPicPr>
-            <a:picLocks noChangeAspect="1" noChangeArrowheads="1"/>
-          </p:cNvPicPr>
-          <p:nvPr/>
-        </p:nvPicPr>
-        <p:blipFill>
-          <a:blip r:embed="rId3">
-            <a:extLst>
-              <a:ext uri="{28A0092B-C50C-407E-A947-70E740481C1C}">
-                <a14:useLocalDpi xmlns:a14="http://schemas.microsoft.com/office/drawing/2010/main"/>
-              </a:ext>
-            </a:extLst>
-          </a:blip>
-          <a:srcRect/>
-          <a:stretch>
-            <a:fillRect/>
-          </a:stretch>
-        </p:blipFill>
-        <p:spPr bwMode="auto">
-          <a:xfrm>
-            <a:off x="3508500" y="2512950"/>
-            <a:ext cx="254000" cy="254000"/>
-          </a:xfrm>
-          <a:prstGeom prst="rect">
-            <a:avLst/>
-          </a:prstGeom>
-          <a:noFill/>
-          <a:extLst>
-            <a:ext uri="{909E8E84-426E-40DD-AFC4-6F175D3DCCD1}">
-              <a14:hiddenFill xmlns:a14="http://schemas.microsoft.com/office/drawing/2010/main">
-                <a:solidFill>
-                  <a:srgbClr val="FFFFFF"/>
-                </a:solidFill>
-              </a14:hiddenFill>
-            </a:ext>
-          </a:extLst>
-        </p:spPr>
-      </p:pic>
-      <p:pic>
-        <p:nvPicPr>
-          <p:cNvPr id="29" name="Picture 2" descr="\\172.16.4.177\temp\Shooka\Hashemian\Guide Numbering-01-01-01-01.png"/>
-          <p:cNvPicPr>
-            <a:picLocks noChangeAspect="1" noChangeArrowheads="1"/>
-          </p:cNvPicPr>
-          <p:nvPr/>
-        </p:nvPicPr>
-        <p:blipFill>
-          <a:blip r:embed="rId3">
-            <a:extLst>
-              <a:ext uri="{28A0092B-C50C-407E-A947-70E740481C1C}">
-                <a14:useLocalDpi xmlns:a14="http://schemas.microsoft.com/office/drawing/2010/main"/>
-              </a:ext>
-            </a:extLst>
-          </a:blip>
-          <a:srcRect/>
-          <a:stretch>
-            <a:fillRect/>
-          </a:stretch>
-        </p:blipFill>
-        <p:spPr bwMode="auto">
-          <a:xfrm>
-            <a:off x="3493325" y="6123050"/>
-            <a:ext cx="254000" cy="254000"/>
-          </a:xfrm>
-          <a:prstGeom prst="rect">
-            <a:avLst/>
-          </a:prstGeom>
-          <a:noFill/>
-          <a:extLst>
-            <a:ext uri="{909E8E84-426E-40DD-AFC4-6F175D3DCCD1}">
-              <a14:hiddenFill xmlns:a14="http://schemas.microsoft.com/office/drawing/2010/main">
-                <a:solidFill>
-                  <a:srgbClr val="FFFFFF"/>
-                </a:solidFill>
-              </a14:hiddenFill>
-            </a:ext>
-          </a:extLst>
-        </p:spPr>
-      </p:pic>
-      <p:sp>
-        <p:nvSpPr>
-          <p:cNvPr id="26" name="Rectangle 25"/>
-          <p:cNvSpPr/>
-          <p:nvPr/>
-        </p:nvSpPr>
-        <p:spPr>
-          <a:xfrm>
-            <a:off x="3596951" y="6338448"/>
-            <a:ext cx="5225424" cy="307777"/>
-          </a:xfrm>
-          <a:prstGeom prst="rect">
-            <a:avLst/>
-          </a:prstGeom>
-        </p:spPr>
-        <p:txBody>
-          <a:bodyPr wrap="square">
-            <a:spAutoFit/>
-          </a:bodyPr>
-          <a:lstStyle/>
-          <a:p>
-            <a:pPr algn="just" rtl="1"/>
-            <a:r>
-              <a:rPr lang="fa-IR" sz="1400" dirty="0" smtClean="0">
-                <a:solidFill>
-                  <a:schemeClr val="accent3">
-                    <a:lumMod val="50000"/>
-                  </a:schemeClr>
-                </a:solidFill>
-                <a:cs typeface="B Nazanin" pitchFamily="2" charset="-78"/>
-              </a:rPr>
-              <a:t>جهت مشاهده راهنمای بخشهایی که جلوی علامت        هستند، روی علامت کلیک کنید.</a:t>
-            </a:r>
-          </a:p>
-        </p:txBody>
-      </p:sp>
-      <p:pic>
-        <p:nvPicPr>
-          <p:cNvPr id="30" name="Picture 29"/>
-          <p:cNvPicPr>
-            <a:picLocks noChangeAspect="1"/>
-          </p:cNvPicPr>
-          <p:nvPr/>
-        </p:nvPicPr>
-        <p:blipFill>
-          <a:blip r:embed="rId3">
-            <a:extLst>
-              <a:ext uri="{28A0092B-C50C-407E-A947-70E740481C1C}">
-                <a14:useLocalDpi xmlns:a14="http://schemas.microsoft.com/office/drawing/2010/main"/>
-              </a:ext>
-            </a:extLst>
-          </a:blip>
-          <a:stretch>
-            <a:fillRect/>
-          </a:stretch>
-        </p:blipFill>
-        <p:spPr>
-          <a:xfrm>
-            <a:off x="5743695" y="6377227"/>
-            <a:ext cx="253968" cy="253968"/>
-          </a:xfrm>
-          <a:prstGeom prst="rect">
-            <a:avLst/>
-          </a:prstGeom>
-        </p:spPr>
-      </p:pic>
+      </p:cxnSp>
     </p:spTree>
     <p:extLst>
       <p:ext uri="{BB962C8B-B14F-4D97-AF65-F5344CB8AC3E}">
